--- a/sctm146-proekt-unrvk-13.pptx
+++ b/sctm146-proekt-unrvk-13.pptx
@@ -11,16 +11,17 @@
     <p:sldId id="270" r:id="rId5"/>
     <p:sldId id="267" r:id="rId6"/>
     <p:sldId id="274" r:id="rId7"/>
-    <p:sldId id="271" r:id="rId8"/>
-    <p:sldId id="273" r:id="rId9"/>
-    <p:sldId id="272" r:id="rId10"/>
-    <p:sldId id="275" r:id="rId11"/>
-    <p:sldId id="278" r:id="rId12"/>
-    <p:sldId id="268" r:id="rId13"/>
-    <p:sldId id="277" r:id="rId14"/>
-    <p:sldId id="266" r:id="rId15"/>
-    <p:sldId id="262" r:id="rId16"/>
-    <p:sldId id="276" r:id="rId17"/>
+    <p:sldId id="279" r:id="rId8"/>
+    <p:sldId id="271" r:id="rId9"/>
+    <p:sldId id="273" r:id="rId10"/>
+    <p:sldId id="272" r:id="rId11"/>
+    <p:sldId id="275" r:id="rId12"/>
+    <p:sldId id="278" r:id="rId13"/>
+    <p:sldId id="268" r:id="rId14"/>
+    <p:sldId id="277" r:id="rId15"/>
+    <p:sldId id="266" r:id="rId16"/>
+    <p:sldId id="262" r:id="rId17"/>
+    <p:sldId id="276" r:id="rId18"/>
   </p:sldIdLst>
   <p:sldSz cx="12192000" cy="6858000"/>
   <p:notesSz cx="6858000" cy="9144000"/>
@@ -3793,45 +3794,10 @@
       </p:sp>
       <p:sp>
         <p:nvSpPr>
-          <p:cNvPr id="12" name="TextBox 11">
-            <a:extLst>
-              <a:ext uri="{FF2B5EF4-FFF2-40B4-BE49-F238E27FC236}">
-                <a16:creationId xmlns:a16="http://schemas.microsoft.com/office/drawing/2014/main" id="{358E67CA-3C95-FF40-86BC-C555D6D7696D}"/>
-              </a:ext>
-            </a:extLst>
-          </p:cNvPr>
-          <p:cNvSpPr txBox="1"/>
-          <p:nvPr/>
-        </p:nvSpPr>
-        <p:spPr>
-          <a:xfrm>
-            <a:off x="439567" y="1166842"/>
-            <a:ext cx="11312865" cy="338554"/>
-          </a:xfrm>
-          <a:prstGeom prst="rect">
-            <a:avLst/>
-          </a:prstGeom>
-          <a:noFill/>
-          <a:ln>
-            <a:noFill/>
-          </a:ln>
-        </p:spPr>
-        <p:txBody>
-          <a:bodyPr wrap="square" rtlCol="0">
-            <a:spAutoFit/>
-          </a:bodyPr>
-          <a:lstStyle/>
-          <a:p>
-            <a:endParaRPr lang="en-GB" sz="1600" dirty="0"/>
-          </a:p>
-        </p:txBody>
-      </p:sp>
-      <p:sp>
-        <p:nvSpPr>
-          <p:cNvPr id="8" name="Rectangle 7">
-            <a:extLst>
-              <a:ext uri="{FF2B5EF4-FFF2-40B4-BE49-F238E27FC236}">
-                <a16:creationId xmlns:a16="http://schemas.microsoft.com/office/drawing/2014/main" id="{45AC687F-0E0C-4749-94B4-5A45D145B1A8}"/>
+          <p:cNvPr id="6" name="Rectangle 5">
+            <a:extLst>
+              <a:ext uri="{FF2B5EF4-FFF2-40B4-BE49-F238E27FC236}">
+                <a16:creationId xmlns:a16="http://schemas.microsoft.com/office/drawing/2014/main" id="{674060E9-ADD7-5340-9708-92DFAE845D40}"/>
               </a:ext>
             </a:extLst>
           </p:cNvPr>
@@ -3840,8 +3806,8 @@
         </p:nvSpPr>
         <p:spPr>
           <a:xfrm>
-            <a:off x="365256" y="5933540"/>
-            <a:ext cx="11509348" cy="838195"/>
+            <a:off x="365256" y="1111178"/>
+            <a:ext cx="11509348" cy="4635643"/>
           </a:xfrm>
           <a:prstGeom prst="rect">
             <a:avLst/>
@@ -3878,10 +3844,45 @@
       </p:sp>
       <p:sp>
         <p:nvSpPr>
-          <p:cNvPr id="9" name="Rectangle 8">
-            <a:extLst>
-              <a:ext uri="{FF2B5EF4-FFF2-40B4-BE49-F238E27FC236}">
-                <a16:creationId xmlns:a16="http://schemas.microsoft.com/office/drawing/2014/main" id="{F2755679-8DE4-514E-86B0-90F216B68438}"/>
+          <p:cNvPr id="12" name="TextBox 11">
+            <a:extLst>
+              <a:ext uri="{FF2B5EF4-FFF2-40B4-BE49-F238E27FC236}">
+                <a16:creationId xmlns:a16="http://schemas.microsoft.com/office/drawing/2014/main" id="{358E67CA-3C95-FF40-86BC-C555D6D7696D}"/>
+              </a:ext>
+            </a:extLst>
+          </p:cNvPr>
+          <p:cNvSpPr txBox="1"/>
+          <p:nvPr/>
+        </p:nvSpPr>
+        <p:spPr>
+          <a:xfrm>
+            <a:off x="439567" y="1166842"/>
+            <a:ext cx="11312865" cy="338554"/>
+          </a:xfrm>
+          <a:prstGeom prst="rect">
+            <a:avLst/>
+          </a:prstGeom>
+          <a:noFill/>
+          <a:ln>
+            <a:noFill/>
+          </a:ln>
+        </p:spPr>
+        <p:txBody>
+          <a:bodyPr wrap="square" rtlCol="0">
+            <a:spAutoFit/>
+          </a:bodyPr>
+          <a:lstStyle/>
+          <a:p>
+            <a:endParaRPr lang="en-GB" sz="1600" dirty="0"/>
+          </a:p>
+        </p:txBody>
+      </p:sp>
+      <p:sp>
+        <p:nvSpPr>
+          <p:cNvPr id="8" name="Card 7">
+            <a:extLst>
+              <a:ext uri="{FF2B5EF4-FFF2-40B4-BE49-F238E27FC236}">
+                <a16:creationId xmlns:a16="http://schemas.microsoft.com/office/drawing/2014/main" id="{83AE707E-5960-B349-895E-8DB3531A0ACD}"/>
               </a:ext>
             </a:extLst>
           </p:cNvPr>
@@ -3890,8 +3891,1405 @@
         </p:nvSpPr>
         <p:spPr>
           <a:xfrm>
-            <a:off x="365256" y="1037610"/>
-            <a:ext cx="11509348" cy="4709211"/>
+            <a:off x="1392256" y="1286569"/>
+            <a:ext cx="525170" cy="614515"/>
+          </a:xfrm>
+          <a:prstGeom prst="flowChartPunchedCard">
+            <a:avLst/>
+          </a:prstGeom>
+          <a:solidFill>
+            <a:srgbClr val="00B050"/>
+          </a:solidFill>
+        </p:spPr>
+        <p:style>
+          <a:lnRef idx="2">
+            <a:schemeClr val="accent6"/>
+          </a:lnRef>
+          <a:fillRef idx="1">
+            <a:schemeClr val="lt1"/>
+          </a:fillRef>
+          <a:effectRef idx="0">
+            <a:schemeClr val="accent6"/>
+          </a:effectRef>
+          <a:fontRef idx="minor">
+            <a:schemeClr val="dk1"/>
+          </a:fontRef>
+        </p:style>
+        <p:txBody>
+          <a:bodyPr rtlCol="0" anchor="ctr"/>
+          <a:lstStyle/>
+          <a:p>
+            <a:r>
+              <a:rPr lang="en-GB" sz="1200" b="1" dirty="0"/>
+              <a:t>POM</a:t>
+            </a:r>
+          </a:p>
+        </p:txBody>
+      </p:sp>
+      <p:sp>
+        <p:nvSpPr>
+          <p:cNvPr id="9" name="Card 8">
+            <a:extLst>
+              <a:ext uri="{FF2B5EF4-FFF2-40B4-BE49-F238E27FC236}">
+                <a16:creationId xmlns:a16="http://schemas.microsoft.com/office/drawing/2014/main" id="{A151DF3E-E06D-0348-A204-81ACA9862DAF}"/>
+              </a:ext>
+            </a:extLst>
+          </p:cNvPr>
+          <p:cNvSpPr/>
+          <p:nvPr/>
+        </p:nvSpPr>
+        <p:spPr>
+          <a:xfrm>
+            <a:off x="9546555" y="1286569"/>
+            <a:ext cx="525170" cy="614515"/>
+          </a:xfrm>
+          <a:prstGeom prst="flowChartPunchedCard">
+            <a:avLst/>
+          </a:prstGeom>
+          <a:solidFill>
+            <a:srgbClr val="00B050"/>
+          </a:solidFill>
+        </p:spPr>
+        <p:style>
+          <a:lnRef idx="2">
+            <a:schemeClr val="accent6"/>
+          </a:lnRef>
+          <a:fillRef idx="1">
+            <a:schemeClr val="lt1"/>
+          </a:fillRef>
+          <a:effectRef idx="0">
+            <a:schemeClr val="accent6"/>
+          </a:effectRef>
+          <a:fontRef idx="minor">
+            <a:schemeClr val="dk1"/>
+          </a:fontRef>
+        </p:style>
+        <p:txBody>
+          <a:bodyPr rtlCol="0" anchor="ctr"/>
+          <a:lstStyle/>
+          <a:p>
+            <a:r>
+              <a:rPr lang="en-GB" sz="1200" b="1" dirty="0"/>
+              <a:t>POM</a:t>
+            </a:r>
+          </a:p>
+        </p:txBody>
+      </p:sp>
+      <p:sp>
+        <p:nvSpPr>
+          <p:cNvPr id="10" name="Card 9">
+            <a:extLst>
+              <a:ext uri="{FF2B5EF4-FFF2-40B4-BE49-F238E27FC236}">
+                <a16:creationId xmlns:a16="http://schemas.microsoft.com/office/drawing/2014/main" id="{90A73293-8A06-0949-B82A-17FA6B5980A5}"/>
+              </a:ext>
+            </a:extLst>
+          </p:cNvPr>
+          <p:cNvSpPr/>
+          <p:nvPr/>
+        </p:nvSpPr>
+        <p:spPr>
+          <a:xfrm>
+            <a:off x="615782" y="2844259"/>
+            <a:ext cx="525170" cy="614515"/>
+          </a:xfrm>
+          <a:prstGeom prst="flowChartPunchedCard">
+            <a:avLst/>
+          </a:prstGeom>
+          <a:solidFill>
+            <a:srgbClr val="00B050"/>
+          </a:solidFill>
+        </p:spPr>
+        <p:style>
+          <a:lnRef idx="2">
+            <a:schemeClr val="accent6"/>
+          </a:lnRef>
+          <a:fillRef idx="1">
+            <a:schemeClr val="lt1"/>
+          </a:fillRef>
+          <a:effectRef idx="0">
+            <a:schemeClr val="accent6"/>
+          </a:effectRef>
+          <a:fontRef idx="minor">
+            <a:schemeClr val="dk1"/>
+          </a:fontRef>
+        </p:style>
+        <p:txBody>
+          <a:bodyPr rtlCol="0" anchor="ctr"/>
+          <a:lstStyle/>
+          <a:p>
+            <a:r>
+              <a:rPr lang="en-GB" sz="1200" b="1" dirty="0"/>
+              <a:t>………………………</a:t>
+            </a:r>
+          </a:p>
+        </p:txBody>
+      </p:sp>
+      <p:sp>
+        <p:nvSpPr>
+          <p:cNvPr id="13" name="Card 12">
+            <a:extLst>
+              <a:ext uri="{FF2B5EF4-FFF2-40B4-BE49-F238E27FC236}">
+                <a16:creationId xmlns:a16="http://schemas.microsoft.com/office/drawing/2014/main" id="{86FEDE95-4201-A545-97F6-AD7C1B7272D4}"/>
+              </a:ext>
+            </a:extLst>
+          </p:cNvPr>
+          <p:cNvSpPr/>
+          <p:nvPr/>
+        </p:nvSpPr>
+        <p:spPr>
+          <a:xfrm>
+            <a:off x="2176539" y="2844260"/>
+            <a:ext cx="525170" cy="614515"/>
+          </a:xfrm>
+          <a:prstGeom prst="flowChartPunchedCard">
+            <a:avLst/>
+          </a:prstGeom>
+          <a:solidFill>
+            <a:srgbClr val="00B050"/>
+          </a:solidFill>
+        </p:spPr>
+        <p:style>
+          <a:lnRef idx="2">
+            <a:schemeClr val="accent6"/>
+          </a:lnRef>
+          <a:fillRef idx="1">
+            <a:schemeClr val="lt1"/>
+          </a:fillRef>
+          <a:effectRef idx="0">
+            <a:schemeClr val="accent6"/>
+          </a:effectRef>
+          <a:fontRef idx="minor">
+            <a:schemeClr val="dk1"/>
+          </a:fontRef>
+        </p:style>
+        <p:txBody>
+          <a:bodyPr rtlCol="0" anchor="ctr"/>
+          <a:lstStyle/>
+          <a:p>
+            <a:r>
+              <a:rPr lang="en-GB" sz="1200" b="1" dirty="0"/>
+              <a:t>………………………</a:t>
+            </a:r>
+          </a:p>
+        </p:txBody>
+      </p:sp>
+      <p:sp>
+        <p:nvSpPr>
+          <p:cNvPr id="3" name="Rectangle 2">
+            <a:extLst>
+              <a:ext uri="{FF2B5EF4-FFF2-40B4-BE49-F238E27FC236}">
+                <a16:creationId xmlns:a16="http://schemas.microsoft.com/office/drawing/2014/main" id="{DEFEB219-894A-7842-925C-1402698F65F6}"/>
+              </a:ext>
+            </a:extLst>
+          </p:cNvPr>
+          <p:cNvSpPr/>
+          <p:nvPr/>
+        </p:nvSpPr>
+        <p:spPr>
+          <a:xfrm>
+            <a:off x="2379359" y="1432602"/>
+            <a:ext cx="2674189" cy="307258"/>
+          </a:xfrm>
+          <a:prstGeom prst="rect">
+            <a:avLst/>
+          </a:prstGeom>
+          <a:solidFill>
+            <a:srgbClr val="00B050"/>
+          </a:solidFill>
+          <a:ln w="19050">
+            <a:prstDash val="dash"/>
+          </a:ln>
+        </p:spPr>
+        <p:style>
+          <a:lnRef idx="2">
+            <a:schemeClr val="accent6"/>
+          </a:lnRef>
+          <a:fillRef idx="1">
+            <a:schemeClr val="lt1"/>
+          </a:fillRef>
+          <a:effectRef idx="0">
+            <a:schemeClr val="accent6"/>
+          </a:effectRef>
+          <a:fontRef idx="minor">
+            <a:schemeClr val="dk1"/>
+          </a:fontRef>
+        </p:style>
+        <p:txBody>
+          <a:bodyPr rtlCol="0" anchor="ctr"/>
+          <a:lstStyle/>
+          <a:p>
+            <a:pPr algn="ctr"/>
+            <a:r>
+              <a:rPr lang="en-GB" sz="1000" dirty="0"/>
+              <a:t>org.apache.logging.log4j:log4j-core:</a:t>
+            </a:r>
+            <a:r>
+              <a:rPr lang="en-GB" sz="1000" dirty="0">
+                <a:highlight>
+                  <a:srgbClr val="00FF00"/>
+                </a:highlight>
+              </a:rPr>
+              <a:t>2.17.0</a:t>
+            </a:r>
+          </a:p>
+        </p:txBody>
+      </p:sp>
+      <p:cxnSp>
+        <p:nvCxnSpPr>
+          <p:cNvPr id="14" name="Straight Connector 13">
+            <a:extLst>
+              <a:ext uri="{FF2B5EF4-FFF2-40B4-BE49-F238E27FC236}">
+                <a16:creationId xmlns:a16="http://schemas.microsoft.com/office/drawing/2014/main" id="{175BE92A-72DC-094A-9E49-5A95FC847E11}"/>
+              </a:ext>
+            </a:extLst>
+          </p:cNvPr>
+          <p:cNvCxnSpPr>
+            <a:stCxn id="8" idx="3"/>
+            <a:endCxn id="3" idx="1"/>
+          </p:cNvCxnSpPr>
+          <p:nvPr/>
+        </p:nvCxnSpPr>
+        <p:spPr>
+          <a:xfrm flipV="1">
+            <a:off x="1917426" y="1586231"/>
+            <a:ext cx="461933" cy="7596"/>
+          </a:xfrm>
+          <a:prstGeom prst="line">
+            <a:avLst/>
+          </a:prstGeom>
+          <a:ln w="19050">
+            <a:solidFill>
+              <a:schemeClr val="tx1"/>
+            </a:solidFill>
+            <a:prstDash val="dash"/>
+          </a:ln>
+        </p:spPr>
+        <p:style>
+          <a:lnRef idx="1">
+            <a:schemeClr val="accent1"/>
+          </a:lnRef>
+          <a:fillRef idx="0">
+            <a:schemeClr val="accent1"/>
+          </a:fillRef>
+          <a:effectRef idx="0">
+            <a:schemeClr val="accent1"/>
+          </a:effectRef>
+          <a:fontRef idx="minor">
+            <a:schemeClr val="tx1"/>
+          </a:fontRef>
+        </p:style>
+      </p:cxnSp>
+      <p:sp>
+        <p:nvSpPr>
+          <p:cNvPr id="16" name="Rectangle 15">
+            <a:extLst>
+              <a:ext uri="{FF2B5EF4-FFF2-40B4-BE49-F238E27FC236}">
+                <a16:creationId xmlns:a16="http://schemas.microsoft.com/office/drawing/2014/main" id="{CD930F30-B32E-E540-B8D2-AE7A4CB7A450}"/>
+              </a:ext>
+            </a:extLst>
+          </p:cNvPr>
+          <p:cNvSpPr/>
+          <p:nvPr/>
+        </p:nvSpPr>
+        <p:spPr>
+          <a:xfrm>
+            <a:off x="1566112" y="3924311"/>
+            <a:ext cx="2674189" cy="307258"/>
+          </a:xfrm>
+          <a:prstGeom prst="rect">
+            <a:avLst/>
+          </a:prstGeom>
+          <a:solidFill>
+            <a:srgbClr val="C00000"/>
+          </a:solidFill>
+          <a:ln w="19050">
+            <a:prstDash val="dash"/>
+          </a:ln>
+        </p:spPr>
+        <p:style>
+          <a:lnRef idx="2">
+            <a:schemeClr val="accent6"/>
+          </a:lnRef>
+          <a:fillRef idx="1">
+            <a:schemeClr val="lt1"/>
+          </a:fillRef>
+          <a:effectRef idx="0">
+            <a:schemeClr val="accent6"/>
+          </a:effectRef>
+          <a:fontRef idx="minor">
+            <a:schemeClr val="dk1"/>
+          </a:fontRef>
+        </p:style>
+        <p:txBody>
+          <a:bodyPr rtlCol="0" anchor="ctr"/>
+          <a:lstStyle/>
+          <a:p>
+            <a:pPr algn="ctr"/>
+            <a:r>
+              <a:rPr lang="en-GB" sz="1000" dirty="0"/>
+              <a:t>org.apache.logging.log4j:log4j-core:</a:t>
+            </a:r>
+            <a:r>
+              <a:rPr lang="en-GB" sz="1000" dirty="0">
+                <a:highlight>
+                  <a:srgbClr val="FF0000"/>
+                </a:highlight>
+              </a:rPr>
+              <a:t>2.13.0</a:t>
+            </a:r>
+          </a:p>
+        </p:txBody>
+      </p:sp>
+      <p:cxnSp>
+        <p:nvCxnSpPr>
+          <p:cNvPr id="17" name="Straight Connector 16">
+            <a:extLst>
+              <a:ext uri="{FF2B5EF4-FFF2-40B4-BE49-F238E27FC236}">
+                <a16:creationId xmlns:a16="http://schemas.microsoft.com/office/drawing/2014/main" id="{974C56B7-FA9A-E543-A460-EB6F154F261F}"/>
+              </a:ext>
+            </a:extLst>
+          </p:cNvPr>
+          <p:cNvCxnSpPr>
+            <a:cxnSpLocks/>
+            <a:stCxn id="13" idx="2"/>
+            <a:endCxn id="16" idx="0"/>
+          </p:cNvCxnSpPr>
+          <p:nvPr/>
+        </p:nvCxnSpPr>
+        <p:spPr>
+          <a:xfrm>
+            <a:off x="2439124" y="3458775"/>
+            <a:ext cx="464083" cy="465536"/>
+          </a:xfrm>
+          <a:prstGeom prst="line">
+            <a:avLst/>
+          </a:prstGeom>
+          <a:ln w="19050">
+            <a:solidFill>
+              <a:schemeClr val="tx1"/>
+            </a:solidFill>
+            <a:prstDash val="dash"/>
+          </a:ln>
+        </p:spPr>
+        <p:style>
+          <a:lnRef idx="1">
+            <a:schemeClr val="accent1"/>
+          </a:lnRef>
+          <a:fillRef idx="0">
+            <a:schemeClr val="accent1"/>
+          </a:fillRef>
+          <a:effectRef idx="0">
+            <a:schemeClr val="accent1"/>
+          </a:effectRef>
+          <a:fontRef idx="minor">
+            <a:schemeClr val="tx1"/>
+          </a:fontRef>
+        </p:style>
+      </p:cxnSp>
+      <p:sp>
+        <p:nvSpPr>
+          <p:cNvPr id="18" name="Rectangle 17">
+            <a:extLst>
+              <a:ext uri="{FF2B5EF4-FFF2-40B4-BE49-F238E27FC236}">
+                <a16:creationId xmlns:a16="http://schemas.microsoft.com/office/drawing/2014/main" id="{8188424E-B243-124D-8A35-1A69DCDD2BFF}"/>
+              </a:ext>
+            </a:extLst>
+          </p:cNvPr>
+          <p:cNvSpPr/>
+          <p:nvPr/>
+        </p:nvSpPr>
+        <p:spPr>
+          <a:xfrm>
+            <a:off x="478804" y="5146381"/>
+            <a:ext cx="2674189" cy="307258"/>
+          </a:xfrm>
+          <a:prstGeom prst="rect">
+            <a:avLst/>
+          </a:prstGeom>
+          <a:solidFill>
+            <a:srgbClr val="C00000"/>
+          </a:solidFill>
+          <a:ln w="19050">
+            <a:prstDash val="dash"/>
+          </a:ln>
+        </p:spPr>
+        <p:style>
+          <a:lnRef idx="2">
+            <a:schemeClr val="accent6"/>
+          </a:lnRef>
+          <a:fillRef idx="1">
+            <a:schemeClr val="lt1"/>
+          </a:fillRef>
+          <a:effectRef idx="0">
+            <a:schemeClr val="accent6"/>
+          </a:effectRef>
+          <a:fontRef idx="minor">
+            <a:schemeClr val="dk1"/>
+          </a:fontRef>
+        </p:style>
+        <p:txBody>
+          <a:bodyPr rtlCol="0" anchor="ctr"/>
+          <a:lstStyle/>
+          <a:p>
+            <a:pPr algn="ctr"/>
+            <a:r>
+              <a:rPr lang="en-GB" sz="1000" dirty="0"/>
+              <a:t>org.apache.logging.log4j:log4j-core:</a:t>
+            </a:r>
+            <a:r>
+              <a:rPr lang="en-GB" sz="1000" dirty="0">
+                <a:highlight>
+                  <a:srgbClr val="FF0000"/>
+                </a:highlight>
+              </a:rPr>
+              <a:t>2.14.0</a:t>
+            </a:r>
+          </a:p>
+        </p:txBody>
+      </p:sp>
+      <p:cxnSp>
+        <p:nvCxnSpPr>
+          <p:cNvPr id="19" name="Straight Connector 18">
+            <a:extLst>
+              <a:ext uri="{FF2B5EF4-FFF2-40B4-BE49-F238E27FC236}">
+                <a16:creationId xmlns:a16="http://schemas.microsoft.com/office/drawing/2014/main" id="{AC0CF9C3-DCB7-AB48-BE02-D47547C175BC}"/>
+              </a:ext>
+            </a:extLst>
+          </p:cNvPr>
+          <p:cNvCxnSpPr>
+            <a:cxnSpLocks/>
+            <a:stCxn id="10" idx="2"/>
+            <a:endCxn id="18" idx="0"/>
+          </p:cNvCxnSpPr>
+          <p:nvPr/>
+        </p:nvCxnSpPr>
+        <p:spPr>
+          <a:xfrm>
+            <a:off x="878367" y="3458774"/>
+            <a:ext cx="937532" cy="1687607"/>
+          </a:xfrm>
+          <a:prstGeom prst="line">
+            <a:avLst/>
+          </a:prstGeom>
+          <a:ln w="19050">
+            <a:solidFill>
+              <a:schemeClr val="tx1"/>
+            </a:solidFill>
+            <a:prstDash val="dash"/>
+          </a:ln>
+        </p:spPr>
+        <p:style>
+          <a:lnRef idx="1">
+            <a:schemeClr val="accent1"/>
+          </a:lnRef>
+          <a:fillRef idx="0">
+            <a:schemeClr val="accent1"/>
+          </a:fillRef>
+          <a:effectRef idx="0">
+            <a:schemeClr val="accent1"/>
+          </a:effectRef>
+          <a:fontRef idx="minor">
+            <a:schemeClr val="tx1"/>
+          </a:fontRef>
+        </p:style>
+      </p:cxnSp>
+      <p:cxnSp>
+        <p:nvCxnSpPr>
+          <p:cNvPr id="26" name="Elbow Connector 25">
+            <a:extLst>
+              <a:ext uri="{FF2B5EF4-FFF2-40B4-BE49-F238E27FC236}">
+                <a16:creationId xmlns:a16="http://schemas.microsoft.com/office/drawing/2014/main" id="{9F2D3F20-23C5-B146-9135-25D57EC47898}"/>
+              </a:ext>
+            </a:extLst>
+          </p:cNvPr>
+          <p:cNvCxnSpPr>
+            <a:cxnSpLocks/>
+            <a:stCxn id="10" idx="0"/>
+            <a:endCxn id="8" idx="2"/>
+          </p:cNvCxnSpPr>
+          <p:nvPr/>
+        </p:nvCxnSpPr>
+        <p:spPr>
+          <a:xfrm rot="5400000" flipH="1" flipV="1">
+            <a:off x="795017" y="1984435"/>
+            <a:ext cx="943175" cy="776474"/>
+          </a:xfrm>
+          <a:prstGeom prst="bentConnector3">
+            <a:avLst>
+              <a:gd name="adj1" fmla="val 50000"/>
+            </a:avLst>
+          </a:prstGeom>
+          <a:ln>
+            <a:solidFill>
+              <a:schemeClr val="tx1"/>
+            </a:solidFill>
+            <a:tailEnd type="triangle"/>
+          </a:ln>
+        </p:spPr>
+        <p:style>
+          <a:lnRef idx="1">
+            <a:schemeClr val="accent1"/>
+          </a:lnRef>
+          <a:fillRef idx="0">
+            <a:schemeClr val="accent1"/>
+          </a:fillRef>
+          <a:effectRef idx="0">
+            <a:schemeClr val="accent1"/>
+          </a:effectRef>
+          <a:fontRef idx="minor">
+            <a:schemeClr val="tx1"/>
+          </a:fontRef>
+        </p:style>
+      </p:cxnSp>
+      <p:cxnSp>
+        <p:nvCxnSpPr>
+          <p:cNvPr id="29" name="Elbow Connector 28">
+            <a:extLst>
+              <a:ext uri="{FF2B5EF4-FFF2-40B4-BE49-F238E27FC236}">
+                <a16:creationId xmlns:a16="http://schemas.microsoft.com/office/drawing/2014/main" id="{C58593FC-81E3-1D49-83F4-8D5399AC9D1E}"/>
+              </a:ext>
+            </a:extLst>
+          </p:cNvPr>
+          <p:cNvCxnSpPr>
+            <a:stCxn id="8" idx="2"/>
+            <a:endCxn id="13" idx="0"/>
+          </p:cNvCxnSpPr>
+          <p:nvPr/>
+        </p:nvCxnSpPr>
+        <p:spPr>
+          <a:xfrm rot="16200000" flipH="1">
+            <a:off x="1575394" y="1980530"/>
+            <a:ext cx="943176" cy="784283"/>
+          </a:xfrm>
+          <a:prstGeom prst="bentConnector3">
+            <a:avLst/>
+          </a:prstGeom>
+          <a:ln>
+            <a:solidFill>
+              <a:schemeClr val="tx1"/>
+            </a:solidFill>
+          </a:ln>
+        </p:spPr>
+        <p:style>
+          <a:lnRef idx="1">
+            <a:schemeClr val="accent1"/>
+          </a:lnRef>
+          <a:fillRef idx="0">
+            <a:schemeClr val="accent1"/>
+          </a:fillRef>
+          <a:effectRef idx="0">
+            <a:schemeClr val="accent1"/>
+          </a:effectRef>
+          <a:fontRef idx="minor">
+            <a:schemeClr val="tx1"/>
+          </a:fontRef>
+        </p:style>
+      </p:cxnSp>
+      <p:sp>
+        <p:nvSpPr>
+          <p:cNvPr id="32" name="Rectangle 31">
+            <a:extLst>
+              <a:ext uri="{FF2B5EF4-FFF2-40B4-BE49-F238E27FC236}">
+                <a16:creationId xmlns:a16="http://schemas.microsoft.com/office/drawing/2014/main" id="{0D18CFD8-A0D6-9C47-AF25-BDA5A89AD24B}"/>
+              </a:ext>
+            </a:extLst>
+          </p:cNvPr>
+          <p:cNvSpPr/>
+          <p:nvPr/>
+        </p:nvSpPr>
+        <p:spPr>
+          <a:xfrm>
+            <a:off x="6410433" y="1440197"/>
+            <a:ext cx="2674189" cy="307258"/>
+          </a:xfrm>
+          <a:prstGeom prst="rect">
+            <a:avLst/>
+          </a:prstGeom>
+          <a:solidFill>
+            <a:srgbClr val="00B050"/>
+          </a:solidFill>
+          <a:ln w="19050">
+            <a:prstDash val="dash"/>
+          </a:ln>
+        </p:spPr>
+        <p:style>
+          <a:lnRef idx="2">
+            <a:schemeClr val="accent6"/>
+          </a:lnRef>
+          <a:fillRef idx="1">
+            <a:schemeClr val="lt1"/>
+          </a:fillRef>
+          <a:effectRef idx="0">
+            <a:schemeClr val="accent6"/>
+          </a:effectRef>
+          <a:fontRef idx="minor">
+            <a:schemeClr val="dk1"/>
+          </a:fontRef>
+        </p:style>
+        <p:txBody>
+          <a:bodyPr rtlCol="0" anchor="ctr"/>
+          <a:lstStyle/>
+          <a:p>
+            <a:pPr algn="ctr"/>
+            <a:r>
+              <a:rPr lang="en-GB" sz="1000" dirty="0"/>
+              <a:t>org.apache.logging.log4j:log4j-core:</a:t>
+            </a:r>
+            <a:r>
+              <a:rPr lang="en-GB" sz="1000" dirty="0">
+                <a:highlight>
+                  <a:srgbClr val="00FF00"/>
+                </a:highlight>
+              </a:rPr>
+              <a:t>2.17.0</a:t>
+            </a:r>
+          </a:p>
+        </p:txBody>
+      </p:sp>
+      <p:cxnSp>
+        <p:nvCxnSpPr>
+          <p:cNvPr id="33" name="Straight Connector 32">
+            <a:extLst>
+              <a:ext uri="{FF2B5EF4-FFF2-40B4-BE49-F238E27FC236}">
+                <a16:creationId xmlns:a16="http://schemas.microsoft.com/office/drawing/2014/main" id="{A191D8D6-7815-DD46-AB86-F89EEE8612F3}"/>
+              </a:ext>
+            </a:extLst>
+          </p:cNvPr>
+          <p:cNvCxnSpPr>
+            <a:cxnSpLocks/>
+            <a:stCxn id="9" idx="1"/>
+            <a:endCxn id="32" idx="3"/>
+          </p:cNvCxnSpPr>
+          <p:nvPr/>
+        </p:nvCxnSpPr>
+        <p:spPr>
+          <a:xfrm flipH="1" flipV="1">
+            <a:off x="9084622" y="1593826"/>
+            <a:ext cx="461933" cy="1"/>
+          </a:xfrm>
+          <a:prstGeom prst="line">
+            <a:avLst/>
+          </a:prstGeom>
+          <a:ln w="19050">
+            <a:solidFill>
+              <a:schemeClr val="tx1"/>
+            </a:solidFill>
+            <a:prstDash val="dash"/>
+          </a:ln>
+        </p:spPr>
+        <p:style>
+          <a:lnRef idx="1">
+            <a:schemeClr val="accent1"/>
+          </a:lnRef>
+          <a:fillRef idx="0">
+            <a:schemeClr val="accent1"/>
+          </a:fillRef>
+          <a:effectRef idx="0">
+            <a:schemeClr val="accent1"/>
+          </a:effectRef>
+          <a:fontRef idx="minor">
+            <a:schemeClr val="tx1"/>
+          </a:fontRef>
+        </p:style>
+      </p:cxnSp>
+      <p:sp>
+        <p:nvSpPr>
+          <p:cNvPr id="60" name="Card 59">
+            <a:extLst>
+              <a:ext uri="{FF2B5EF4-FFF2-40B4-BE49-F238E27FC236}">
+                <a16:creationId xmlns:a16="http://schemas.microsoft.com/office/drawing/2014/main" id="{73AA000B-37FC-B942-9CFE-15CA17FED0EA}"/>
+              </a:ext>
+            </a:extLst>
+          </p:cNvPr>
+          <p:cNvSpPr/>
+          <p:nvPr/>
+        </p:nvSpPr>
+        <p:spPr>
+          <a:xfrm>
+            <a:off x="8775421" y="2847751"/>
+            <a:ext cx="525170" cy="614515"/>
+          </a:xfrm>
+          <a:prstGeom prst="flowChartPunchedCard">
+            <a:avLst/>
+          </a:prstGeom>
+          <a:solidFill>
+            <a:srgbClr val="00B050"/>
+          </a:solidFill>
+        </p:spPr>
+        <p:style>
+          <a:lnRef idx="2">
+            <a:schemeClr val="accent6"/>
+          </a:lnRef>
+          <a:fillRef idx="1">
+            <a:schemeClr val="lt1"/>
+          </a:fillRef>
+          <a:effectRef idx="0">
+            <a:schemeClr val="accent6"/>
+          </a:effectRef>
+          <a:fontRef idx="minor">
+            <a:schemeClr val="dk1"/>
+          </a:fontRef>
+        </p:style>
+        <p:txBody>
+          <a:bodyPr rtlCol="0" anchor="ctr"/>
+          <a:lstStyle/>
+          <a:p>
+            <a:r>
+              <a:rPr lang="en-GB" sz="1200" b="1" dirty="0"/>
+              <a:t>………………………</a:t>
+            </a:r>
+          </a:p>
+        </p:txBody>
+      </p:sp>
+      <p:sp>
+        <p:nvSpPr>
+          <p:cNvPr id="61" name="Card 60">
+            <a:extLst>
+              <a:ext uri="{FF2B5EF4-FFF2-40B4-BE49-F238E27FC236}">
+                <a16:creationId xmlns:a16="http://schemas.microsoft.com/office/drawing/2014/main" id="{FEAAFEA2-14D2-1844-A80C-DC8076070A1B}"/>
+              </a:ext>
+            </a:extLst>
+          </p:cNvPr>
+          <p:cNvSpPr/>
+          <p:nvPr/>
+        </p:nvSpPr>
+        <p:spPr>
+          <a:xfrm>
+            <a:off x="10336178" y="2847752"/>
+            <a:ext cx="525170" cy="614515"/>
+          </a:xfrm>
+          <a:prstGeom prst="flowChartPunchedCard">
+            <a:avLst/>
+          </a:prstGeom>
+          <a:solidFill>
+            <a:srgbClr val="FF0000"/>
+          </a:solidFill>
+        </p:spPr>
+        <p:style>
+          <a:lnRef idx="2">
+            <a:schemeClr val="accent6"/>
+          </a:lnRef>
+          <a:fillRef idx="1">
+            <a:schemeClr val="lt1"/>
+          </a:fillRef>
+          <a:effectRef idx="0">
+            <a:schemeClr val="accent6"/>
+          </a:effectRef>
+          <a:fontRef idx="minor">
+            <a:schemeClr val="dk1"/>
+          </a:fontRef>
+        </p:style>
+        <p:txBody>
+          <a:bodyPr rtlCol="0" anchor="ctr"/>
+          <a:lstStyle/>
+          <a:p>
+            <a:r>
+              <a:rPr lang="en-GB" sz="1200" b="1" dirty="0"/>
+              <a:t>………………………</a:t>
+            </a:r>
+          </a:p>
+        </p:txBody>
+      </p:sp>
+      <p:cxnSp>
+        <p:nvCxnSpPr>
+          <p:cNvPr id="62" name="Elbow Connector 61">
+            <a:extLst>
+              <a:ext uri="{FF2B5EF4-FFF2-40B4-BE49-F238E27FC236}">
+                <a16:creationId xmlns:a16="http://schemas.microsoft.com/office/drawing/2014/main" id="{920AEBD0-983C-D347-8B2F-65E1B4E124B0}"/>
+              </a:ext>
+            </a:extLst>
+          </p:cNvPr>
+          <p:cNvCxnSpPr>
+            <a:cxnSpLocks/>
+            <a:stCxn id="60" idx="0"/>
+          </p:cNvCxnSpPr>
+          <p:nvPr/>
+        </p:nvCxnSpPr>
+        <p:spPr>
+          <a:xfrm rot="5400000" flipH="1" flipV="1">
+            <a:off x="8954656" y="1987927"/>
+            <a:ext cx="943175" cy="776474"/>
+          </a:xfrm>
+          <a:prstGeom prst="bentConnector3">
+            <a:avLst>
+              <a:gd name="adj1" fmla="val 50000"/>
+            </a:avLst>
+          </a:prstGeom>
+          <a:ln>
+            <a:solidFill>
+              <a:schemeClr val="tx1"/>
+            </a:solidFill>
+            <a:tailEnd type="triangle"/>
+          </a:ln>
+        </p:spPr>
+        <p:style>
+          <a:lnRef idx="1">
+            <a:schemeClr val="accent1"/>
+          </a:lnRef>
+          <a:fillRef idx="0">
+            <a:schemeClr val="accent1"/>
+          </a:fillRef>
+          <a:effectRef idx="0">
+            <a:schemeClr val="accent1"/>
+          </a:effectRef>
+          <a:fontRef idx="minor">
+            <a:schemeClr val="tx1"/>
+          </a:fontRef>
+        </p:style>
+      </p:cxnSp>
+      <p:cxnSp>
+        <p:nvCxnSpPr>
+          <p:cNvPr id="63" name="Elbow Connector 62">
+            <a:extLst>
+              <a:ext uri="{FF2B5EF4-FFF2-40B4-BE49-F238E27FC236}">
+                <a16:creationId xmlns:a16="http://schemas.microsoft.com/office/drawing/2014/main" id="{A2702B7F-CE28-4F43-A86F-F3420A19FBE2}"/>
+              </a:ext>
+            </a:extLst>
+          </p:cNvPr>
+          <p:cNvCxnSpPr>
+            <a:endCxn id="61" idx="0"/>
+          </p:cNvCxnSpPr>
+          <p:nvPr/>
+        </p:nvCxnSpPr>
+        <p:spPr>
+          <a:xfrm rot="16200000" flipH="1">
+            <a:off x="9735033" y="1984022"/>
+            <a:ext cx="943176" cy="784283"/>
+          </a:xfrm>
+          <a:prstGeom prst="bentConnector3">
+            <a:avLst/>
+          </a:prstGeom>
+          <a:ln>
+            <a:solidFill>
+              <a:schemeClr val="tx1"/>
+            </a:solidFill>
+          </a:ln>
+        </p:spPr>
+        <p:style>
+          <a:lnRef idx="1">
+            <a:schemeClr val="accent1"/>
+          </a:lnRef>
+          <a:fillRef idx="0">
+            <a:schemeClr val="accent1"/>
+          </a:fillRef>
+          <a:effectRef idx="0">
+            <a:schemeClr val="accent1"/>
+          </a:effectRef>
+          <a:fontRef idx="minor">
+            <a:schemeClr val="tx1"/>
+          </a:fontRef>
+        </p:style>
+      </p:cxnSp>
+      <p:sp>
+        <p:nvSpPr>
+          <p:cNvPr id="67" name="Rectangle 66">
+            <a:extLst>
+              <a:ext uri="{FF2B5EF4-FFF2-40B4-BE49-F238E27FC236}">
+                <a16:creationId xmlns:a16="http://schemas.microsoft.com/office/drawing/2014/main" id="{DE15142C-15D8-AF4A-8774-1A5E8D33341D}"/>
+              </a:ext>
+            </a:extLst>
+          </p:cNvPr>
+          <p:cNvSpPr/>
+          <p:nvPr/>
+        </p:nvSpPr>
+        <p:spPr>
+          <a:xfrm>
+            <a:off x="8999083" y="3919347"/>
+            <a:ext cx="2674189" cy="307258"/>
+          </a:xfrm>
+          <a:prstGeom prst="rect">
+            <a:avLst/>
+          </a:prstGeom>
+          <a:solidFill>
+            <a:srgbClr val="C00000"/>
+          </a:solidFill>
+          <a:ln w="19050">
+            <a:prstDash val="dash"/>
+          </a:ln>
+        </p:spPr>
+        <p:style>
+          <a:lnRef idx="2">
+            <a:schemeClr val="accent6"/>
+          </a:lnRef>
+          <a:fillRef idx="1">
+            <a:schemeClr val="lt1"/>
+          </a:fillRef>
+          <a:effectRef idx="0">
+            <a:schemeClr val="accent6"/>
+          </a:effectRef>
+          <a:fontRef idx="minor">
+            <a:schemeClr val="dk1"/>
+          </a:fontRef>
+        </p:style>
+        <p:txBody>
+          <a:bodyPr rtlCol="0" anchor="ctr"/>
+          <a:lstStyle/>
+          <a:p>
+            <a:pPr algn="ctr"/>
+            <a:r>
+              <a:rPr lang="en-GB" sz="1000" dirty="0"/>
+              <a:t>org.apache.logging.log4j:log4j-core:</a:t>
+            </a:r>
+            <a:r>
+              <a:rPr lang="en-GB" sz="1000" dirty="0">
+                <a:highlight>
+                  <a:srgbClr val="FF0000"/>
+                </a:highlight>
+              </a:rPr>
+              <a:t>2.13.0</a:t>
+            </a:r>
+          </a:p>
+        </p:txBody>
+      </p:sp>
+      <p:cxnSp>
+        <p:nvCxnSpPr>
+          <p:cNvPr id="68" name="Straight Connector 67">
+            <a:extLst>
+              <a:ext uri="{FF2B5EF4-FFF2-40B4-BE49-F238E27FC236}">
+                <a16:creationId xmlns:a16="http://schemas.microsoft.com/office/drawing/2014/main" id="{72B3FADF-5BCD-584C-A8AD-70332DA472F6}"/>
+              </a:ext>
+            </a:extLst>
+          </p:cNvPr>
+          <p:cNvCxnSpPr>
+            <a:cxnSpLocks/>
+            <a:endCxn id="67" idx="0"/>
+          </p:cNvCxnSpPr>
+          <p:nvPr/>
+        </p:nvCxnSpPr>
+        <p:spPr>
+          <a:xfrm flipH="1">
+            <a:off x="10336178" y="3470726"/>
+            <a:ext cx="224263" cy="448621"/>
+          </a:xfrm>
+          <a:prstGeom prst="line">
+            <a:avLst/>
+          </a:prstGeom>
+          <a:ln w="19050">
+            <a:solidFill>
+              <a:schemeClr val="tx1"/>
+            </a:solidFill>
+            <a:prstDash val="dash"/>
+          </a:ln>
+        </p:spPr>
+        <p:style>
+          <a:lnRef idx="1">
+            <a:schemeClr val="accent1"/>
+          </a:lnRef>
+          <a:fillRef idx="0">
+            <a:schemeClr val="accent1"/>
+          </a:fillRef>
+          <a:effectRef idx="0">
+            <a:schemeClr val="accent1"/>
+          </a:effectRef>
+          <a:fontRef idx="minor">
+            <a:schemeClr val="tx1"/>
+          </a:fontRef>
+        </p:style>
+      </p:cxnSp>
+      <p:sp>
+        <p:nvSpPr>
+          <p:cNvPr id="69" name="Rectangle 68">
+            <a:extLst>
+              <a:ext uri="{FF2B5EF4-FFF2-40B4-BE49-F238E27FC236}">
+                <a16:creationId xmlns:a16="http://schemas.microsoft.com/office/drawing/2014/main" id="{234B63FB-7F2E-0348-8CB7-60E1B5D84588}"/>
+              </a:ext>
+            </a:extLst>
+          </p:cNvPr>
+          <p:cNvSpPr/>
+          <p:nvPr/>
+        </p:nvSpPr>
+        <p:spPr>
+          <a:xfrm>
+            <a:off x="6992295" y="5144571"/>
+            <a:ext cx="2674189" cy="307258"/>
+          </a:xfrm>
+          <a:prstGeom prst="rect">
+            <a:avLst/>
+          </a:prstGeom>
+          <a:solidFill>
+            <a:srgbClr val="00B050"/>
+          </a:solidFill>
+          <a:ln w="19050">
+            <a:prstDash val="dash"/>
+          </a:ln>
+        </p:spPr>
+        <p:style>
+          <a:lnRef idx="2">
+            <a:schemeClr val="accent6"/>
+          </a:lnRef>
+          <a:fillRef idx="1">
+            <a:schemeClr val="lt1"/>
+          </a:fillRef>
+          <a:effectRef idx="0">
+            <a:schemeClr val="accent6"/>
+          </a:effectRef>
+          <a:fontRef idx="minor">
+            <a:schemeClr val="dk1"/>
+          </a:fontRef>
+        </p:style>
+        <p:txBody>
+          <a:bodyPr rtlCol="0" anchor="ctr"/>
+          <a:lstStyle/>
+          <a:p>
+            <a:pPr algn="ctr"/>
+            <a:r>
+              <a:rPr lang="en-GB" sz="1000" dirty="0"/>
+              <a:t>org.apache.logging.log4j:log4j-core:</a:t>
+            </a:r>
+            <a:r>
+              <a:rPr lang="en-GB" sz="1000" dirty="0">
+                <a:highlight>
+                  <a:srgbClr val="00FF00"/>
+                </a:highlight>
+              </a:rPr>
+              <a:t>2.17.1</a:t>
+            </a:r>
+          </a:p>
+        </p:txBody>
+      </p:sp>
+      <p:cxnSp>
+        <p:nvCxnSpPr>
+          <p:cNvPr id="70" name="Straight Connector 69">
+            <a:extLst>
+              <a:ext uri="{FF2B5EF4-FFF2-40B4-BE49-F238E27FC236}">
+                <a16:creationId xmlns:a16="http://schemas.microsoft.com/office/drawing/2014/main" id="{D79A8F7C-E53F-9C45-B059-C29A28632F57}"/>
+              </a:ext>
+            </a:extLst>
+          </p:cNvPr>
+          <p:cNvCxnSpPr>
+            <a:cxnSpLocks/>
+            <a:stCxn id="60" idx="2"/>
+            <a:endCxn id="69" idx="0"/>
+          </p:cNvCxnSpPr>
+          <p:nvPr/>
+        </p:nvCxnSpPr>
+        <p:spPr>
+          <a:xfrm flipH="1">
+            <a:off x="8329390" y="3462266"/>
+            <a:ext cx="708616" cy="1682305"/>
+          </a:xfrm>
+          <a:prstGeom prst="line">
+            <a:avLst/>
+          </a:prstGeom>
+          <a:ln w="19050">
+            <a:solidFill>
+              <a:schemeClr val="tx1"/>
+            </a:solidFill>
+            <a:prstDash val="dash"/>
+          </a:ln>
+        </p:spPr>
+        <p:style>
+          <a:lnRef idx="1">
+            <a:schemeClr val="accent1"/>
+          </a:lnRef>
+          <a:fillRef idx="0">
+            <a:schemeClr val="accent1"/>
+          </a:fillRef>
+          <a:effectRef idx="0">
+            <a:schemeClr val="accent1"/>
+          </a:effectRef>
+          <a:fontRef idx="minor">
+            <a:schemeClr val="tx1"/>
+          </a:fontRef>
+        </p:style>
+      </p:cxnSp>
+      <p:sp>
+        <p:nvSpPr>
+          <p:cNvPr id="74" name="Rectangle 73">
+            <a:extLst>
+              <a:ext uri="{FF2B5EF4-FFF2-40B4-BE49-F238E27FC236}">
+                <a16:creationId xmlns:a16="http://schemas.microsoft.com/office/drawing/2014/main" id="{22EA6BE2-5627-6140-87F1-BB9E736A1244}"/>
+              </a:ext>
+            </a:extLst>
+          </p:cNvPr>
+          <p:cNvSpPr/>
+          <p:nvPr/>
+        </p:nvSpPr>
+        <p:spPr>
+          <a:xfrm>
+            <a:off x="10474296" y="1228869"/>
+            <a:ext cx="1276710" cy="729916"/>
+          </a:xfrm>
+          <a:prstGeom prst="rect">
+            <a:avLst/>
+          </a:prstGeom>
+        </p:spPr>
+        <p:style>
+          <a:lnRef idx="2">
+            <a:schemeClr val="accent6"/>
+          </a:lnRef>
+          <a:fillRef idx="1">
+            <a:schemeClr val="lt1"/>
+          </a:fillRef>
+          <a:effectRef idx="0">
+            <a:schemeClr val="accent6"/>
+          </a:effectRef>
+          <a:fontRef idx="minor">
+            <a:schemeClr val="dk1"/>
+          </a:fontRef>
+        </p:style>
+        <p:txBody>
+          <a:bodyPr rtlCol="0" anchor="ctr"/>
+          <a:lstStyle/>
+          <a:p>
+            <a:pPr algn="ctr"/>
+            <a:endParaRPr lang="en-GB" sz="1600" b="1" i="1" dirty="0"/>
+          </a:p>
+          <a:p>
+            <a:pPr algn="ctr"/>
+            <a:r>
+              <a:rPr lang="en-GB" sz="1600" b="1" i="1" dirty="0"/>
+              <a:t>Enforcer</a:t>
+            </a:r>
+          </a:p>
+        </p:txBody>
+      </p:sp>
+      <p:pic>
+        <p:nvPicPr>
+          <p:cNvPr id="75" name="Picture 74" descr="A firework in the sky&#10;&#10;Description automatically generated with low confidence">
+            <a:extLst>
+              <a:ext uri="{FF2B5EF4-FFF2-40B4-BE49-F238E27FC236}">
+                <a16:creationId xmlns:a16="http://schemas.microsoft.com/office/drawing/2014/main" id="{9F9686EA-D8EE-BA4E-850E-05F5F6DDE4A4}"/>
+              </a:ext>
+            </a:extLst>
+          </p:cNvPr>
+          <p:cNvPicPr>
+            <a:picLocks noChangeAspect="1"/>
+          </p:cNvPicPr>
+          <p:nvPr/>
+        </p:nvPicPr>
+        <p:blipFill>
+          <a:blip r:embed="rId2"/>
+          <a:stretch>
+            <a:fillRect/>
+          </a:stretch>
+        </p:blipFill>
+        <p:spPr>
+          <a:xfrm>
+            <a:off x="10723476" y="1384861"/>
+            <a:ext cx="874576" cy="218644"/>
+          </a:xfrm>
+          <a:prstGeom prst="rect">
+            <a:avLst/>
+          </a:prstGeom>
+        </p:spPr>
+      </p:pic>
+      <p:cxnSp>
+        <p:nvCxnSpPr>
+          <p:cNvPr id="76" name="Straight Connector 75">
+            <a:extLst>
+              <a:ext uri="{FF2B5EF4-FFF2-40B4-BE49-F238E27FC236}">
+                <a16:creationId xmlns:a16="http://schemas.microsoft.com/office/drawing/2014/main" id="{D9A19C71-ADFF-A445-8CF7-EA55026FBCFD}"/>
+              </a:ext>
+            </a:extLst>
+          </p:cNvPr>
+          <p:cNvCxnSpPr>
+            <a:cxnSpLocks/>
+            <a:stCxn id="74" idx="1"/>
+            <a:endCxn id="9" idx="3"/>
+          </p:cNvCxnSpPr>
+          <p:nvPr/>
+        </p:nvCxnSpPr>
+        <p:spPr>
+          <a:xfrm flipH="1">
+            <a:off x="10071725" y="1593827"/>
+            <a:ext cx="402571" cy="0"/>
+          </a:xfrm>
+          <a:prstGeom prst="line">
+            <a:avLst/>
+          </a:prstGeom>
+          <a:ln w="19050">
+            <a:solidFill>
+              <a:schemeClr val="tx1"/>
+            </a:solidFill>
+            <a:prstDash val="dash"/>
+          </a:ln>
+        </p:spPr>
+        <p:style>
+          <a:lnRef idx="1">
+            <a:schemeClr val="accent1"/>
+          </a:lnRef>
+          <a:fillRef idx="0">
+            <a:schemeClr val="accent1"/>
+          </a:fillRef>
+          <a:effectRef idx="0">
+            <a:schemeClr val="accent1"/>
+          </a:effectRef>
+          <a:fontRef idx="minor">
+            <a:schemeClr val="tx1"/>
+          </a:fontRef>
+        </p:style>
+      </p:cxnSp>
+      <p:cxnSp>
+        <p:nvCxnSpPr>
+          <p:cNvPr id="80" name="Straight Connector 79">
+            <a:extLst>
+              <a:ext uri="{FF2B5EF4-FFF2-40B4-BE49-F238E27FC236}">
+                <a16:creationId xmlns:a16="http://schemas.microsoft.com/office/drawing/2014/main" id="{33042976-6A9B-8642-A9A0-8563B1BE8137}"/>
+              </a:ext>
+            </a:extLst>
+          </p:cNvPr>
+          <p:cNvCxnSpPr>
+            <a:cxnSpLocks/>
+            <a:stCxn id="6" idx="2"/>
+            <a:endCxn id="12" idx="0"/>
+          </p:cNvCxnSpPr>
+          <p:nvPr/>
+        </p:nvCxnSpPr>
+        <p:spPr>
+          <a:xfrm flipH="1" flipV="1">
+            <a:off x="6096000" y="1166842"/>
+            <a:ext cx="23930" cy="4579979"/>
+          </a:xfrm>
+          <a:prstGeom prst="line">
+            <a:avLst/>
+          </a:prstGeom>
+          <a:ln w="19050">
+            <a:solidFill>
+              <a:schemeClr val="tx1"/>
+            </a:solidFill>
+            <a:prstDash val="sysDot"/>
+          </a:ln>
+        </p:spPr>
+        <p:style>
+          <a:lnRef idx="1">
+            <a:schemeClr val="accent1"/>
+          </a:lnRef>
+          <a:fillRef idx="0">
+            <a:schemeClr val="accent1"/>
+          </a:fillRef>
+          <a:effectRef idx="0">
+            <a:schemeClr val="accent1"/>
+          </a:effectRef>
+          <a:fontRef idx="minor">
+            <a:schemeClr val="tx1"/>
+          </a:fontRef>
+        </p:style>
+      </p:cxnSp>
+      <p:sp>
+        <p:nvSpPr>
+          <p:cNvPr id="83" name="&quot;No&quot; Symbol 82">
+            <a:extLst>
+              <a:ext uri="{FF2B5EF4-FFF2-40B4-BE49-F238E27FC236}">
+                <a16:creationId xmlns:a16="http://schemas.microsoft.com/office/drawing/2014/main" id="{9EAE932C-385C-AC47-AEE3-145504CC04CB}"/>
+              </a:ext>
+            </a:extLst>
+          </p:cNvPr>
+          <p:cNvSpPr/>
+          <p:nvPr/>
+        </p:nvSpPr>
+        <p:spPr>
+          <a:xfrm>
+            <a:off x="4433977" y="2458528"/>
+            <a:ext cx="1076471" cy="1012198"/>
+          </a:xfrm>
+          <a:prstGeom prst="noSmoking">
+            <a:avLst/>
+          </a:prstGeom>
+          <a:solidFill>
+            <a:srgbClr val="FF0000"/>
+          </a:solidFill>
+          <a:ln>
+            <a:solidFill>
+              <a:schemeClr val="tx1"/>
+            </a:solidFill>
+          </a:ln>
+        </p:spPr>
+        <p:style>
+          <a:lnRef idx="2">
+            <a:schemeClr val="accent6"/>
+          </a:lnRef>
+          <a:fillRef idx="1">
+            <a:schemeClr val="lt1"/>
+          </a:fillRef>
+          <a:effectRef idx="0">
+            <a:schemeClr val="accent6"/>
+          </a:effectRef>
+          <a:fontRef idx="minor">
+            <a:schemeClr val="dk1"/>
+          </a:fontRef>
+        </p:style>
+        <p:txBody>
+          <a:bodyPr rtlCol="0" anchor="ctr"/>
+          <a:lstStyle/>
+          <a:p>
+            <a:pPr algn="ctr"/>
+            <a:endParaRPr lang="en-GB">
+              <a:solidFill>
+                <a:schemeClr val="tx1"/>
+              </a:solidFill>
+            </a:endParaRPr>
+          </a:p>
+        </p:txBody>
+      </p:sp>
+      <p:sp>
+        <p:nvSpPr>
+          <p:cNvPr id="84" name="Smiley Face 83">
+            <a:extLst>
+              <a:ext uri="{FF2B5EF4-FFF2-40B4-BE49-F238E27FC236}">
+                <a16:creationId xmlns:a16="http://schemas.microsoft.com/office/drawing/2014/main" id="{6AD48125-7E61-A24E-B8AC-0FF759844C9C}"/>
+              </a:ext>
+            </a:extLst>
+          </p:cNvPr>
+          <p:cNvSpPr/>
+          <p:nvPr/>
+        </p:nvSpPr>
+        <p:spPr>
+          <a:xfrm>
+            <a:off x="6355021" y="2458528"/>
+            <a:ext cx="1006635" cy="934734"/>
+          </a:xfrm>
+          <a:prstGeom prst="smileyFace">
+            <a:avLst/>
+          </a:prstGeom>
+          <a:solidFill>
+            <a:srgbClr val="00B050"/>
+          </a:solidFill>
+          <a:ln>
+            <a:solidFill>
+              <a:schemeClr val="tx1"/>
+            </a:solidFill>
+          </a:ln>
+        </p:spPr>
+        <p:style>
+          <a:lnRef idx="2">
+            <a:schemeClr val="accent6"/>
+          </a:lnRef>
+          <a:fillRef idx="1">
+            <a:schemeClr val="lt1"/>
+          </a:fillRef>
+          <a:effectRef idx="0">
+            <a:schemeClr val="accent6"/>
+          </a:effectRef>
+          <a:fontRef idx="minor">
+            <a:schemeClr val="dk1"/>
+          </a:fontRef>
+        </p:style>
+        <p:txBody>
+          <a:bodyPr rtlCol="0" anchor="ctr"/>
+          <a:lstStyle/>
+          <a:p>
+            <a:pPr algn="ctr"/>
+            <a:endParaRPr lang="en-GB"/>
+          </a:p>
+        </p:txBody>
+      </p:sp>
+      <p:sp>
+        <p:nvSpPr>
+          <p:cNvPr id="34" name="Rectangle 33">
+            <a:extLst>
+              <a:ext uri="{FF2B5EF4-FFF2-40B4-BE49-F238E27FC236}">
+                <a16:creationId xmlns:a16="http://schemas.microsoft.com/office/drawing/2014/main" id="{433286E6-F240-754B-90FA-91DBB1339B21}"/>
+              </a:ext>
+            </a:extLst>
+          </p:cNvPr>
+          <p:cNvSpPr/>
+          <p:nvPr/>
+        </p:nvSpPr>
+        <p:spPr>
+          <a:xfrm>
+            <a:off x="365256" y="5933540"/>
+            <a:ext cx="11509348" cy="838195"/>
           </a:xfrm>
           <a:prstGeom prst="rect">
             <a:avLst/>
@@ -3929,7 +5327,7 @@
     </p:spTree>
     <p:extLst>
       <p:ext uri="{BB962C8B-B14F-4D97-AF65-F5344CB8AC3E}">
-        <p14:creationId xmlns:p14="http://schemas.microsoft.com/office/powerpoint/2010/main" val="2774497921"/>
+        <p14:creationId xmlns:p14="http://schemas.microsoft.com/office/powerpoint/2010/main" val="1089483639"/>
       </p:ext>
     </p:extLst>
   </p:cSld>
@@ -4144,7 +5542,7 @@
     </p:spTree>
     <p:extLst>
       <p:ext uri="{BB962C8B-B14F-4D97-AF65-F5344CB8AC3E}">
-        <p14:creationId xmlns:p14="http://schemas.microsoft.com/office/powerpoint/2010/main" val="1884587438"/>
+        <p14:creationId xmlns:p14="http://schemas.microsoft.com/office/powerpoint/2010/main" val="2774497921"/>
       </p:ext>
     </p:extLst>
   </p:cSld>
@@ -4258,276 +5656,10 @@
       </p:sp>
       <p:sp>
         <p:nvSpPr>
-          <p:cNvPr id="8" name="TextBox 7">
-            <a:extLst>
-              <a:ext uri="{FF2B5EF4-FFF2-40B4-BE49-F238E27FC236}">
-                <a16:creationId xmlns:a16="http://schemas.microsoft.com/office/drawing/2014/main" id="{515DB843-B4BA-ED43-82E0-AAA4A1A12D10}"/>
-              </a:ext>
-            </a:extLst>
-          </p:cNvPr>
-          <p:cNvSpPr txBox="1"/>
-          <p:nvPr/>
-        </p:nvSpPr>
-        <p:spPr>
-          <a:xfrm>
-            <a:off x="439567" y="403582"/>
-            <a:ext cx="11312865" cy="369332"/>
-          </a:xfrm>
-          <a:prstGeom prst="rect">
-            <a:avLst/>
-          </a:prstGeom>
-          <a:noFill/>
-          <a:ln>
-            <a:noFill/>
-          </a:ln>
-        </p:spPr>
-        <p:txBody>
-          <a:bodyPr wrap="square" rtlCol="0">
-            <a:spAutoFit/>
-          </a:bodyPr>
-          <a:lstStyle/>
-          <a:p>
-            <a:r>
-              <a:rPr lang="bg-BG" dirty="0"/>
-              <a:t>Списък с референции</a:t>
-            </a:r>
-            <a:endParaRPr lang="en-GB" dirty="0"/>
-          </a:p>
-        </p:txBody>
-      </p:sp>
-      <p:sp>
-        <p:nvSpPr>
-          <p:cNvPr id="9" name="TextBox 8">
-            <a:extLst>
-              <a:ext uri="{FF2B5EF4-FFF2-40B4-BE49-F238E27FC236}">
-                <a16:creationId xmlns:a16="http://schemas.microsoft.com/office/drawing/2014/main" id="{1A1C3C0B-2895-704E-903F-58ACAAF99C78}"/>
-              </a:ext>
-            </a:extLst>
-          </p:cNvPr>
-          <p:cNvSpPr txBox="1"/>
-          <p:nvPr/>
-        </p:nvSpPr>
-        <p:spPr>
-          <a:xfrm>
-            <a:off x="439567" y="1166842"/>
-            <a:ext cx="11312865" cy="2308324"/>
-          </a:xfrm>
-          <a:prstGeom prst="rect">
-            <a:avLst/>
-          </a:prstGeom>
-          <a:noFill/>
-          <a:ln>
-            <a:noFill/>
-          </a:ln>
-        </p:spPr>
-        <p:txBody>
-          <a:bodyPr wrap="square" numCol="2" rtlCol="0">
-            <a:spAutoFit/>
-          </a:bodyPr>
-          <a:lstStyle/>
-          <a:p>
-            <a:r>
-              <a:rPr lang="en-GB" sz="800" dirty="0">
-                <a:hlinkClick r:id="rId2"/>
-              </a:rPr>
-              <a:t>https://www.imperva.com/learn/application-security/zero-day-exploit/</a:t>
-            </a:r>
-            <a:endParaRPr lang="bg-BG" sz="800" dirty="0"/>
-          </a:p>
-          <a:p>
-            <a:endParaRPr lang="en-GB" sz="800" dirty="0"/>
-          </a:p>
-          <a:p>
-            <a:r>
-              <a:rPr lang="en-GB" sz="800" dirty="0">
-                <a:hlinkClick r:id="rId3"/>
-              </a:rPr>
-              <a:t>https://us.norton.com/internetsecurity-emerging-threats-how-do-zero-day-vulnerabilities-work.html</a:t>
-            </a:r>
-            <a:endParaRPr lang="bg-BG" sz="800" dirty="0"/>
-          </a:p>
-          <a:p>
-            <a:endParaRPr lang="bg-BG" sz="800" dirty="0"/>
-          </a:p>
-          <a:p>
-            <a:r>
-              <a:rPr lang="en-GB" sz="800" dirty="0">
-                <a:hlinkClick r:id="rId4"/>
-              </a:rPr>
-              <a:t>https://thesecmaster.com/how-does-the-log4j-vulnerability-work-in-practical/</a:t>
-            </a:r>
-            <a:endParaRPr lang="bg-BG" sz="800" dirty="0"/>
-          </a:p>
-          <a:p>
-            <a:endParaRPr lang="bg-BG" sz="800" dirty="0"/>
-          </a:p>
-          <a:p>
-            <a:r>
-              <a:rPr lang="en-GB" sz="800" dirty="0">
-                <a:hlinkClick r:id="rId5"/>
-              </a:rPr>
-              <a:t>https://d7umqicpi7263.cloudfront.net/img/product/a55efc60-f377-4559-8422-5e828ac7d5fc/1e42c890-e4fd-4bd8-9845-f028dccf0cf8.png</a:t>
-            </a:r>
-            <a:endParaRPr lang="en-GB" sz="800" dirty="0"/>
-          </a:p>
-          <a:p>
-            <a:endParaRPr lang="en-GB" sz="800" dirty="0"/>
-          </a:p>
-          <a:p>
-            <a:r>
-              <a:rPr lang="en-GB" sz="800" dirty="0">
-                <a:hlinkClick r:id="rId6"/>
-              </a:rPr>
-              <a:t>https://miro.medium.com/max/650/1*zzvdRmHGGXONZpuQ2FeqsQ.png</a:t>
-            </a:r>
-            <a:endParaRPr lang="en-GB" sz="800" dirty="0"/>
-          </a:p>
-          <a:p>
-            <a:endParaRPr lang="en-GB" sz="800" dirty="0"/>
-          </a:p>
-          <a:p>
-            <a:r>
-              <a:rPr lang="en-GB" sz="800" dirty="0">
-                <a:hlinkClick r:id="rId7"/>
-              </a:rPr>
-              <a:t>https://maven.apache.org/images/maven-logo-black-on-white.png</a:t>
-            </a:r>
-            <a:endParaRPr lang="en-GB" sz="800" dirty="0"/>
-          </a:p>
-          <a:p>
-            <a:endParaRPr lang="en-GB" sz="800" dirty="0"/>
-          </a:p>
-          <a:p>
-            <a:r>
-              <a:rPr lang="en-GB" sz="800" dirty="0">
-                <a:hlinkClick r:id="rId8"/>
-              </a:rPr>
-              <a:t>https://medium.com/swlh/sonarqube-part-2-features-of-sonarqube-installation-and-some-practice-on-sonarqube-d523ae9a998a</a:t>
-            </a:r>
-            <a:endParaRPr lang="en-GB" sz="800" dirty="0"/>
-          </a:p>
-          <a:p>
-            <a:endParaRPr lang="en-GB" sz="800" dirty="0"/>
-          </a:p>
-          <a:p>
-            <a:r>
-              <a:rPr lang="en-GB" sz="800" dirty="0">
-                <a:hlinkClick r:id="rId9"/>
-              </a:rPr>
-              <a:t>https://www.sonarqube.org/index/sq-homepage-og-image.png</a:t>
-            </a:r>
-            <a:endParaRPr lang="en-GB" sz="800" dirty="0"/>
-          </a:p>
-          <a:p>
-            <a:endParaRPr lang="en-GB" sz="800" dirty="0"/>
-          </a:p>
-          <a:p>
-            <a:r>
-              <a:rPr lang="en-GB" sz="800" dirty="0">
-                <a:hlinkClick r:id="rId10"/>
-              </a:rPr>
-              <a:t>https://www.sonarqube.org/</a:t>
-            </a:r>
-            <a:endParaRPr lang="en-GB" sz="800" dirty="0"/>
-          </a:p>
-          <a:p>
-            <a:endParaRPr lang="en-GB" sz="800" dirty="0"/>
-          </a:p>
-          <a:p>
-            <a:r>
-              <a:rPr lang="en-GB" sz="800" dirty="0">
-                <a:hlinkClick r:id="rId11"/>
-              </a:rPr>
-              <a:t>https://snyk.io/</a:t>
-            </a:r>
-            <a:endParaRPr lang="en-GB" sz="800" dirty="0"/>
-          </a:p>
-          <a:p>
-            <a:endParaRPr lang="en-GB" sz="800" dirty="0"/>
-          </a:p>
-          <a:p>
-            <a:r>
-              <a:rPr lang="en-GB" sz="800" dirty="0">
-                <a:hlinkClick r:id="rId12"/>
-              </a:rPr>
-              <a:t>https://www.taringamberini.com/en/blog/java/ready-to-use-java-dependencies-vulnerability-checker/</a:t>
-            </a:r>
-            <a:endParaRPr lang="en-GB" sz="800" dirty="0"/>
-          </a:p>
-          <a:p>
-            <a:endParaRPr lang="en-GB" sz="800" dirty="0"/>
-          </a:p>
-          <a:p>
-            <a:r>
-              <a:rPr lang="en-GB" sz="800" dirty="0">
-                <a:hlinkClick r:id="rId13"/>
-              </a:rPr>
-              <a:t>https://www.taringamberini.com/images/2016-03-02-ready-to-use-java-dependencies-vulnerability-checker/dependencies_graph_rampart-core-1.3.png</a:t>
-            </a:r>
-            <a:endParaRPr lang="en-GB" sz="800" dirty="0"/>
-          </a:p>
-          <a:p>
-            <a:endParaRPr lang="en-GB" sz="800" dirty="0"/>
-          </a:p>
-          <a:p>
-            <a:r>
-              <a:rPr lang="en-GB" sz="800" dirty="0">
-                <a:hlinkClick r:id="rId14"/>
-              </a:rPr>
-              <a:t>https://openclipart.org/detail/288357/anonymous-hacker-behind-pc</a:t>
-            </a:r>
-            <a:endParaRPr lang="en-GB" sz="800" dirty="0"/>
-          </a:p>
-          <a:p>
-            <a:endParaRPr lang="en-GB" sz="800" dirty="0"/>
-          </a:p>
-          <a:p>
-            <a:r>
-              <a:rPr lang="en-GB" sz="800" dirty="0">
-                <a:hlinkClick r:id="rId15"/>
-              </a:rPr>
-              <a:t>https://www.cisa.gov/uscert/apache-log4j-vulnerability-guidance</a:t>
-            </a:r>
-            <a:endParaRPr lang="en-GB" sz="800" dirty="0"/>
-          </a:p>
-          <a:p>
-            <a:endParaRPr lang="bg-BG" sz="800" dirty="0"/>
-          </a:p>
-          <a:p>
-            <a:r>
-              <a:rPr lang="en-GB" sz="800" dirty="0">
-                <a:hlinkClick r:id="rId16"/>
-              </a:rPr>
-              <a:t>https://en.wikipedia.org/wiki/Cybersecurity_and_Infrastructure_Security_Agency</a:t>
-            </a:r>
-            <a:endParaRPr lang="bg-BG" sz="800" dirty="0"/>
-          </a:p>
-          <a:p>
-            <a:endParaRPr lang="bg-BG" sz="800" dirty="0"/>
-          </a:p>
-          <a:p>
-            <a:r>
-              <a:rPr lang="en-GB" sz="800" dirty="0">
-                <a:hlinkClick r:id="rId17"/>
-              </a:rPr>
-              <a:t>https://en.wikipedia.org/wiki/United_States_Department_of_Homeland_Security</a:t>
-            </a:r>
-            <a:endParaRPr lang="bg-BG" sz="800" dirty="0"/>
-          </a:p>
-          <a:p>
-            <a:endParaRPr lang="en-GB" sz="800" dirty="0"/>
-          </a:p>
-          <a:p>
-            <a:endParaRPr lang="en-GB" sz="800" dirty="0"/>
-          </a:p>
-        </p:txBody>
-      </p:sp>
-      <p:sp>
-        <p:nvSpPr>
-          <p:cNvPr id="10" name="Rectangle 9">
-            <a:extLst>
-              <a:ext uri="{FF2B5EF4-FFF2-40B4-BE49-F238E27FC236}">
-                <a16:creationId xmlns:a16="http://schemas.microsoft.com/office/drawing/2014/main" id="{A045EC77-54F5-BA4C-9EFC-49BBA60C6C35}"/>
+          <p:cNvPr id="8" name="Rectangle 7">
+            <a:extLst>
+              <a:ext uri="{FF2B5EF4-FFF2-40B4-BE49-F238E27FC236}">
+                <a16:creationId xmlns:a16="http://schemas.microsoft.com/office/drawing/2014/main" id="{45AC687F-0E0C-4749-94B4-5A45D145B1A8}"/>
               </a:ext>
             </a:extLst>
           </p:cNvPr>
@@ -4574,10 +5706,10 @@
       </p:sp>
       <p:sp>
         <p:nvSpPr>
-          <p:cNvPr id="11" name="Rectangle 10">
-            <a:extLst>
-              <a:ext uri="{FF2B5EF4-FFF2-40B4-BE49-F238E27FC236}">
-                <a16:creationId xmlns:a16="http://schemas.microsoft.com/office/drawing/2014/main" id="{6E57E570-2CD1-3C40-90EF-74DD9F5D30DA}"/>
+          <p:cNvPr id="9" name="Rectangle 8">
+            <a:extLst>
+              <a:ext uri="{FF2B5EF4-FFF2-40B4-BE49-F238E27FC236}">
+                <a16:creationId xmlns:a16="http://schemas.microsoft.com/office/drawing/2014/main" id="{F2755679-8DE4-514E-86B0-90F216B68438}"/>
               </a:ext>
             </a:extLst>
           </p:cNvPr>
@@ -4625,7 +5757,7 @@
     </p:spTree>
     <p:extLst>
       <p:ext uri="{BB962C8B-B14F-4D97-AF65-F5344CB8AC3E}">
-        <p14:creationId xmlns:p14="http://schemas.microsoft.com/office/powerpoint/2010/main" val="1390439238"/>
+        <p14:creationId xmlns:p14="http://schemas.microsoft.com/office/powerpoint/2010/main" val="1884587438"/>
       </p:ext>
     </p:extLst>
   </p:cSld>
@@ -4739,6 +5871,487 @@
       </p:sp>
       <p:sp>
         <p:nvSpPr>
+          <p:cNvPr id="8" name="TextBox 7">
+            <a:extLst>
+              <a:ext uri="{FF2B5EF4-FFF2-40B4-BE49-F238E27FC236}">
+                <a16:creationId xmlns:a16="http://schemas.microsoft.com/office/drawing/2014/main" id="{515DB843-B4BA-ED43-82E0-AAA4A1A12D10}"/>
+              </a:ext>
+            </a:extLst>
+          </p:cNvPr>
+          <p:cNvSpPr txBox="1"/>
+          <p:nvPr/>
+        </p:nvSpPr>
+        <p:spPr>
+          <a:xfrm>
+            <a:off x="439567" y="403582"/>
+            <a:ext cx="11312865" cy="369332"/>
+          </a:xfrm>
+          <a:prstGeom prst="rect">
+            <a:avLst/>
+          </a:prstGeom>
+          <a:noFill/>
+          <a:ln>
+            <a:noFill/>
+          </a:ln>
+        </p:spPr>
+        <p:txBody>
+          <a:bodyPr wrap="square" rtlCol="0">
+            <a:spAutoFit/>
+          </a:bodyPr>
+          <a:lstStyle/>
+          <a:p>
+            <a:r>
+              <a:rPr lang="bg-BG" dirty="0"/>
+              <a:t>Списък с референции</a:t>
+            </a:r>
+            <a:endParaRPr lang="en-GB" dirty="0"/>
+          </a:p>
+        </p:txBody>
+      </p:sp>
+      <p:sp>
+        <p:nvSpPr>
+          <p:cNvPr id="9" name="TextBox 8">
+            <a:extLst>
+              <a:ext uri="{FF2B5EF4-FFF2-40B4-BE49-F238E27FC236}">
+                <a16:creationId xmlns:a16="http://schemas.microsoft.com/office/drawing/2014/main" id="{1A1C3C0B-2895-704E-903F-58ACAAF99C78}"/>
+              </a:ext>
+            </a:extLst>
+          </p:cNvPr>
+          <p:cNvSpPr txBox="1"/>
+          <p:nvPr/>
+        </p:nvSpPr>
+        <p:spPr>
+          <a:xfrm>
+            <a:off x="439567" y="1166842"/>
+            <a:ext cx="11312865" cy="2308324"/>
+          </a:xfrm>
+          <a:prstGeom prst="rect">
+            <a:avLst/>
+          </a:prstGeom>
+          <a:noFill/>
+          <a:ln>
+            <a:noFill/>
+          </a:ln>
+        </p:spPr>
+        <p:txBody>
+          <a:bodyPr wrap="square" numCol="2" rtlCol="0">
+            <a:spAutoFit/>
+          </a:bodyPr>
+          <a:lstStyle/>
+          <a:p>
+            <a:r>
+              <a:rPr lang="en-GB" sz="800" dirty="0">
+                <a:hlinkClick r:id="rId2"/>
+              </a:rPr>
+              <a:t>https://www.imperva.com/learn/application-security/zero-day-exploit/</a:t>
+            </a:r>
+            <a:endParaRPr lang="bg-BG" sz="800" dirty="0"/>
+          </a:p>
+          <a:p>
+            <a:endParaRPr lang="en-GB" sz="800" dirty="0"/>
+          </a:p>
+          <a:p>
+            <a:r>
+              <a:rPr lang="en-GB" sz="800" dirty="0">
+                <a:hlinkClick r:id="rId3"/>
+              </a:rPr>
+              <a:t>https://us.norton.com/internetsecurity-emerging-threats-how-do-zero-day-vulnerabilities-work.html</a:t>
+            </a:r>
+            <a:endParaRPr lang="bg-BG" sz="800" dirty="0"/>
+          </a:p>
+          <a:p>
+            <a:endParaRPr lang="bg-BG" sz="800" dirty="0"/>
+          </a:p>
+          <a:p>
+            <a:r>
+              <a:rPr lang="en-GB" sz="800" dirty="0">
+                <a:hlinkClick r:id="rId4"/>
+              </a:rPr>
+              <a:t>https://thesecmaster.com/how-does-the-log4j-vulnerability-work-in-practical/</a:t>
+            </a:r>
+            <a:endParaRPr lang="bg-BG" sz="800" dirty="0"/>
+          </a:p>
+          <a:p>
+            <a:endParaRPr lang="bg-BG" sz="800" dirty="0"/>
+          </a:p>
+          <a:p>
+            <a:r>
+              <a:rPr lang="en-GB" sz="800" dirty="0">
+                <a:hlinkClick r:id="rId5"/>
+              </a:rPr>
+              <a:t>https://d7umqicpi7263.cloudfront.net/img/product/a55efc60-f377-4559-8422-5e828ac7d5fc/1e42c890-e4fd-4bd8-9845-f028dccf0cf8.png</a:t>
+            </a:r>
+            <a:endParaRPr lang="en-GB" sz="800" dirty="0"/>
+          </a:p>
+          <a:p>
+            <a:endParaRPr lang="en-GB" sz="800" dirty="0"/>
+          </a:p>
+          <a:p>
+            <a:r>
+              <a:rPr lang="en-GB" sz="800" dirty="0">
+                <a:hlinkClick r:id="rId6"/>
+              </a:rPr>
+              <a:t>https://miro.medium.com/max/650/1*zzvdRmHGGXONZpuQ2FeqsQ.png</a:t>
+            </a:r>
+            <a:endParaRPr lang="en-GB" sz="800" dirty="0"/>
+          </a:p>
+          <a:p>
+            <a:endParaRPr lang="en-GB" sz="800" dirty="0"/>
+          </a:p>
+          <a:p>
+            <a:r>
+              <a:rPr lang="en-GB" sz="800" dirty="0">
+                <a:hlinkClick r:id="rId7"/>
+              </a:rPr>
+              <a:t>https://maven.apache.org/images/maven-logo-black-on-white.png</a:t>
+            </a:r>
+            <a:endParaRPr lang="en-GB" sz="800" dirty="0"/>
+          </a:p>
+          <a:p>
+            <a:endParaRPr lang="en-GB" sz="800" dirty="0"/>
+          </a:p>
+          <a:p>
+            <a:r>
+              <a:rPr lang="en-GB" sz="800" dirty="0">
+                <a:hlinkClick r:id="rId8"/>
+              </a:rPr>
+              <a:t>https://medium.com/swlh/sonarqube-part-2-features-of-sonarqube-installation-and-some-practice-on-sonarqube-d523ae9a998a</a:t>
+            </a:r>
+            <a:endParaRPr lang="en-GB" sz="800" dirty="0"/>
+          </a:p>
+          <a:p>
+            <a:endParaRPr lang="en-GB" sz="800" dirty="0"/>
+          </a:p>
+          <a:p>
+            <a:r>
+              <a:rPr lang="en-GB" sz="800" dirty="0">
+                <a:hlinkClick r:id="rId9"/>
+              </a:rPr>
+              <a:t>https://www.sonarqube.org/index/sq-homepage-og-image.png</a:t>
+            </a:r>
+            <a:endParaRPr lang="en-GB" sz="800" dirty="0"/>
+          </a:p>
+          <a:p>
+            <a:endParaRPr lang="en-GB" sz="800" dirty="0"/>
+          </a:p>
+          <a:p>
+            <a:r>
+              <a:rPr lang="en-GB" sz="800" dirty="0">
+                <a:hlinkClick r:id="rId10"/>
+              </a:rPr>
+              <a:t>https://www.sonarqube.org/</a:t>
+            </a:r>
+            <a:endParaRPr lang="en-GB" sz="800" dirty="0"/>
+          </a:p>
+          <a:p>
+            <a:endParaRPr lang="en-GB" sz="800" dirty="0"/>
+          </a:p>
+          <a:p>
+            <a:r>
+              <a:rPr lang="en-GB" sz="800" dirty="0">
+                <a:hlinkClick r:id="rId11"/>
+              </a:rPr>
+              <a:t>https://snyk.io/</a:t>
+            </a:r>
+            <a:endParaRPr lang="en-GB" sz="800" dirty="0"/>
+          </a:p>
+          <a:p>
+            <a:endParaRPr lang="en-GB" sz="800" dirty="0"/>
+          </a:p>
+          <a:p>
+            <a:r>
+              <a:rPr lang="en-GB" sz="800" dirty="0">
+                <a:hlinkClick r:id="rId12"/>
+              </a:rPr>
+              <a:t>https://www.taringamberini.com/en/blog/java/ready-to-use-java-dependencies-vulnerability-checker/</a:t>
+            </a:r>
+            <a:endParaRPr lang="en-GB" sz="800" dirty="0"/>
+          </a:p>
+          <a:p>
+            <a:endParaRPr lang="en-GB" sz="800" dirty="0"/>
+          </a:p>
+          <a:p>
+            <a:r>
+              <a:rPr lang="en-GB" sz="800" dirty="0">
+                <a:hlinkClick r:id="rId13"/>
+              </a:rPr>
+              <a:t>https://www.taringamberini.com/images/2016-03-02-ready-to-use-java-dependencies-vulnerability-checker/dependencies_graph_rampart-core-1.3.png</a:t>
+            </a:r>
+            <a:endParaRPr lang="en-GB" sz="800" dirty="0"/>
+          </a:p>
+          <a:p>
+            <a:endParaRPr lang="en-GB" sz="800" dirty="0"/>
+          </a:p>
+          <a:p>
+            <a:r>
+              <a:rPr lang="en-GB" sz="800" dirty="0">
+                <a:hlinkClick r:id="rId14"/>
+              </a:rPr>
+              <a:t>https://openclipart.org/detail/288357/anonymous-hacker-behind-pc</a:t>
+            </a:r>
+            <a:endParaRPr lang="en-GB" sz="800" dirty="0"/>
+          </a:p>
+          <a:p>
+            <a:endParaRPr lang="en-GB" sz="800" dirty="0"/>
+          </a:p>
+          <a:p>
+            <a:r>
+              <a:rPr lang="en-GB" sz="800" dirty="0">
+                <a:hlinkClick r:id="rId15"/>
+              </a:rPr>
+              <a:t>https://www.cisa.gov/uscert/apache-log4j-vulnerability-guidance</a:t>
+            </a:r>
+            <a:endParaRPr lang="en-GB" sz="800" dirty="0"/>
+          </a:p>
+          <a:p>
+            <a:endParaRPr lang="bg-BG" sz="800" dirty="0"/>
+          </a:p>
+          <a:p>
+            <a:r>
+              <a:rPr lang="en-GB" sz="800" dirty="0">
+                <a:hlinkClick r:id="rId16"/>
+              </a:rPr>
+              <a:t>https://en.wikipedia.org/wiki/Cybersecurity_and_Infrastructure_Security_Agency</a:t>
+            </a:r>
+            <a:endParaRPr lang="bg-BG" sz="800" dirty="0"/>
+          </a:p>
+          <a:p>
+            <a:endParaRPr lang="bg-BG" sz="800" dirty="0"/>
+          </a:p>
+          <a:p>
+            <a:r>
+              <a:rPr lang="en-GB" sz="800" dirty="0">
+                <a:hlinkClick r:id="rId17"/>
+              </a:rPr>
+              <a:t>https://en.wikipedia.org/wiki/United_States_Department_of_Homeland_Security</a:t>
+            </a:r>
+            <a:endParaRPr lang="bg-BG" sz="800" dirty="0"/>
+          </a:p>
+          <a:p>
+            <a:endParaRPr lang="en-GB" sz="800" dirty="0"/>
+          </a:p>
+          <a:p>
+            <a:endParaRPr lang="en-GB" sz="800" dirty="0"/>
+          </a:p>
+        </p:txBody>
+      </p:sp>
+      <p:sp>
+        <p:nvSpPr>
+          <p:cNvPr id="10" name="Rectangle 9">
+            <a:extLst>
+              <a:ext uri="{FF2B5EF4-FFF2-40B4-BE49-F238E27FC236}">
+                <a16:creationId xmlns:a16="http://schemas.microsoft.com/office/drawing/2014/main" id="{A045EC77-54F5-BA4C-9EFC-49BBA60C6C35}"/>
+              </a:ext>
+            </a:extLst>
+          </p:cNvPr>
+          <p:cNvSpPr/>
+          <p:nvPr/>
+        </p:nvSpPr>
+        <p:spPr>
+          <a:xfrm>
+            <a:off x="365256" y="5933540"/>
+            <a:ext cx="11509348" cy="838195"/>
+          </a:xfrm>
+          <a:prstGeom prst="rect">
+            <a:avLst/>
+          </a:prstGeom>
+          <a:noFill/>
+          <a:ln>
+            <a:solidFill>
+              <a:schemeClr val="tx1"/>
+            </a:solidFill>
+          </a:ln>
+        </p:spPr>
+        <p:style>
+          <a:lnRef idx="2">
+            <a:schemeClr val="accent6"/>
+          </a:lnRef>
+          <a:fillRef idx="1">
+            <a:schemeClr val="lt1"/>
+          </a:fillRef>
+          <a:effectRef idx="0">
+            <a:schemeClr val="accent6"/>
+          </a:effectRef>
+          <a:fontRef idx="minor">
+            <a:schemeClr val="dk1"/>
+          </a:fontRef>
+        </p:style>
+        <p:txBody>
+          <a:bodyPr rtlCol="0" anchor="ctr"/>
+          <a:lstStyle/>
+          <a:p>
+            <a:pPr algn="ctr"/>
+            <a:endParaRPr lang="en-GB"/>
+          </a:p>
+        </p:txBody>
+      </p:sp>
+      <p:sp>
+        <p:nvSpPr>
+          <p:cNvPr id="11" name="Rectangle 10">
+            <a:extLst>
+              <a:ext uri="{FF2B5EF4-FFF2-40B4-BE49-F238E27FC236}">
+                <a16:creationId xmlns:a16="http://schemas.microsoft.com/office/drawing/2014/main" id="{6E57E570-2CD1-3C40-90EF-74DD9F5D30DA}"/>
+              </a:ext>
+            </a:extLst>
+          </p:cNvPr>
+          <p:cNvSpPr/>
+          <p:nvPr/>
+        </p:nvSpPr>
+        <p:spPr>
+          <a:xfrm>
+            <a:off x="365256" y="1037610"/>
+            <a:ext cx="11509348" cy="4709211"/>
+          </a:xfrm>
+          <a:prstGeom prst="rect">
+            <a:avLst/>
+          </a:prstGeom>
+          <a:noFill/>
+          <a:ln>
+            <a:solidFill>
+              <a:schemeClr val="tx1"/>
+            </a:solidFill>
+          </a:ln>
+        </p:spPr>
+        <p:style>
+          <a:lnRef idx="2">
+            <a:schemeClr val="accent6"/>
+          </a:lnRef>
+          <a:fillRef idx="1">
+            <a:schemeClr val="lt1"/>
+          </a:fillRef>
+          <a:effectRef idx="0">
+            <a:schemeClr val="accent6"/>
+          </a:effectRef>
+          <a:fontRef idx="minor">
+            <a:schemeClr val="dk1"/>
+          </a:fontRef>
+        </p:style>
+        <p:txBody>
+          <a:bodyPr rtlCol="0" anchor="ctr"/>
+          <a:lstStyle/>
+          <a:p>
+            <a:pPr algn="ctr"/>
+            <a:endParaRPr lang="en-GB"/>
+          </a:p>
+        </p:txBody>
+      </p:sp>
+    </p:spTree>
+    <p:extLst>
+      <p:ext uri="{BB962C8B-B14F-4D97-AF65-F5344CB8AC3E}">
+        <p14:creationId xmlns:p14="http://schemas.microsoft.com/office/powerpoint/2010/main" val="1390439238"/>
+      </p:ext>
+    </p:extLst>
+  </p:cSld>
+  <p:clrMapOvr>
+    <a:masterClrMapping/>
+  </p:clrMapOvr>
+</p:sld>
+</file>
+
+<file path=ppt/slides/slide14.xml><?xml version="1.0" encoding="utf-8"?>
+<p:sld xmlns:a="http://schemas.openxmlformats.org/drawingml/2006/main" xmlns:r="http://schemas.openxmlformats.org/officeDocument/2006/relationships" xmlns:p="http://schemas.openxmlformats.org/presentationml/2006/main">
+  <p:cSld>
+    <p:spTree>
+      <p:nvGrpSpPr>
+        <p:cNvPr id="1" name=""/>
+        <p:cNvGrpSpPr/>
+        <p:nvPr/>
+      </p:nvGrpSpPr>
+      <p:grpSpPr>
+        <a:xfrm>
+          <a:off x="0" y="0"/>
+          <a:ext cx="0" cy="0"/>
+          <a:chOff x="0" y="0"/>
+          <a:chExt cx="0" cy="0"/>
+        </a:xfrm>
+      </p:grpSpPr>
+      <p:sp>
+        <p:nvSpPr>
+          <p:cNvPr id="4" name="Rectangle 3">
+            <a:extLst>
+              <a:ext uri="{FF2B5EF4-FFF2-40B4-BE49-F238E27FC236}">
+                <a16:creationId xmlns:a16="http://schemas.microsoft.com/office/drawing/2014/main" id="{CF8BCCF9-8A09-4548-9D81-3F19262CD326}"/>
+              </a:ext>
+            </a:extLst>
+          </p:cNvPr>
+          <p:cNvSpPr/>
+          <p:nvPr/>
+        </p:nvSpPr>
+        <p:spPr>
+          <a:xfrm>
+            <a:off x="365256" y="317395"/>
+            <a:ext cx="11509348" cy="528992"/>
+          </a:xfrm>
+          <a:prstGeom prst="rect">
+            <a:avLst/>
+          </a:prstGeom>
+          <a:noFill/>
+          <a:ln>
+            <a:solidFill>
+              <a:schemeClr val="tx1"/>
+            </a:solidFill>
+          </a:ln>
+        </p:spPr>
+        <p:style>
+          <a:lnRef idx="2">
+            <a:schemeClr val="accent6"/>
+          </a:lnRef>
+          <a:fillRef idx="1">
+            <a:schemeClr val="lt1"/>
+          </a:fillRef>
+          <a:effectRef idx="0">
+            <a:schemeClr val="accent6"/>
+          </a:effectRef>
+          <a:fontRef idx="minor">
+            <a:schemeClr val="dk1"/>
+          </a:fontRef>
+        </p:style>
+        <p:txBody>
+          <a:bodyPr rtlCol="0" anchor="ctr"/>
+          <a:lstStyle/>
+          <a:p>
+            <a:pPr algn="ctr"/>
+            <a:endParaRPr lang="en-GB"/>
+          </a:p>
+        </p:txBody>
+      </p:sp>
+      <p:sp>
+        <p:nvSpPr>
+          <p:cNvPr id="12" name="TextBox 11">
+            <a:extLst>
+              <a:ext uri="{FF2B5EF4-FFF2-40B4-BE49-F238E27FC236}">
+                <a16:creationId xmlns:a16="http://schemas.microsoft.com/office/drawing/2014/main" id="{358E67CA-3C95-FF40-86BC-C555D6D7696D}"/>
+              </a:ext>
+            </a:extLst>
+          </p:cNvPr>
+          <p:cNvSpPr txBox="1"/>
+          <p:nvPr/>
+        </p:nvSpPr>
+        <p:spPr>
+          <a:xfrm>
+            <a:off x="439567" y="1166842"/>
+            <a:ext cx="11312865" cy="338554"/>
+          </a:xfrm>
+          <a:prstGeom prst="rect">
+            <a:avLst/>
+          </a:prstGeom>
+          <a:noFill/>
+          <a:ln>
+            <a:noFill/>
+          </a:ln>
+        </p:spPr>
+        <p:txBody>
+          <a:bodyPr wrap="square" rtlCol="0">
+            <a:spAutoFit/>
+          </a:bodyPr>
+          <a:lstStyle/>
+          <a:p>
+            <a:endParaRPr lang="en-GB" sz="1600" dirty="0"/>
+          </a:p>
+        </p:txBody>
+      </p:sp>
+      <p:sp>
+        <p:nvSpPr>
           <p:cNvPr id="8" name="Rectangle 7">
             <a:extLst>
               <a:ext uri="{FF2B5EF4-FFF2-40B4-BE49-F238E27FC236}">
@@ -4850,7 +6463,7 @@
 </p:sld>
 </file>
 
-<file path=ppt/slides/slide14.xml><?xml version="1.0" encoding="utf-8"?>
+<file path=ppt/slides/slide15.xml><?xml version="1.0" encoding="utf-8"?>
 <p:sld xmlns:a="http://schemas.openxmlformats.org/drawingml/2006/main" xmlns:r="http://schemas.openxmlformats.org/officeDocument/2006/relationships" xmlns:p="http://schemas.openxmlformats.org/presentationml/2006/main">
   <p:cSld>
     <p:spTree>
@@ -4880,7 +6493,7 @@
 </p:sld>
 </file>
 
-<file path=ppt/slides/slide15.xml><?xml version="1.0" encoding="utf-8"?>
+<file path=ppt/slides/slide16.xml><?xml version="1.0" encoding="utf-8"?>
 <p:sld xmlns:a="http://schemas.openxmlformats.org/drawingml/2006/main" xmlns:r="http://schemas.openxmlformats.org/officeDocument/2006/relationships" xmlns:p="http://schemas.openxmlformats.org/presentationml/2006/main">
   <p:cSld>
     <p:spTree>
@@ -4939,7 +6552,7 @@
 </p:sld>
 </file>
 
-<file path=ppt/slides/slide16.xml><?xml version="1.0" encoding="utf-8"?>
+<file path=ppt/slides/slide17.xml><?xml version="1.0" encoding="utf-8"?>
 <p:sld xmlns:a="http://schemas.openxmlformats.org/drawingml/2006/main" xmlns:r="http://schemas.openxmlformats.org/officeDocument/2006/relationships" xmlns:p="http://schemas.openxmlformats.org/presentationml/2006/main">
   <p:cSld>
     <p:spTree>
@@ -7122,7 +8735,7 @@
         </p:blipFill>
         <p:spPr>
           <a:xfrm>
-            <a:off x="6038087" y="1161287"/>
+            <a:off x="6788585" y="1110128"/>
             <a:ext cx="4581030" cy="4581030"/>
           </a:xfrm>
           <a:prstGeom prst="rect">
@@ -7488,98 +9101,30 @@
       </p:sp>
       <p:sp>
         <p:nvSpPr>
-          <p:cNvPr id="8" name="TextBox 7">
-            <a:extLst>
-              <a:ext uri="{FF2B5EF4-FFF2-40B4-BE49-F238E27FC236}">
-                <a16:creationId xmlns:a16="http://schemas.microsoft.com/office/drawing/2014/main" id="{F74E31B0-60C4-264B-81B0-3C82ABD4A195}"/>
-              </a:ext>
-            </a:extLst>
-          </p:cNvPr>
-          <p:cNvSpPr txBox="1"/>
-          <p:nvPr/>
-        </p:nvSpPr>
-        <p:spPr>
-          <a:xfrm>
-            <a:off x="317396" y="397225"/>
-            <a:ext cx="6942606" cy="369332"/>
+          <p:cNvPr id="8" name="Rectangle 7">
+            <a:extLst>
+              <a:ext uri="{FF2B5EF4-FFF2-40B4-BE49-F238E27FC236}">
+                <a16:creationId xmlns:a16="http://schemas.microsoft.com/office/drawing/2014/main" id="{45AC687F-0E0C-4749-94B4-5A45D145B1A8}"/>
+              </a:ext>
+            </a:extLst>
+          </p:cNvPr>
+          <p:cNvSpPr/>
+          <p:nvPr/>
+        </p:nvSpPr>
+        <p:spPr>
+          <a:xfrm>
+            <a:off x="365256" y="5933540"/>
+            <a:ext cx="11509348" cy="838195"/>
           </a:xfrm>
           <a:prstGeom prst="rect">
             <a:avLst/>
           </a:prstGeom>
           <a:noFill/>
-        </p:spPr>
-        <p:txBody>
-          <a:bodyPr wrap="none" rtlCol="0">
-            <a:spAutoFit/>
-          </a:bodyPr>
-          <a:lstStyle/>
-          <a:p>
-            <a:r>
-              <a:rPr lang="bg-BG" dirty="0"/>
-              <a:t>Типичен модел за управление на риска във фирма използваща </a:t>
-            </a:r>
-            <a:r>
-              <a:rPr lang="en-GB" dirty="0"/>
-              <a:t>Java</a:t>
-            </a:r>
-          </a:p>
-        </p:txBody>
-      </p:sp>
-      <p:pic>
-        <p:nvPicPr>
-          <p:cNvPr id="5" name="Picture 4" descr="Icon&#10;&#10;Description automatically generated">
-            <a:extLst>
-              <a:ext uri="{FF2B5EF4-FFF2-40B4-BE49-F238E27FC236}">
-                <a16:creationId xmlns:a16="http://schemas.microsoft.com/office/drawing/2014/main" id="{58D6A044-522B-D14B-AF83-57E764BE435F}"/>
-              </a:ext>
-            </a:extLst>
-          </p:cNvPr>
-          <p:cNvPicPr>
-            <a:picLocks noChangeAspect="1"/>
-          </p:cNvPicPr>
-          <p:nvPr/>
-        </p:nvPicPr>
-        <p:blipFill>
-          <a:blip r:embed="rId2"/>
-          <a:stretch>
-            <a:fillRect/>
-          </a:stretch>
-        </p:blipFill>
-        <p:spPr>
-          <a:xfrm>
-            <a:off x="1957786" y="1502469"/>
-            <a:ext cx="667705" cy="667705"/>
-          </a:xfrm>
-          <a:prstGeom prst="rect">
-            <a:avLst/>
-          </a:prstGeom>
-        </p:spPr>
-      </p:pic>
-      <p:sp>
-        <p:nvSpPr>
-          <p:cNvPr id="9" name="Rounded Rectangle 8">
-            <a:extLst>
-              <a:ext uri="{FF2B5EF4-FFF2-40B4-BE49-F238E27FC236}">
-                <a16:creationId xmlns:a16="http://schemas.microsoft.com/office/drawing/2014/main" id="{53ED97FC-BB1D-6B4B-865A-ACCC98B9807F}"/>
-              </a:ext>
-            </a:extLst>
-          </p:cNvPr>
-          <p:cNvSpPr/>
-          <p:nvPr/>
-        </p:nvSpPr>
-        <p:spPr>
-          <a:xfrm>
-            <a:off x="2819868" y="1166842"/>
-            <a:ext cx="4201063" cy="1354345"/>
-          </a:xfrm>
-          <a:prstGeom prst="roundRect">
-            <a:avLst/>
-          </a:prstGeom>
-          <a:solidFill>
-            <a:schemeClr val="bg1">
-              <a:lumMod val="95000"/>
-            </a:schemeClr>
-          </a:solidFill>
+          <a:ln>
+            <a:solidFill>
+              <a:schemeClr val="tx1"/>
+            </a:solidFill>
+          </a:ln>
         </p:spPr>
         <p:style>
           <a:lnRef idx="2">
@@ -7596,22 +9141,20 @@
           </a:fontRef>
         </p:style>
         <p:txBody>
-          <a:bodyPr rtlCol="0" anchor="t" anchorCtr="0"/>
-          <a:lstStyle/>
-          <a:p>
-            <a:r>
-              <a:rPr lang="en-GB" sz="1600" b="1" dirty="0"/>
-              <a:t>CI PIPELINE</a:t>
-            </a:r>
-          </a:p>
-        </p:txBody>
-      </p:sp>
-      <p:sp>
-        <p:nvSpPr>
-          <p:cNvPr id="10" name="Chevron 9">
-            <a:extLst>
-              <a:ext uri="{FF2B5EF4-FFF2-40B4-BE49-F238E27FC236}">
-                <a16:creationId xmlns:a16="http://schemas.microsoft.com/office/drawing/2014/main" id="{61C206E4-C04C-324E-9D4C-97F002B52656}"/>
+          <a:bodyPr rtlCol="0" anchor="ctr"/>
+          <a:lstStyle/>
+          <a:p>
+            <a:pPr algn="ctr"/>
+            <a:endParaRPr lang="en-GB"/>
+          </a:p>
+        </p:txBody>
+      </p:sp>
+      <p:sp>
+        <p:nvSpPr>
+          <p:cNvPr id="9" name="Rectangle 8">
+            <a:extLst>
+              <a:ext uri="{FF2B5EF4-FFF2-40B4-BE49-F238E27FC236}">
+                <a16:creationId xmlns:a16="http://schemas.microsoft.com/office/drawing/2014/main" id="{F2755679-8DE4-514E-86B0-90F216B68438}"/>
               </a:ext>
             </a:extLst>
           </p:cNvPr>
@@ -7620,15 +9163,18 @@
         </p:nvSpPr>
         <p:spPr>
           <a:xfrm>
-            <a:off x="2924273" y="1535657"/>
-            <a:ext cx="1624196" cy="905773"/>
-          </a:xfrm>
-          <a:prstGeom prst="chevron">
-            <a:avLst/>
-          </a:prstGeom>
-          <a:solidFill>
-            <a:srgbClr val="00B050"/>
-          </a:solidFill>
+            <a:off x="365256" y="1037610"/>
+            <a:ext cx="11509348" cy="4709211"/>
+          </a:xfrm>
+          <a:prstGeom prst="rect">
+            <a:avLst/>
+          </a:prstGeom>
+          <a:noFill/>
+          <a:ln>
+            <a:solidFill>
+              <a:schemeClr val="tx1"/>
+            </a:solidFill>
+          </a:ln>
         </p:spPr>
         <p:style>
           <a:lnRef idx="2">
@@ -7649,23 +9195,245 @@
           <a:lstStyle/>
           <a:p>
             <a:pPr algn="ctr"/>
-            <a:r>
-              <a:rPr lang="en-GB" sz="1200" b="1" dirty="0">
-                <a:solidFill>
-                  <a:schemeClr val="tx1"/>
-                </a:solidFill>
-              </a:rPr>
-              <a:t>Build</a:t>
-            </a:r>
-          </a:p>
-        </p:txBody>
-      </p:sp>
-      <p:sp>
-        <p:nvSpPr>
-          <p:cNvPr id="13" name="Chevron 12">
-            <a:extLst>
-              <a:ext uri="{FF2B5EF4-FFF2-40B4-BE49-F238E27FC236}">
-                <a16:creationId xmlns:a16="http://schemas.microsoft.com/office/drawing/2014/main" id="{D7F2E358-4CD8-C246-8347-6842F47387B3}"/>
+            <a:endParaRPr lang="en-GB"/>
+          </a:p>
+        </p:txBody>
+      </p:sp>
+      <p:graphicFrame>
+        <p:nvGraphicFramePr>
+          <p:cNvPr id="2" name="Table 2">
+            <a:extLst>
+              <a:ext uri="{FF2B5EF4-FFF2-40B4-BE49-F238E27FC236}">
+                <a16:creationId xmlns:a16="http://schemas.microsoft.com/office/drawing/2014/main" id="{D0B0A947-217C-BB4F-815D-4014D5280EB5}"/>
+              </a:ext>
+            </a:extLst>
+          </p:cNvPr>
+          <p:cNvGraphicFramePr>
+            <a:graphicFrameLocks noGrp="1"/>
+          </p:cNvGraphicFramePr>
+          <p:nvPr>
+            <p:extLst>
+              <p:ext uri="{D42A27DB-BD31-4B8C-83A1-F6EECF244321}">
+                <p14:modId xmlns:p14="http://schemas.microsoft.com/office/powerpoint/2010/main" val="1015550818"/>
+              </p:ext>
+            </p:extLst>
+          </p:nvPr>
+        </p:nvGraphicFramePr>
+        <p:xfrm>
+          <a:off x="720785" y="1964948"/>
+          <a:ext cx="1832634" cy="1942819"/>
+        </p:xfrm>
+        <a:graphic>
+          <a:graphicData uri="http://schemas.openxmlformats.org/drawingml/2006/table">
+            <a:tbl>
+              <a:tblPr firstRow="1" bandRow="1">
+                <a:tableStyleId>{2D5ABB26-0587-4C30-8999-92F81FD0307C}</a:tableStyleId>
+              </a:tblPr>
+              <a:tblGrid>
+                <a:gridCol w="1832634">
+                  <a:extLst>
+                    <a:ext uri="{9D8B030D-6E8A-4147-A177-3AD203B41FA5}">
+                      <a16:colId xmlns:a16="http://schemas.microsoft.com/office/drawing/2014/main" val="579066564"/>
+                    </a:ext>
+                  </a:extLst>
+                </a:gridCol>
+              </a:tblGrid>
+              <a:tr h="641665">
+                <a:tc>
+                  <a:txBody>
+                    <a:bodyPr/>
+                    <a:lstStyle/>
+                    <a:p>
+                      <a:pPr algn="ctr"/>
+                      <a:r>
+                        <a:rPr lang="bg-BG" dirty="0"/>
+                        <a:t>Висок</a:t>
+                      </a:r>
+                      <a:endParaRPr lang="en-GB" dirty="0"/>
+                    </a:p>
+                  </a:txBody>
+                  <a:tcPr anchor="ctr">
+                    <a:lnL w="12700" cap="flat" cmpd="sng" algn="ctr">
+                      <a:solidFill>
+                        <a:schemeClr val="tx1"/>
+                      </a:solidFill>
+                      <a:prstDash val="solid"/>
+                      <a:round/>
+                      <a:headEnd type="none" w="med" len="med"/>
+                      <a:tailEnd type="none" w="med" len="med"/>
+                    </a:lnL>
+                    <a:lnR w="12700" cap="flat" cmpd="sng" algn="ctr">
+                      <a:solidFill>
+                        <a:schemeClr val="tx1"/>
+                      </a:solidFill>
+                      <a:prstDash val="solid"/>
+                      <a:round/>
+                      <a:headEnd type="none" w="med" len="med"/>
+                      <a:tailEnd type="none" w="med" len="med"/>
+                    </a:lnR>
+                    <a:lnT w="12700" cap="flat" cmpd="sng" algn="ctr">
+                      <a:solidFill>
+                        <a:schemeClr val="tx1"/>
+                      </a:solidFill>
+                      <a:prstDash val="solid"/>
+                      <a:round/>
+                      <a:headEnd type="none" w="med" len="med"/>
+                      <a:tailEnd type="none" w="med" len="med"/>
+                    </a:lnT>
+                    <a:lnB w="12700" cap="flat" cmpd="sng" algn="ctr">
+                      <a:solidFill>
+                        <a:schemeClr val="tx1"/>
+                      </a:solidFill>
+                      <a:prstDash val="solid"/>
+                      <a:round/>
+                      <a:headEnd type="none" w="med" len="med"/>
+                      <a:tailEnd type="none" w="med" len="med"/>
+                    </a:lnB>
+                    <a:solidFill>
+                      <a:srgbClr val="FF0000"/>
+                    </a:solidFill>
+                  </a:tcPr>
+                </a:tc>
+                <a:extLst>
+                  <a:ext uri="{0D108BD9-81ED-4DB2-BD59-A6C34878D82A}">
+                    <a16:rowId xmlns:a16="http://schemas.microsoft.com/office/drawing/2014/main" val="1375289913"/>
+                  </a:ext>
+                </a:extLst>
+              </a:tr>
+              <a:tr h="650577">
+                <a:tc>
+                  <a:txBody>
+                    <a:bodyPr/>
+                    <a:lstStyle/>
+                    <a:p>
+                      <a:pPr algn="ctr"/>
+                      <a:r>
+                        <a:rPr lang="bg-BG" dirty="0"/>
+                        <a:t>Среден</a:t>
+                      </a:r>
+                      <a:endParaRPr lang="en-GB" dirty="0"/>
+                    </a:p>
+                  </a:txBody>
+                  <a:tcPr anchor="ctr">
+                    <a:lnL w="12700" cap="flat" cmpd="sng" algn="ctr">
+                      <a:solidFill>
+                        <a:schemeClr val="tx1"/>
+                      </a:solidFill>
+                      <a:prstDash val="solid"/>
+                      <a:round/>
+                      <a:headEnd type="none" w="med" len="med"/>
+                      <a:tailEnd type="none" w="med" len="med"/>
+                    </a:lnL>
+                    <a:lnR w="12700" cap="flat" cmpd="sng" algn="ctr">
+                      <a:solidFill>
+                        <a:schemeClr val="tx1"/>
+                      </a:solidFill>
+                      <a:prstDash val="solid"/>
+                      <a:round/>
+                      <a:headEnd type="none" w="med" len="med"/>
+                      <a:tailEnd type="none" w="med" len="med"/>
+                    </a:lnR>
+                    <a:lnT w="12700" cap="flat" cmpd="sng" algn="ctr">
+                      <a:solidFill>
+                        <a:schemeClr val="tx1"/>
+                      </a:solidFill>
+                      <a:prstDash val="solid"/>
+                      <a:round/>
+                      <a:headEnd type="none" w="med" len="med"/>
+                      <a:tailEnd type="none" w="med" len="med"/>
+                    </a:lnT>
+                    <a:lnB w="12700" cap="flat" cmpd="sng" algn="ctr">
+                      <a:solidFill>
+                        <a:schemeClr val="tx1"/>
+                      </a:solidFill>
+                      <a:prstDash val="solid"/>
+                      <a:round/>
+                      <a:headEnd type="none" w="med" len="med"/>
+                      <a:tailEnd type="none" w="med" len="med"/>
+                    </a:lnB>
+                    <a:solidFill>
+                      <a:srgbClr val="FFC000"/>
+                    </a:solidFill>
+                  </a:tcPr>
+                </a:tc>
+                <a:extLst>
+                  <a:ext uri="{0D108BD9-81ED-4DB2-BD59-A6C34878D82A}">
+                    <a16:rowId xmlns:a16="http://schemas.microsoft.com/office/drawing/2014/main" val="2935666838"/>
+                  </a:ext>
+                </a:extLst>
+              </a:tr>
+              <a:tr h="650577">
+                <a:tc>
+                  <a:txBody>
+                    <a:bodyPr/>
+                    <a:lstStyle/>
+                    <a:p>
+                      <a:pPr algn="ctr"/>
+                      <a:r>
+                        <a:rPr lang="bg-BG" dirty="0"/>
+                        <a:t>Нисък</a:t>
+                      </a:r>
+                      <a:endParaRPr lang="en-GB" dirty="0"/>
+                    </a:p>
+                  </a:txBody>
+                  <a:tcPr anchor="ctr">
+                    <a:lnL w="12700" cap="flat" cmpd="sng" algn="ctr">
+                      <a:solidFill>
+                        <a:schemeClr val="tx1"/>
+                      </a:solidFill>
+                      <a:prstDash val="solid"/>
+                      <a:round/>
+                      <a:headEnd type="none" w="med" len="med"/>
+                      <a:tailEnd type="none" w="med" len="med"/>
+                    </a:lnL>
+                    <a:lnR w="12700" cap="flat" cmpd="sng" algn="ctr">
+                      <a:solidFill>
+                        <a:schemeClr val="tx1"/>
+                      </a:solidFill>
+                      <a:prstDash val="solid"/>
+                      <a:round/>
+                      <a:headEnd type="none" w="med" len="med"/>
+                      <a:tailEnd type="none" w="med" len="med"/>
+                    </a:lnR>
+                    <a:lnT w="12700" cap="flat" cmpd="sng" algn="ctr">
+                      <a:solidFill>
+                        <a:schemeClr val="tx1"/>
+                      </a:solidFill>
+                      <a:prstDash val="solid"/>
+                      <a:round/>
+                      <a:headEnd type="none" w="med" len="med"/>
+                      <a:tailEnd type="none" w="med" len="med"/>
+                    </a:lnT>
+                    <a:lnB w="12700" cap="flat" cmpd="sng" algn="ctr">
+                      <a:solidFill>
+                        <a:schemeClr val="tx1"/>
+                      </a:solidFill>
+                      <a:prstDash val="solid"/>
+                      <a:round/>
+                      <a:headEnd type="none" w="med" len="med"/>
+                      <a:tailEnd type="none" w="med" len="med"/>
+                    </a:lnB>
+                    <a:solidFill>
+                      <a:srgbClr val="00B050"/>
+                    </a:solidFill>
+                  </a:tcPr>
+                </a:tc>
+                <a:extLst>
+                  <a:ext uri="{0D108BD9-81ED-4DB2-BD59-A6C34878D82A}">
+                    <a16:rowId xmlns:a16="http://schemas.microsoft.com/office/drawing/2014/main" val="750772820"/>
+                  </a:ext>
+                </a:extLst>
+              </a:tr>
+            </a:tbl>
+          </a:graphicData>
+        </a:graphic>
+      </p:graphicFrame>
+      <p:sp>
+        <p:nvSpPr>
+          <p:cNvPr id="3" name="Rectangle 2">
+            <a:extLst>
+              <a:ext uri="{FF2B5EF4-FFF2-40B4-BE49-F238E27FC236}">
+                <a16:creationId xmlns:a16="http://schemas.microsoft.com/office/drawing/2014/main" id="{6B8EB730-5DDC-8743-B1B7-7A50C782029E}"/>
               </a:ext>
             </a:extLst>
           </p:cNvPr>
@@ -7674,14 +9442,14 @@
         </p:nvSpPr>
         <p:spPr>
           <a:xfrm>
-            <a:off x="4226416" y="1527029"/>
-            <a:ext cx="1526875" cy="905773"/>
-          </a:xfrm>
-          <a:prstGeom prst="chevron">
+            <a:off x="3653766" y="2626275"/>
+            <a:ext cx="1832634" cy="620164"/>
+          </a:xfrm>
+          <a:prstGeom prst="rect">
             <a:avLst/>
           </a:prstGeom>
           <a:solidFill>
-            <a:srgbClr val="00B050"/>
+            <a:srgbClr val="FFC000"/>
           </a:solidFill>
         </p:spPr>
         <p:style>
@@ -7704,22 +9472,19 @@
           <a:p>
             <a:pPr algn="ctr"/>
             <a:r>
-              <a:rPr lang="en-GB" sz="1200" b="1" dirty="0">
-                <a:solidFill>
-                  <a:schemeClr val="tx1"/>
-                </a:solidFill>
-              </a:rPr>
-              <a:t>Test</a:t>
-            </a:r>
-          </a:p>
-        </p:txBody>
-      </p:sp>
-      <p:sp>
-        <p:nvSpPr>
-          <p:cNvPr id="14" name="Chevron 13">
-            <a:extLst>
-              <a:ext uri="{FF2B5EF4-FFF2-40B4-BE49-F238E27FC236}">
-                <a16:creationId xmlns:a16="http://schemas.microsoft.com/office/drawing/2014/main" id="{12AEB92A-6AD6-D747-ADE0-D6CE43301D3C}"/>
+              <a:rPr lang="bg-BG" dirty="0"/>
+              <a:t>Вероятно не е уязвим</a:t>
+            </a:r>
+            <a:endParaRPr lang="en-GB" dirty="0"/>
+          </a:p>
+        </p:txBody>
+      </p:sp>
+      <p:sp>
+        <p:nvSpPr>
+          <p:cNvPr id="10" name="Rectangle 9">
+            <a:extLst>
+              <a:ext uri="{FF2B5EF4-FFF2-40B4-BE49-F238E27FC236}">
+                <a16:creationId xmlns:a16="http://schemas.microsoft.com/office/drawing/2014/main" id="{832CEB4A-8267-FC4E-9590-3EFA0FF34BBB}"/>
               </a:ext>
             </a:extLst>
           </p:cNvPr>
@@ -7728,10 +9493,10 @@
         </p:nvSpPr>
         <p:spPr>
           <a:xfrm>
-            <a:off x="5396735" y="1527028"/>
-            <a:ext cx="1526875" cy="905773"/>
-          </a:xfrm>
-          <a:prstGeom prst="chevron">
+            <a:off x="3653766" y="3907767"/>
+            <a:ext cx="1832634" cy="620164"/>
+          </a:xfrm>
+          <a:prstGeom prst="rect">
             <a:avLst/>
           </a:prstGeom>
           <a:solidFill>
@@ -7758,160 +9523,35 @@
           <a:p>
             <a:pPr algn="ctr"/>
             <a:r>
-              <a:rPr lang="en-GB" sz="1200" b="1" dirty="0">
-                <a:solidFill>
-                  <a:schemeClr val="tx1"/>
-                </a:solidFill>
-              </a:rPr>
-              <a:t>Integration</a:t>
-            </a:r>
-          </a:p>
-        </p:txBody>
-      </p:sp>
-      <p:pic>
-        <p:nvPicPr>
-          <p:cNvPr id="15" name="Picture 14" descr="Logo, company name&#10;&#10;Description automatically generated">
-            <a:extLst>
-              <a:ext uri="{FF2B5EF4-FFF2-40B4-BE49-F238E27FC236}">
-                <a16:creationId xmlns:a16="http://schemas.microsoft.com/office/drawing/2014/main" id="{3541CC51-1699-334D-89BB-37E62298C5D7}"/>
-              </a:ext>
-            </a:extLst>
-          </p:cNvPr>
-          <p:cNvPicPr>
-            <a:picLocks noChangeAspect="1"/>
-          </p:cNvPicPr>
-          <p:nvPr/>
-        </p:nvPicPr>
-        <p:blipFill>
-          <a:blip r:embed="rId3"/>
-          <a:stretch>
-            <a:fillRect/>
-          </a:stretch>
-        </p:blipFill>
-        <p:spPr>
-          <a:xfrm>
-            <a:off x="481157" y="2029128"/>
-            <a:ext cx="1583917" cy="570781"/>
+              <a:rPr lang="bg-BG" dirty="0"/>
+              <a:t>Не е уязвим</a:t>
+            </a:r>
+            <a:endParaRPr lang="en-GB" dirty="0"/>
+          </a:p>
+        </p:txBody>
+      </p:sp>
+      <p:sp>
+        <p:nvSpPr>
+          <p:cNvPr id="11" name="Rectangle 10">
+            <a:extLst>
+              <a:ext uri="{FF2B5EF4-FFF2-40B4-BE49-F238E27FC236}">
+                <a16:creationId xmlns:a16="http://schemas.microsoft.com/office/drawing/2014/main" id="{99EF7294-3221-6D41-9707-40AD34CFC5F1}"/>
+              </a:ext>
+            </a:extLst>
+          </p:cNvPr>
+          <p:cNvSpPr/>
+          <p:nvPr/>
+        </p:nvSpPr>
+        <p:spPr>
+          <a:xfrm>
+            <a:off x="3653766" y="1445671"/>
+            <a:ext cx="1832634" cy="620164"/>
           </a:xfrm>
           <a:prstGeom prst="rect">
             <a:avLst/>
           </a:prstGeom>
-        </p:spPr>
-      </p:pic>
-      <p:pic>
-        <p:nvPicPr>
-          <p:cNvPr id="3" name="Picture 2" descr="Logo&#10;&#10;Description automatically generated">
-            <a:extLst>
-              <a:ext uri="{FF2B5EF4-FFF2-40B4-BE49-F238E27FC236}">
-                <a16:creationId xmlns:a16="http://schemas.microsoft.com/office/drawing/2014/main" id="{14FDDBAF-9996-C448-B32A-191FB8C5AE31}"/>
-              </a:ext>
-            </a:extLst>
-          </p:cNvPr>
-          <p:cNvPicPr>
-            <a:picLocks noChangeAspect="1"/>
-          </p:cNvPicPr>
-          <p:nvPr/>
-        </p:nvPicPr>
-        <p:blipFill>
-          <a:blip r:embed="rId4"/>
-          <a:stretch>
-            <a:fillRect/>
-          </a:stretch>
-        </p:blipFill>
-        <p:spPr>
-          <a:xfrm>
-            <a:off x="179655" y="1117043"/>
-            <a:ext cx="1814382" cy="1030762"/>
-          </a:xfrm>
-          <a:prstGeom prst="rect">
-            <a:avLst/>
-          </a:prstGeom>
-        </p:spPr>
-      </p:pic>
-      <p:pic>
-        <p:nvPicPr>
-          <p:cNvPr id="16" name="Picture 15" descr="Logo&#10;&#10;Description automatically generated">
-            <a:extLst>
-              <a:ext uri="{FF2B5EF4-FFF2-40B4-BE49-F238E27FC236}">
-                <a16:creationId xmlns:a16="http://schemas.microsoft.com/office/drawing/2014/main" id="{1A8300B8-CEC7-674D-B543-7CD5DFBD4F54}"/>
-              </a:ext>
-            </a:extLst>
-          </p:cNvPr>
-          <p:cNvPicPr>
-            <a:picLocks noChangeAspect="1"/>
-          </p:cNvPicPr>
-          <p:nvPr/>
-        </p:nvPicPr>
-        <p:blipFill>
-          <a:blip r:embed="rId4"/>
-          <a:stretch>
-            <a:fillRect/>
-          </a:stretch>
-        </p:blipFill>
-        <p:spPr>
-          <a:xfrm>
-            <a:off x="3665405" y="1521565"/>
-            <a:ext cx="781388" cy="443912"/>
-          </a:xfrm>
-          <a:prstGeom prst="rect">
-            <a:avLst/>
-          </a:prstGeom>
-        </p:spPr>
-      </p:pic>
-      <p:pic>
-        <p:nvPicPr>
-          <p:cNvPr id="17" name="Picture 16" descr="Logo, company name&#10;&#10;Description automatically generated">
-            <a:extLst>
-              <a:ext uri="{FF2B5EF4-FFF2-40B4-BE49-F238E27FC236}">
-                <a16:creationId xmlns:a16="http://schemas.microsoft.com/office/drawing/2014/main" id="{F0752CB4-AF26-374C-AF28-07C5FA6970A4}"/>
-              </a:ext>
-            </a:extLst>
-          </p:cNvPr>
-          <p:cNvPicPr>
-            <a:picLocks noChangeAspect="1"/>
-          </p:cNvPicPr>
-          <p:nvPr/>
-        </p:nvPicPr>
-        <p:blipFill>
-          <a:blip r:embed="rId3"/>
-          <a:stretch>
-            <a:fillRect/>
-          </a:stretch>
-        </p:blipFill>
-        <p:spPr>
-          <a:xfrm>
-            <a:off x="3315851" y="2105857"/>
-            <a:ext cx="719090" cy="259133"/>
-          </a:xfrm>
-          <a:prstGeom prst="rect">
-            <a:avLst/>
-          </a:prstGeom>
-        </p:spPr>
-      </p:pic>
-      <p:sp>
-        <p:nvSpPr>
-          <p:cNvPr id="18" name="Rounded Rectangle 17">
-            <a:extLst>
-              <a:ext uri="{FF2B5EF4-FFF2-40B4-BE49-F238E27FC236}">
-                <a16:creationId xmlns:a16="http://schemas.microsoft.com/office/drawing/2014/main" id="{443F2FC2-80B6-304E-9300-46D79A7F16C6}"/>
-              </a:ext>
-            </a:extLst>
-          </p:cNvPr>
-          <p:cNvSpPr/>
-          <p:nvPr/>
-        </p:nvSpPr>
-        <p:spPr>
-          <a:xfrm>
-            <a:off x="7347236" y="1166842"/>
-            <a:ext cx="4201063" cy="1354345"/>
-          </a:xfrm>
-          <a:prstGeom prst="roundRect">
-            <a:avLst/>
-          </a:prstGeom>
           <a:solidFill>
-            <a:schemeClr val="bg1">
-              <a:lumMod val="95000"/>
-            </a:schemeClr>
+            <a:srgbClr val="FF0000"/>
           </a:solidFill>
         </p:spPr>
         <p:style>
@@ -7929,205 +9569,46 @@
           </a:fontRef>
         </p:style>
         <p:txBody>
-          <a:bodyPr rtlCol="0" anchor="t" anchorCtr="0"/>
-          <a:lstStyle/>
-          <a:p>
-            <a:r>
-              <a:rPr lang="en-GB" sz="1600" b="1" dirty="0"/>
-              <a:t>CD PIPELINE</a:t>
-            </a:r>
-          </a:p>
-        </p:txBody>
-      </p:sp>
-      <p:sp>
-        <p:nvSpPr>
-          <p:cNvPr id="19" name="Chevron 18">
-            <a:extLst>
-              <a:ext uri="{FF2B5EF4-FFF2-40B4-BE49-F238E27FC236}">
-                <a16:creationId xmlns:a16="http://schemas.microsoft.com/office/drawing/2014/main" id="{EEF06C84-E66E-A844-B2C0-678BA36EDE27}"/>
-              </a:ext>
-            </a:extLst>
-          </p:cNvPr>
-          <p:cNvSpPr/>
-          <p:nvPr/>
-        </p:nvSpPr>
-        <p:spPr>
-          <a:xfrm>
-            <a:off x="7548961" y="1535657"/>
-            <a:ext cx="1526875" cy="905773"/>
-          </a:xfrm>
-          <a:prstGeom prst="chevron">
-            <a:avLst/>
-          </a:prstGeom>
-          <a:solidFill>
-            <a:srgbClr val="00B050"/>
-          </a:solidFill>
-        </p:spPr>
-        <p:style>
-          <a:lnRef idx="2">
-            <a:schemeClr val="accent6"/>
-          </a:lnRef>
-          <a:fillRef idx="1">
-            <a:schemeClr val="lt1"/>
-          </a:fillRef>
-          <a:effectRef idx="0">
-            <a:schemeClr val="accent6"/>
-          </a:effectRef>
-          <a:fontRef idx="minor">
-            <a:schemeClr val="dk1"/>
-          </a:fontRef>
-        </p:style>
-        <p:txBody>
           <a:bodyPr rtlCol="0" anchor="ctr"/>
           <a:lstStyle/>
           <a:p>
             <a:pPr algn="ctr"/>
             <a:r>
-              <a:rPr lang="en-GB" sz="1200" b="1" dirty="0">
-                <a:solidFill>
-                  <a:schemeClr val="tx1"/>
-                </a:solidFill>
-              </a:rPr>
-              <a:t>QA</a:t>
-            </a:r>
-          </a:p>
-        </p:txBody>
-      </p:sp>
-      <p:sp>
-        <p:nvSpPr>
-          <p:cNvPr id="20" name="Chevron 19">
-            <a:extLst>
-              <a:ext uri="{FF2B5EF4-FFF2-40B4-BE49-F238E27FC236}">
-                <a16:creationId xmlns:a16="http://schemas.microsoft.com/office/drawing/2014/main" id="{53852605-7EC1-974F-98C9-308F5FFEE6EE}"/>
-              </a:ext>
-            </a:extLst>
-          </p:cNvPr>
-          <p:cNvSpPr/>
-          <p:nvPr/>
-        </p:nvSpPr>
-        <p:spPr>
-          <a:xfrm>
-            <a:off x="8753784" y="1527029"/>
-            <a:ext cx="1526875" cy="905773"/>
-          </a:xfrm>
-          <a:prstGeom prst="chevron">
-            <a:avLst/>
-          </a:prstGeom>
-          <a:solidFill>
-            <a:srgbClr val="00B050"/>
-          </a:solidFill>
-        </p:spPr>
-        <p:style>
-          <a:lnRef idx="2">
-            <a:schemeClr val="accent6"/>
-          </a:lnRef>
-          <a:fillRef idx="1">
-            <a:schemeClr val="lt1"/>
-          </a:fillRef>
-          <a:effectRef idx="0">
-            <a:schemeClr val="accent6"/>
-          </a:effectRef>
-          <a:fontRef idx="minor">
-            <a:schemeClr val="dk1"/>
-          </a:fontRef>
-        </p:style>
-        <p:txBody>
-          <a:bodyPr rtlCol="0" anchor="ctr"/>
-          <a:lstStyle/>
-          <a:p>
-            <a:pPr algn="ctr"/>
-            <a:r>
-              <a:rPr lang="en-GB" sz="1200" b="1" dirty="0">
-                <a:solidFill>
-                  <a:schemeClr val="tx1"/>
-                </a:solidFill>
-              </a:rPr>
-              <a:t>STAGE</a:t>
-            </a:r>
-          </a:p>
-        </p:txBody>
-      </p:sp>
-      <p:sp>
-        <p:nvSpPr>
-          <p:cNvPr id="21" name="Chevron 20">
-            <a:extLst>
-              <a:ext uri="{FF2B5EF4-FFF2-40B4-BE49-F238E27FC236}">
-                <a16:creationId xmlns:a16="http://schemas.microsoft.com/office/drawing/2014/main" id="{FDFE0ED8-7627-7349-9BC5-535983C5B0EA}"/>
-              </a:ext>
-            </a:extLst>
-          </p:cNvPr>
-          <p:cNvSpPr/>
-          <p:nvPr/>
-        </p:nvSpPr>
-        <p:spPr>
-          <a:xfrm>
-            <a:off x="9924103" y="1527028"/>
-            <a:ext cx="1526875" cy="905773"/>
-          </a:xfrm>
-          <a:prstGeom prst="chevron">
-            <a:avLst/>
-          </a:prstGeom>
-          <a:solidFill>
-            <a:srgbClr val="FF0000"/>
-          </a:solidFill>
-        </p:spPr>
-        <p:style>
-          <a:lnRef idx="2">
-            <a:schemeClr val="accent6"/>
-          </a:lnRef>
-          <a:fillRef idx="1">
-            <a:schemeClr val="lt1"/>
-          </a:fillRef>
-          <a:effectRef idx="0">
-            <a:schemeClr val="accent6"/>
-          </a:effectRef>
-          <a:fontRef idx="minor">
-            <a:schemeClr val="dk1"/>
-          </a:fontRef>
-        </p:style>
-        <p:txBody>
-          <a:bodyPr rtlCol="0" anchor="ctr"/>
-          <a:lstStyle/>
-          <a:p>
-            <a:pPr algn="ctr"/>
-            <a:r>
-              <a:rPr lang="en-GB" sz="1200" b="1" dirty="0">
-                <a:solidFill>
-                  <a:schemeClr val="tx1"/>
-                </a:solidFill>
-              </a:rPr>
-              <a:t>PROD</a:t>
-            </a:r>
+              <a:rPr lang="bg-BG" dirty="0"/>
+              <a:t>Уязвим</a:t>
+            </a:r>
+            <a:endParaRPr lang="en-GB" dirty="0"/>
           </a:p>
         </p:txBody>
       </p:sp>
       <p:cxnSp>
         <p:nvCxnSpPr>
-          <p:cNvPr id="23" name="Straight Arrow Connector 22">
-            <a:extLst>
-              <a:ext uri="{FF2B5EF4-FFF2-40B4-BE49-F238E27FC236}">
-                <a16:creationId xmlns:a16="http://schemas.microsoft.com/office/drawing/2014/main" id="{5C1406E1-1EB7-5746-8E3F-C6741184D2B7}"/>
+          <p:cNvPr id="13" name="Straight Connector 12">
+            <a:extLst>
+              <a:ext uri="{FF2B5EF4-FFF2-40B4-BE49-F238E27FC236}">
+                <a16:creationId xmlns:a16="http://schemas.microsoft.com/office/drawing/2014/main" id="{A9C9341B-C061-004C-9C9F-81F1667F60F3}"/>
               </a:ext>
             </a:extLst>
           </p:cNvPr>
           <p:cNvCxnSpPr>
             <a:cxnSpLocks/>
+            <a:stCxn id="11" idx="1"/>
           </p:cNvCxnSpPr>
           <p:nvPr/>
         </p:nvCxnSpPr>
         <p:spPr>
-          <a:xfrm>
-            <a:off x="1307260" y="1640530"/>
-            <a:ext cx="785647" cy="44437"/>
-          </a:xfrm>
-          <a:prstGeom prst="straightConnector1">
-            <a:avLst/>
-          </a:prstGeom>
-          <a:ln>
+          <a:xfrm flipH="1">
+            <a:off x="2553419" y="1755753"/>
+            <a:ext cx="1100347" cy="556126"/>
+          </a:xfrm>
+          <a:prstGeom prst="line">
+            <a:avLst/>
+          </a:prstGeom>
+          <a:ln w="19050">
             <a:solidFill>
               <a:schemeClr val="tx1"/>
             </a:solidFill>
-            <a:tailEnd type="triangle"/>
+            <a:prstDash val="dash"/>
           </a:ln>
         </p:spPr>
         <p:style>
@@ -8147,31 +9628,33 @@
       </p:cxnSp>
       <p:cxnSp>
         <p:nvCxnSpPr>
-          <p:cNvPr id="24" name="Straight Arrow Connector 23">
-            <a:extLst>
-              <a:ext uri="{FF2B5EF4-FFF2-40B4-BE49-F238E27FC236}">
-                <a16:creationId xmlns:a16="http://schemas.microsoft.com/office/drawing/2014/main" id="{AD11B659-23B8-744C-BDA1-812892A9783C}"/>
+          <p:cNvPr id="14" name="Straight Connector 13">
+            <a:extLst>
+              <a:ext uri="{FF2B5EF4-FFF2-40B4-BE49-F238E27FC236}">
+                <a16:creationId xmlns:a16="http://schemas.microsoft.com/office/drawing/2014/main" id="{26A0A6CF-1013-7449-B9ED-3E97CB072E08}"/>
               </a:ext>
             </a:extLst>
           </p:cNvPr>
           <p:cNvCxnSpPr>
             <a:cxnSpLocks/>
+            <a:stCxn id="3" idx="1"/>
+            <a:endCxn id="2" idx="3"/>
           </p:cNvCxnSpPr>
           <p:nvPr/>
         </p:nvCxnSpPr>
         <p:spPr>
-          <a:xfrm flipV="1">
-            <a:off x="1548800" y="1958106"/>
-            <a:ext cx="524887" cy="294572"/>
-          </a:xfrm>
-          <a:prstGeom prst="straightConnector1">
-            <a:avLst/>
-          </a:prstGeom>
-          <a:ln>
+          <a:xfrm flipH="1">
+            <a:off x="2553419" y="2936357"/>
+            <a:ext cx="1100347" cy="0"/>
+          </a:xfrm>
+          <a:prstGeom prst="line">
+            <a:avLst/>
+          </a:prstGeom>
+          <a:ln w="19050">
             <a:solidFill>
               <a:schemeClr val="tx1"/>
             </a:solidFill>
-            <a:tailEnd type="triangle"/>
+            <a:prstDash val="dash"/>
           </a:ln>
         </p:spPr>
         <p:style>
@@ -8191,33 +9674,32 @@
       </p:cxnSp>
       <p:cxnSp>
         <p:nvCxnSpPr>
-          <p:cNvPr id="29" name="Straight Arrow Connector 28">
-            <a:extLst>
-              <a:ext uri="{FF2B5EF4-FFF2-40B4-BE49-F238E27FC236}">
-                <a16:creationId xmlns:a16="http://schemas.microsoft.com/office/drawing/2014/main" id="{1E77572E-3B17-834D-AC9E-A5745D931B29}"/>
+          <p:cNvPr id="16" name="Straight Connector 15">
+            <a:extLst>
+              <a:ext uri="{FF2B5EF4-FFF2-40B4-BE49-F238E27FC236}">
+                <a16:creationId xmlns:a16="http://schemas.microsoft.com/office/drawing/2014/main" id="{BBAE6B5D-D5AB-C94F-851A-6D0FE8B570C3}"/>
               </a:ext>
             </a:extLst>
           </p:cNvPr>
           <p:cNvCxnSpPr>
             <a:cxnSpLocks/>
-            <a:stCxn id="5" idx="3"/>
-            <a:endCxn id="9" idx="1"/>
+            <a:stCxn id="10" idx="1"/>
           </p:cNvCxnSpPr>
           <p:nvPr/>
         </p:nvCxnSpPr>
         <p:spPr>
-          <a:xfrm>
-            <a:off x="2625491" y="1836322"/>
-            <a:ext cx="194377" cy="7693"/>
-          </a:xfrm>
-          <a:prstGeom prst="straightConnector1">
-            <a:avLst/>
-          </a:prstGeom>
-          <a:ln>
+          <a:xfrm flipH="1" flipV="1">
+            <a:off x="2553419" y="3536830"/>
+            <a:ext cx="1100347" cy="681019"/>
+          </a:xfrm>
+          <a:prstGeom prst="line">
+            <a:avLst/>
+          </a:prstGeom>
+          <a:ln w="19050">
             <a:solidFill>
               <a:schemeClr val="tx1"/>
             </a:solidFill>
-            <a:tailEnd type="triangle"/>
+            <a:prstDash val="dash"/>
           </a:ln>
         </p:spPr>
         <p:style>
@@ -8235,1251 +9717,10 @@
           </a:fontRef>
         </p:style>
       </p:cxnSp>
-      <p:cxnSp>
-        <p:nvCxnSpPr>
-          <p:cNvPr id="37" name="Straight Arrow Connector 36">
-            <a:extLst>
-              <a:ext uri="{FF2B5EF4-FFF2-40B4-BE49-F238E27FC236}">
-                <a16:creationId xmlns:a16="http://schemas.microsoft.com/office/drawing/2014/main" id="{45D36ABA-18E4-DB44-BB1C-064E3EAA6889}"/>
-              </a:ext>
-            </a:extLst>
-          </p:cNvPr>
-          <p:cNvCxnSpPr>
-            <a:cxnSpLocks/>
-            <a:stCxn id="9" idx="3"/>
-            <a:endCxn id="18" idx="1"/>
-          </p:cNvCxnSpPr>
-          <p:nvPr/>
-        </p:nvCxnSpPr>
-        <p:spPr>
-          <a:xfrm>
-            <a:off x="7020931" y="1844015"/>
-            <a:ext cx="326305" cy="0"/>
-          </a:xfrm>
-          <a:prstGeom prst="straightConnector1">
-            <a:avLst/>
-          </a:prstGeom>
-          <a:ln>
-            <a:solidFill>
-              <a:schemeClr val="tx1"/>
-            </a:solidFill>
-            <a:tailEnd type="triangle"/>
-          </a:ln>
-        </p:spPr>
-        <p:style>
-          <a:lnRef idx="1">
-            <a:schemeClr val="accent1"/>
-          </a:lnRef>
-          <a:fillRef idx="0">
-            <a:schemeClr val="accent1"/>
-          </a:fillRef>
-          <a:effectRef idx="0">
-            <a:schemeClr val="accent1"/>
-          </a:effectRef>
-          <a:fontRef idx="minor">
-            <a:schemeClr val="tx1"/>
-          </a:fontRef>
-        </p:style>
-      </p:cxnSp>
-      <p:sp>
-        <p:nvSpPr>
-          <p:cNvPr id="41" name="Card 40">
-            <a:extLst>
-              <a:ext uri="{FF2B5EF4-FFF2-40B4-BE49-F238E27FC236}">
-                <a16:creationId xmlns:a16="http://schemas.microsoft.com/office/drawing/2014/main" id="{F25EB3ED-4C55-0F44-B74F-3F6272D4F78D}"/>
-              </a:ext>
-            </a:extLst>
-          </p:cNvPr>
-          <p:cNvSpPr/>
-          <p:nvPr/>
-        </p:nvSpPr>
-        <p:spPr>
-          <a:xfrm>
-            <a:off x="724619" y="2837774"/>
-            <a:ext cx="414068" cy="487391"/>
-          </a:xfrm>
-          <a:prstGeom prst="flowChartPunchedCard">
-            <a:avLst/>
-          </a:prstGeom>
-          <a:solidFill>
-            <a:srgbClr val="00B050"/>
-          </a:solidFill>
-        </p:spPr>
-        <p:style>
-          <a:lnRef idx="2">
-            <a:schemeClr val="accent6"/>
-          </a:lnRef>
-          <a:fillRef idx="1">
-            <a:schemeClr val="lt1"/>
-          </a:fillRef>
-          <a:effectRef idx="0">
-            <a:schemeClr val="accent6"/>
-          </a:effectRef>
-          <a:fontRef idx="minor">
-            <a:schemeClr val="dk1"/>
-          </a:fontRef>
-        </p:style>
-        <p:txBody>
-          <a:bodyPr rtlCol="0" anchor="ctr"/>
-          <a:lstStyle/>
-          <a:p>
-            <a:r>
-              <a:rPr lang="en-GB" sz="800" dirty="0"/>
-              <a:t>……</a:t>
-            </a:r>
-          </a:p>
-          <a:p>
-            <a:r>
-              <a:rPr lang="en-GB" sz="800" dirty="0"/>
-              <a:t>…....</a:t>
-            </a:r>
-          </a:p>
-          <a:p>
-            <a:r>
-              <a:rPr lang="en-GB" sz="800" dirty="0"/>
-              <a:t>………</a:t>
-            </a:r>
-          </a:p>
-        </p:txBody>
-      </p:sp>
-      <p:sp>
-        <p:nvSpPr>
-          <p:cNvPr id="42" name="Card 41">
-            <a:extLst>
-              <a:ext uri="{FF2B5EF4-FFF2-40B4-BE49-F238E27FC236}">
-                <a16:creationId xmlns:a16="http://schemas.microsoft.com/office/drawing/2014/main" id="{642F7E6F-12B2-284C-9A72-768CB0AC7A48}"/>
-              </a:ext>
-            </a:extLst>
-          </p:cNvPr>
-          <p:cNvSpPr/>
-          <p:nvPr/>
-        </p:nvSpPr>
-        <p:spPr>
-          <a:xfrm>
-            <a:off x="877019" y="2990174"/>
-            <a:ext cx="414068" cy="487391"/>
-          </a:xfrm>
-          <a:prstGeom prst="flowChartPunchedCard">
-            <a:avLst/>
-          </a:prstGeom>
-          <a:solidFill>
-            <a:srgbClr val="00B050"/>
-          </a:solidFill>
-        </p:spPr>
-        <p:style>
-          <a:lnRef idx="2">
-            <a:schemeClr val="accent6"/>
-          </a:lnRef>
-          <a:fillRef idx="1">
-            <a:schemeClr val="lt1"/>
-          </a:fillRef>
-          <a:effectRef idx="0">
-            <a:schemeClr val="accent6"/>
-          </a:effectRef>
-          <a:fontRef idx="minor">
-            <a:schemeClr val="dk1"/>
-          </a:fontRef>
-        </p:style>
-        <p:txBody>
-          <a:bodyPr rtlCol="0" anchor="ctr"/>
-          <a:lstStyle/>
-          <a:p>
-            <a:r>
-              <a:rPr lang="en-GB" sz="800" dirty="0"/>
-              <a:t>……</a:t>
-            </a:r>
-          </a:p>
-          <a:p>
-            <a:r>
-              <a:rPr lang="en-GB" sz="800" dirty="0"/>
-              <a:t>…....</a:t>
-            </a:r>
-          </a:p>
-          <a:p>
-            <a:r>
-              <a:rPr lang="en-GB" sz="800" dirty="0"/>
-              <a:t>………</a:t>
-            </a:r>
-          </a:p>
-        </p:txBody>
-      </p:sp>
-      <p:sp>
-        <p:nvSpPr>
-          <p:cNvPr id="43" name="Card 42">
-            <a:extLst>
-              <a:ext uri="{FF2B5EF4-FFF2-40B4-BE49-F238E27FC236}">
-                <a16:creationId xmlns:a16="http://schemas.microsoft.com/office/drawing/2014/main" id="{62E9552D-6E42-2D46-B622-964CC77E2BEA}"/>
-              </a:ext>
-            </a:extLst>
-          </p:cNvPr>
-          <p:cNvSpPr/>
-          <p:nvPr/>
-        </p:nvSpPr>
-        <p:spPr>
-          <a:xfrm>
-            <a:off x="1029419" y="3142574"/>
-            <a:ext cx="414068" cy="487391"/>
-          </a:xfrm>
-          <a:prstGeom prst="flowChartPunchedCard">
-            <a:avLst/>
-          </a:prstGeom>
-        </p:spPr>
-        <p:style>
-          <a:lnRef idx="2">
-            <a:schemeClr val="accent6"/>
-          </a:lnRef>
-          <a:fillRef idx="1">
-            <a:schemeClr val="lt1"/>
-          </a:fillRef>
-          <a:effectRef idx="0">
-            <a:schemeClr val="accent6"/>
-          </a:effectRef>
-          <a:fontRef idx="minor">
-            <a:schemeClr val="dk1"/>
-          </a:fontRef>
-        </p:style>
-        <p:txBody>
-          <a:bodyPr rtlCol="0" anchor="ctr"/>
-          <a:lstStyle/>
-          <a:p>
-            <a:r>
-              <a:rPr lang="en-GB" sz="800" dirty="0"/>
-              <a:t>……</a:t>
-            </a:r>
-          </a:p>
-          <a:p>
-            <a:r>
-              <a:rPr lang="en-GB" sz="800" dirty="0"/>
-              <a:t>…....</a:t>
-            </a:r>
-          </a:p>
-          <a:p>
-            <a:r>
-              <a:rPr lang="en-GB" sz="800" dirty="0"/>
-              <a:t>………</a:t>
-            </a:r>
-          </a:p>
-        </p:txBody>
-      </p:sp>
-      <p:sp>
-        <p:nvSpPr>
-          <p:cNvPr id="54" name="Card 53">
-            <a:extLst>
-              <a:ext uri="{FF2B5EF4-FFF2-40B4-BE49-F238E27FC236}">
-                <a16:creationId xmlns:a16="http://schemas.microsoft.com/office/drawing/2014/main" id="{85D49E1B-7502-0248-9A25-667BCDDBD4DF}"/>
-              </a:ext>
-            </a:extLst>
-          </p:cNvPr>
-          <p:cNvSpPr/>
-          <p:nvPr/>
-        </p:nvSpPr>
-        <p:spPr>
-          <a:xfrm>
-            <a:off x="1089662" y="2891422"/>
-            <a:ext cx="414068" cy="487391"/>
-          </a:xfrm>
-          <a:prstGeom prst="flowChartPunchedCard">
-            <a:avLst/>
-          </a:prstGeom>
-        </p:spPr>
-        <p:style>
-          <a:lnRef idx="2">
-            <a:schemeClr val="accent6"/>
-          </a:lnRef>
-          <a:fillRef idx="1">
-            <a:schemeClr val="lt1"/>
-          </a:fillRef>
-          <a:effectRef idx="0">
-            <a:schemeClr val="accent6"/>
-          </a:effectRef>
-          <a:fontRef idx="minor">
-            <a:schemeClr val="dk1"/>
-          </a:fontRef>
-        </p:style>
-        <p:txBody>
-          <a:bodyPr rtlCol="0" anchor="ctr"/>
-          <a:lstStyle/>
-          <a:p>
-            <a:r>
-              <a:rPr lang="en-GB" sz="800" dirty="0"/>
-              <a:t>……</a:t>
-            </a:r>
-          </a:p>
-          <a:p>
-            <a:r>
-              <a:rPr lang="en-GB" sz="800" dirty="0"/>
-              <a:t>…....</a:t>
-            </a:r>
-          </a:p>
-          <a:p>
-            <a:r>
-              <a:rPr lang="en-GB" sz="800" dirty="0"/>
-              <a:t>………</a:t>
-            </a:r>
-          </a:p>
-        </p:txBody>
-      </p:sp>
-      <p:sp>
-        <p:nvSpPr>
-          <p:cNvPr id="55" name="Card 54">
-            <a:extLst>
-              <a:ext uri="{FF2B5EF4-FFF2-40B4-BE49-F238E27FC236}">
-                <a16:creationId xmlns:a16="http://schemas.microsoft.com/office/drawing/2014/main" id="{19DF05FE-B53C-EF42-B599-A3F2681DAC82}"/>
-              </a:ext>
-            </a:extLst>
-          </p:cNvPr>
-          <p:cNvSpPr/>
-          <p:nvPr/>
-        </p:nvSpPr>
-        <p:spPr>
-          <a:xfrm>
-            <a:off x="1242062" y="3043822"/>
-            <a:ext cx="414068" cy="487391"/>
-          </a:xfrm>
-          <a:prstGeom prst="flowChartPunchedCard">
-            <a:avLst/>
-          </a:prstGeom>
-          <a:solidFill>
-            <a:srgbClr val="00B050"/>
-          </a:solidFill>
-        </p:spPr>
-        <p:style>
-          <a:lnRef idx="2">
-            <a:schemeClr val="accent6"/>
-          </a:lnRef>
-          <a:fillRef idx="1">
-            <a:schemeClr val="lt1"/>
-          </a:fillRef>
-          <a:effectRef idx="0">
-            <a:schemeClr val="accent6"/>
-          </a:effectRef>
-          <a:fontRef idx="minor">
-            <a:schemeClr val="dk1"/>
-          </a:fontRef>
-        </p:style>
-        <p:txBody>
-          <a:bodyPr rtlCol="0" anchor="ctr"/>
-          <a:lstStyle/>
-          <a:p>
-            <a:r>
-              <a:rPr lang="en-GB" sz="800" dirty="0"/>
-              <a:t>……</a:t>
-            </a:r>
-          </a:p>
-          <a:p>
-            <a:r>
-              <a:rPr lang="en-GB" sz="800" dirty="0"/>
-              <a:t>…....</a:t>
-            </a:r>
-          </a:p>
-          <a:p>
-            <a:r>
-              <a:rPr lang="en-GB" sz="800" dirty="0"/>
-              <a:t>………</a:t>
-            </a:r>
-          </a:p>
-        </p:txBody>
-      </p:sp>
-      <p:sp>
-        <p:nvSpPr>
-          <p:cNvPr id="56" name="Card 55">
-            <a:extLst>
-              <a:ext uri="{FF2B5EF4-FFF2-40B4-BE49-F238E27FC236}">
-                <a16:creationId xmlns:a16="http://schemas.microsoft.com/office/drawing/2014/main" id="{5DB8ADE6-573B-C34F-8192-B51BF61D4598}"/>
-              </a:ext>
-            </a:extLst>
-          </p:cNvPr>
-          <p:cNvSpPr/>
-          <p:nvPr/>
-        </p:nvSpPr>
-        <p:spPr>
-          <a:xfrm>
-            <a:off x="1394462" y="3196222"/>
-            <a:ext cx="414068" cy="487391"/>
-          </a:xfrm>
-          <a:prstGeom prst="flowChartPunchedCard">
-            <a:avLst/>
-          </a:prstGeom>
-        </p:spPr>
-        <p:style>
-          <a:lnRef idx="2">
-            <a:schemeClr val="accent6"/>
-          </a:lnRef>
-          <a:fillRef idx="1">
-            <a:schemeClr val="lt1"/>
-          </a:fillRef>
-          <a:effectRef idx="0">
-            <a:schemeClr val="accent6"/>
-          </a:effectRef>
-          <a:fontRef idx="minor">
-            <a:schemeClr val="dk1"/>
-          </a:fontRef>
-        </p:style>
-        <p:txBody>
-          <a:bodyPr rtlCol="0" anchor="ctr"/>
-          <a:lstStyle/>
-          <a:p>
-            <a:r>
-              <a:rPr lang="en-GB" sz="800" dirty="0"/>
-              <a:t>……</a:t>
-            </a:r>
-          </a:p>
-          <a:p>
-            <a:r>
-              <a:rPr lang="en-GB" sz="800" dirty="0"/>
-              <a:t>…....</a:t>
-            </a:r>
-          </a:p>
-          <a:p>
-            <a:r>
-              <a:rPr lang="en-GB" sz="800" dirty="0"/>
-              <a:t>………</a:t>
-            </a:r>
-          </a:p>
-        </p:txBody>
-      </p:sp>
-      <p:sp>
-        <p:nvSpPr>
-          <p:cNvPr id="57" name="Card 56">
-            <a:extLst>
-              <a:ext uri="{FF2B5EF4-FFF2-40B4-BE49-F238E27FC236}">
-                <a16:creationId xmlns:a16="http://schemas.microsoft.com/office/drawing/2014/main" id="{CCCB05A8-119A-454F-9B83-97F419F5985E}"/>
-              </a:ext>
-            </a:extLst>
-          </p:cNvPr>
-          <p:cNvSpPr/>
-          <p:nvPr/>
-        </p:nvSpPr>
-        <p:spPr>
-          <a:xfrm>
-            <a:off x="609742" y="3262241"/>
-            <a:ext cx="414068" cy="487391"/>
-          </a:xfrm>
-          <a:prstGeom prst="flowChartPunchedCard">
-            <a:avLst/>
-          </a:prstGeom>
-          <a:solidFill>
-            <a:srgbClr val="00B050"/>
-          </a:solidFill>
-        </p:spPr>
-        <p:style>
-          <a:lnRef idx="2">
-            <a:schemeClr val="accent6"/>
-          </a:lnRef>
-          <a:fillRef idx="1">
-            <a:schemeClr val="lt1"/>
-          </a:fillRef>
-          <a:effectRef idx="0">
-            <a:schemeClr val="accent6"/>
-          </a:effectRef>
-          <a:fontRef idx="minor">
-            <a:schemeClr val="dk1"/>
-          </a:fontRef>
-        </p:style>
-        <p:txBody>
-          <a:bodyPr rtlCol="0" anchor="ctr"/>
-          <a:lstStyle/>
-          <a:p>
-            <a:r>
-              <a:rPr lang="en-GB" sz="800" dirty="0"/>
-              <a:t>……</a:t>
-            </a:r>
-          </a:p>
-          <a:p>
-            <a:r>
-              <a:rPr lang="en-GB" sz="800" dirty="0"/>
-              <a:t>…....</a:t>
-            </a:r>
-          </a:p>
-          <a:p>
-            <a:r>
-              <a:rPr lang="en-GB" sz="800" dirty="0"/>
-              <a:t>………</a:t>
-            </a:r>
-          </a:p>
-        </p:txBody>
-      </p:sp>
-      <p:sp>
-        <p:nvSpPr>
-          <p:cNvPr id="58" name="Card 57">
-            <a:extLst>
-              <a:ext uri="{FF2B5EF4-FFF2-40B4-BE49-F238E27FC236}">
-                <a16:creationId xmlns:a16="http://schemas.microsoft.com/office/drawing/2014/main" id="{DE002795-5C5B-AA40-BF7A-A39B4F555A01}"/>
-              </a:ext>
-            </a:extLst>
-          </p:cNvPr>
-          <p:cNvSpPr/>
-          <p:nvPr/>
-        </p:nvSpPr>
-        <p:spPr>
-          <a:xfrm>
-            <a:off x="762142" y="3414641"/>
-            <a:ext cx="414068" cy="487391"/>
-          </a:xfrm>
-          <a:prstGeom prst="flowChartPunchedCard">
-            <a:avLst/>
-          </a:prstGeom>
-        </p:spPr>
-        <p:style>
-          <a:lnRef idx="2">
-            <a:schemeClr val="accent6"/>
-          </a:lnRef>
-          <a:fillRef idx="1">
-            <a:schemeClr val="lt1"/>
-          </a:fillRef>
-          <a:effectRef idx="0">
-            <a:schemeClr val="accent6"/>
-          </a:effectRef>
-          <a:fontRef idx="minor">
-            <a:schemeClr val="dk1"/>
-          </a:fontRef>
-        </p:style>
-        <p:txBody>
-          <a:bodyPr rtlCol="0" anchor="ctr"/>
-          <a:lstStyle/>
-          <a:p>
-            <a:r>
-              <a:rPr lang="en-GB" sz="800" dirty="0"/>
-              <a:t>……</a:t>
-            </a:r>
-          </a:p>
-          <a:p>
-            <a:r>
-              <a:rPr lang="en-GB" sz="800" dirty="0"/>
-              <a:t>…....</a:t>
-            </a:r>
-          </a:p>
-          <a:p>
-            <a:r>
-              <a:rPr lang="en-GB" sz="800" dirty="0"/>
-              <a:t>………</a:t>
-            </a:r>
-          </a:p>
-        </p:txBody>
-      </p:sp>
-      <p:sp>
-        <p:nvSpPr>
-          <p:cNvPr id="59" name="Card 58">
-            <a:extLst>
-              <a:ext uri="{FF2B5EF4-FFF2-40B4-BE49-F238E27FC236}">
-                <a16:creationId xmlns:a16="http://schemas.microsoft.com/office/drawing/2014/main" id="{E7E52B44-B48F-3D41-A3E9-CE6655D07758}"/>
-              </a:ext>
-            </a:extLst>
-          </p:cNvPr>
-          <p:cNvSpPr/>
-          <p:nvPr/>
-        </p:nvSpPr>
-        <p:spPr>
-          <a:xfrm>
-            <a:off x="914542" y="3567041"/>
-            <a:ext cx="414068" cy="487391"/>
-          </a:xfrm>
-          <a:prstGeom prst="flowChartPunchedCard">
-            <a:avLst/>
-          </a:prstGeom>
-          <a:solidFill>
-            <a:srgbClr val="00B050"/>
-          </a:solidFill>
-        </p:spPr>
-        <p:style>
-          <a:lnRef idx="2">
-            <a:schemeClr val="accent6"/>
-          </a:lnRef>
-          <a:fillRef idx="1">
-            <a:schemeClr val="lt1"/>
-          </a:fillRef>
-          <a:effectRef idx="0">
-            <a:schemeClr val="accent6"/>
-          </a:effectRef>
-          <a:fontRef idx="minor">
-            <a:schemeClr val="dk1"/>
-          </a:fontRef>
-        </p:style>
-        <p:txBody>
-          <a:bodyPr rtlCol="0" anchor="ctr"/>
-          <a:lstStyle/>
-          <a:p>
-            <a:r>
-              <a:rPr lang="en-GB" sz="800" dirty="0"/>
-              <a:t>……</a:t>
-            </a:r>
-          </a:p>
-          <a:p>
-            <a:r>
-              <a:rPr lang="en-GB" sz="800" dirty="0"/>
-              <a:t>…....</a:t>
-            </a:r>
-          </a:p>
-          <a:p>
-            <a:r>
-              <a:rPr lang="en-GB" sz="800" dirty="0"/>
-              <a:t>………</a:t>
-            </a:r>
-          </a:p>
-        </p:txBody>
-      </p:sp>
-      <p:sp>
-        <p:nvSpPr>
-          <p:cNvPr id="60" name="Card 59">
-            <a:extLst>
-              <a:ext uri="{FF2B5EF4-FFF2-40B4-BE49-F238E27FC236}">
-                <a16:creationId xmlns:a16="http://schemas.microsoft.com/office/drawing/2014/main" id="{A20494F7-45F7-6049-9D5F-7771EEF8A6BB}"/>
-              </a:ext>
-            </a:extLst>
-          </p:cNvPr>
-          <p:cNvSpPr/>
-          <p:nvPr/>
-        </p:nvSpPr>
-        <p:spPr>
-          <a:xfrm>
-            <a:off x="1177577" y="3380988"/>
-            <a:ext cx="414068" cy="487391"/>
-          </a:xfrm>
-          <a:prstGeom prst="flowChartPunchedCard">
-            <a:avLst/>
-          </a:prstGeom>
-          <a:solidFill>
-            <a:srgbClr val="00B050"/>
-          </a:solidFill>
-        </p:spPr>
-        <p:style>
-          <a:lnRef idx="2">
-            <a:schemeClr val="accent6"/>
-          </a:lnRef>
-          <a:fillRef idx="1">
-            <a:schemeClr val="lt1"/>
-          </a:fillRef>
-          <a:effectRef idx="0">
-            <a:schemeClr val="accent6"/>
-          </a:effectRef>
-          <a:fontRef idx="minor">
-            <a:schemeClr val="dk1"/>
-          </a:fontRef>
-        </p:style>
-        <p:txBody>
-          <a:bodyPr rtlCol="0" anchor="ctr"/>
-          <a:lstStyle/>
-          <a:p>
-            <a:r>
-              <a:rPr lang="en-GB" sz="800" dirty="0"/>
-              <a:t>……</a:t>
-            </a:r>
-          </a:p>
-          <a:p>
-            <a:r>
-              <a:rPr lang="en-GB" sz="800" dirty="0"/>
-              <a:t>…....</a:t>
-            </a:r>
-          </a:p>
-          <a:p>
-            <a:r>
-              <a:rPr lang="en-GB" sz="800" dirty="0"/>
-              <a:t>………</a:t>
-            </a:r>
-          </a:p>
-        </p:txBody>
-      </p:sp>
-      <p:sp>
-        <p:nvSpPr>
-          <p:cNvPr id="61" name="Card 60">
-            <a:extLst>
-              <a:ext uri="{FF2B5EF4-FFF2-40B4-BE49-F238E27FC236}">
-                <a16:creationId xmlns:a16="http://schemas.microsoft.com/office/drawing/2014/main" id="{CA29B0F1-A316-EE41-994A-037142FA1B1B}"/>
-              </a:ext>
-            </a:extLst>
-          </p:cNvPr>
-          <p:cNvSpPr/>
-          <p:nvPr/>
-        </p:nvSpPr>
-        <p:spPr>
-          <a:xfrm>
-            <a:off x="1329977" y="3533388"/>
-            <a:ext cx="414068" cy="487391"/>
-          </a:xfrm>
-          <a:prstGeom prst="flowChartPunchedCard">
-            <a:avLst/>
-          </a:prstGeom>
-          <a:solidFill>
-            <a:srgbClr val="00B050"/>
-          </a:solidFill>
-        </p:spPr>
-        <p:style>
-          <a:lnRef idx="2">
-            <a:schemeClr val="accent6"/>
-          </a:lnRef>
-          <a:fillRef idx="1">
-            <a:schemeClr val="lt1"/>
-          </a:fillRef>
-          <a:effectRef idx="0">
-            <a:schemeClr val="accent6"/>
-          </a:effectRef>
-          <a:fontRef idx="minor">
-            <a:schemeClr val="dk1"/>
-          </a:fontRef>
-        </p:style>
-        <p:txBody>
-          <a:bodyPr rtlCol="0" anchor="ctr"/>
-          <a:lstStyle/>
-          <a:p>
-            <a:r>
-              <a:rPr lang="en-GB" sz="800" dirty="0"/>
-              <a:t>……</a:t>
-            </a:r>
-          </a:p>
-          <a:p>
-            <a:r>
-              <a:rPr lang="en-GB" sz="800" dirty="0"/>
-              <a:t>…....</a:t>
-            </a:r>
-          </a:p>
-          <a:p>
-            <a:r>
-              <a:rPr lang="en-GB" sz="800" dirty="0"/>
-              <a:t>………</a:t>
-            </a:r>
-          </a:p>
-        </p:txBody>
-      </p:sp>
-      <p:sp>
-        <p:nvSpPr>
-          <p:cNvPr id="62" name="Card 61">
-            <a:extLst>
-              <a:ext uri="{FF2B5EF4-FFF2-40B4-BE49-F238E27FC236}">
-                <a16:creationId xmlns:a16="http://schemas.microsoft.com/office/drawing/2014/main" id="{2D1A569F-CCD5-BE48-83BB-61F303229374}"/>
-              </a:ext>
-            </a:extLst>
-          </p:cNvPr>
-          <p:cNvSpPr/>
-          <p:nvPr/>
-        </p:nvSpPr>
-        <p:spPr>
-          <a:xfrm>
-            <a:off x="1482377" y="3685788"/>
-            <a:ext cx="414068" cy="487391"/>
-          </a:xfrm>
-          <a:prstGeom prst="flowChartPunchedCard">
-            <a:avLst/>
-          </a:prstGeom>
-        </p:spPr>
-        <p:style>
-          <a:lnRef idx="2">
-            <a:schemeClr val="accent6"/>
-          </a:lnRef>
-          <a:fillRef idx="1">
-            <a:schemeClr val="lt1"/>
-          </a:fillRef>
-          <a:effectRef idx="0">
-            <a:schemeClr val="accent6"/>
-          </a:effectRef>
-          <a:fontRef idx="minor">
-            <a:schemeClr val="dk1"/>
-          </a:fontRef>
-        </p:style>
-        <p:txBody>
-          <a:bodyPr rtlCol="0" anchor="ctr"/>
-          <a:lstStyle/>
-          <a:p>
-            <a:r>
-              <a:rPr lang="en-GB" sz="800" dirty="0"/>
-              <a:t>……</a:t>
-            </a:r>
-          </a:p>
-          <a:p>
-            <a:r>
-              <a:rPr lang="en-GB" sz="800" dirty="0"/>
-              <a:t>…....</a:t>
-            </a:r>
-          </a:p>
-          <a:p>
-            <a:r>
-              <a:rPr lang="en-GB" sz="800" dirty="0"/>
-              <a:t>………</a:t>
-            </a:r>
-          </a:p>
-        </p:txBody>
-      </p:sp>
-      <p:cxnSp>
-        <p:nvCxnSpPr>
-          <p:cNvPr id="63" name="Straight Arrow Connector 62">
-            <a:extLst>
-              <a:ext uri="{FF2B5EF4-FFF2-40B4-BE49-F238E27FC236}">
-                <a16:creationId xmlns:a16="http://schemas.microsoft.com/office/drawing/2014/main" id="{1AC3D725-CB05-5E40-9363-82A1BCCDDCFE}"/>
-              </a:ext>
-            </a:extLst>
-          </p:cNvPr>
-          <p:cNvCxnSpPr>
-            <a:cxnSpLocks/>
-            <a:stCxn id="41" idx="0"/>
-          </p:cNvCxnSpPr>
-          <p:nvPr/>
-        </p:nvCxnSpPr>
-        <p:spPr>
-          <a:xfrm flipV="1">
-            <a:off x="931653" y="2450332"/>
-            <a:ext cx="0" cy="387442"/>
-          </a:xfrm>
-          <a:prstGeom prst="straightConnector1">
-            <a:avLst/>
-          </a:prstGeom>
-          <a:ln>
-            <a:solidFill>
-              <a:schemeClr val="tx1"/>
-            </a:solidFill>
-            <a:tailEnd type="triangle"/>
-          </a:ln>
-        </p:spPr>
-        <p:style>
-          <a:lnRef idx="1">
-            <a:schemeClr val="accent1"/>
-          </a:lnRef>
-          <a:fillRef idx="0">
-            <a:schemeClr val="accent1"/>
-          </a:fillRef>
-          <a:effectRef idx="0">
-            <a:schemeClr val="accent1"/>
-          </a:effectRef>
-          <a:fontRef idx="minor">
-            <a:schemeClr val="tx1"/>
-          </a:fontRef>
-        </p:style>
-      </p:cxnSp>
-      <p:sp>
-        <p:nvSpPr>
-          <p:cNvPr id="67" name="TextBox 66">
-            <a:extLst>
-              <a:ext uri="{FF2B5EF4-FFF2-40B4-BE49-F238E27FC236}">
-                <a16:creationId xmlns:a16="http://schemas.microsoft.com/office/drawing/2014/main" id="{CFBC3DF6-E420-6C49-8893-8D495156BF85}"/>
-              </a:ext>
-            </a:extLst>
-          </p:cNvPr>
-          <p:cNvSpPr txBox="1"/>
-          <p:nvPr/>
-        </p:nvSpPr>
-        <p:spPr>
-          <a:xfrm>
-            <a:off x="410120" y="4239701"/>
-            <a:ext cx="1583917" cy="276999"/>
-          </a:xfrm>
-          <a:prstGeom prst="rect">
-            <a:avLst/>
-          </a:prstGeom>
-          <a:noFill/>
-        </p:spPr>
-        <p:txBody>
-          <a:bodyPr wrap="square" rtlCol="0">
-            <a:spAutoFit/>
-          </a:bodyPr>
-          <a:lstStyle/>
-          <a:p>
-            <a:r>
-              <a:rPr lang="en-GB" sz="1200" b="1" dirty="0"/>
-              <a:t>Java codebases x 100</a:t>
-            </a:r>
-          </a:p>
-        </p:txBody>
-      </p:sp>
-      <p:sp>
-        <p:nvSpPr>
-          <p:cNvPr id="38" name="Card 37">
-            <a:extLst>
-              <a:ext uri="{FF2B5EF4-FFF2-40B4-BE49-F238E27FC236}">
-                <a16:creationId xmlns:a16="http://schemas.microsoft.com/office/drawing/2014/main" id="{98737D0D-9671-5247-99A8-951C77EF9BCB}"/>
-              </a:ext>
-            </a:extLst>
-          </p:cNvPr>
-          <p:cNvSpPr/>
-          <p:nvPr/>
-        </p:nvSpPr>
-        <p:spPr>
-          <a:xfrm>
-            <a:off x="2585988" y="3619802"/>
-            <a:ext cx="525170" cy="614515"/>
-          </a:xfrm>
-          <a:prstGeom prst="flowChartPunchedCard">
-            <a:avLst/>
-          </a:prstGeom>
-          <a:solidFill>
-            <a:srgbClr val="00B050"/>
-          </a:solidFill>
-        </p:spPr>
-        <p:style>
-          <a:lnRef idx="2">
-            <a:schemeClr val="accent6"/>
-          </a:lnRef>
-          <a:fillRef idx="1">
-            <a:schemeClr val="lt1"/>
-          </a:fillRef>
-          <a:effectRef idx="0">
-            <a:schemeClr val="accent6"/>
-          </a:effectRef>
-          <a:fontRef idx="minor">
-            <a:schemeClr val="dk1"/>
-          </a:fontRef>
-        </p:style>
-        <p:txBody>
-          <a:bodyPr rtlCol="0" anchor="ctr"/>
-          <a:lstStyle/>
-          <a:p>
-            <a:r>
-              <a:rPr lang="en-GB" sz="1200" b="1" dirty="0"/>
-              <a:t>POM</a:t>
-            </a:r>
-          </a:p>
-        </p:txBody>
-      </p:sp>
-      <p:pic>
-        <p:nvPicPr>
-          <p:cNvPr id="11" name="Picture 10" descr="Diagram, map&#10;&#10;Description automatically generated">
-            <a:extLst>
-              <a:ext uri="{FF2B5EF4-FFF2-40B4-BE49-F238E27FC236}">
-                <a16:creationId xmlns:a16="http://schemas.microsoft.com/office/drawing/2014/main" id="{BD85ABFA-976D-A946-A236-CB3FD5211283}"/>
-              </a:ext>
-            </a:extLst>
-          </p:cNvPr>
-          <p:cNvPicPr>
-            <a:picLocks noChangeAspect="1"/>
-          </p:cNvPicPr>
-          <p:nvPr/>
-        </p:nvPicPr>
-        <p:blipFill>
-          <a:blip r:embed="rId5"/>
-          <a:stretch>
-            <a:fillRect/>
-          </a:stretch>
-        </p:blipFill>
-        <p:spPr>
-          <a:xfrm>
-            <a:off x="3758283" y="2661566"/>
-            <a:ext cx="4704215" cy="2944081"/>
-          </a:xfrm>
-          <a:prstGeom prst="rect">
-            <a:avLst/>
-          </a:prstGeom>
-        </p:spPr>
-      </p:pic>
-      <p:cxnSp>
-        <p:nvCxnSpPr>
-          <p:cNvPr id="44" name="Straight Arrow Connector 43">
-            <a:extLst>
-              <a:ext uri="{FF2B5EF4-FFF2-40B4-BE49-F238E27FC236}">
-                <a16:creationId xmlns:a16="http://schemas.microsoft.com/office/drawing/2014/main" id="{52417CEB-E6D5-D249-BA1E-E8552D1CCF20}"/>
-              </a:ext>
-            </a:extLst>
-          </p:cNvPr>
-          <p:cNvCxnSpPr>
-            <a:cxnSpLocks/>
-            <a:stCxn id="38" idx="3"/>
-            <a:endCxn id="11" idx="1"/>
-          </p:cNvCxnSpPr>
-          <p:nvPr/>
-        </p:nvCxnSpPr>
-        <p:spPr>
-          <a:xfrm>
-            <a:off x="3111158" y="3927060"/>
-            <a:ext cx="647125" cy="206547"/>
-          </a:xfrm>
-          <a:prstGeom prst="straightConnector1">
-            <a:avLst/>
-          </a:prstGeom>
-          <a:ln>
-            <a:solidFill>
-              <a:schemeClr val="tx1"/>
-            </a:solidFill>
-            <a:tailEnd type="triangle"/>
-          </a:ln>
-        </p:spPr>
-        <p:style>
-          <a:lnRef idx="1">
-            <a:schemeClr val="accent1"/>
-          </a:lnRef>
-          <a:fillRef idx="0">
-            <a:schemeClr val="accent1"/>
-          </a:fillRef>
-          <a:effectRef idx="0">
-            <a:schemeClr val="accent1"/>
-          </a:effectRef>
-          <a:fontRef idx="minor">
-            <a:schemeClr val="tx1"/>
-          </a:fontRef>
-        </p:style>
-      </p:cxnSp>
-      <p:cxnSp>
-        <p:nvCxnSpPr>
-          <p:cNvPr id="45" name="Straight Arrow Connector 44">
-            <a:extLst>
-              <a:ext uri="{FF2B5EF4-FFF2-40B4-BE49-F238E27FC236}">
-                <a16:creationId xmlns:a16="http://schemas.microsoft.com/office/drawing/2014/main" id="{6004C76B-C210-E24A-97D7-85C0AF077535}"/>
-              </a:ext>
-            </a:extLst>
-          </p:cNvPr>
-          <p:cNvCxnSpPr>
-            <a:cxnSpLocks/>
-            <a:stCxn id="38" idx="1"/>
-            <a:endCxn id="62" idx="3"/>
-          </p:cNvCxnSpPr>
-          <p:nvPr/>
-        </p:nvCxnSpPr>
-        <p:spPr>
-          <a:xfrm flipH="1">
-            <a:off x="1896445" y="3927060"/>
-            <a:ext cx="689543" cy="2424"/>
-          </a:xfrm>
-          <a:prstGeom prst="straightConnector1">
-            <a:avLst/>
-          </a:prstGeom>
-          <a:ln>
-            <a:solidFill>
-              <a:schemeClr val="tx1"/>
-            </a:solidFill>
-            <a:tailEnd type="triangle"/>
-          </a:ln>
-        </p:spPr>
-        <p:style>
-          <a:lnRef idx="1">
-            <a:schemeClr val="accent1"/>
-          </a:lnRef>
-          <a:fillRef idx="0">
-            <a:schemeClr val="accent1"/>
-          </a:fillRef>
-          <a:effectRef idx="0">
-            <a:schemeClr val="accent1"/>
-          </a:effectRef>
-          <a:fontRef idx="minor">
-            <a:schemeClr val="tx1"/>
-          </a:fontRef>
-        </p:style>
-      </p:cxnSp>
-      <p:sp>
-        <p:nvSpPr>
-          <p:cNvPr id="50" name="TextBox 49">
-            <a:extLst>
-              <a:ext uri="{FF2B5EF4-FFF2-40B4-BE49-F238E27FC236}">
-                <a16:creationId xmlns:a16="http://schemas.microsoft.com/office/drawing/2014/main" id="{CDD9D245-F13E-A648-8DF3-4E4A9F45324E}"/>
-              </a:ext>
-            </a:extLst>
-          </p:cNvPr>
-          <p:cNvSpPr txBox="1"/>
-          <p:nvPr/>
-        </p:nvSpPr>
-        <p:spPr>
-          <a:xfrm>
-            <a:off x="430306" y="6061554"/>
-            <a:ext cx="11312865" cy="338554"/>
-          </a:xfrm>
-          <a:prstGeom prst="rect">
-            <a:avLst/>
-          </a:prstGeom>
-          <a:noFill/>
-          <a:ln>
-            <a:solidFill>
-              <a:schemeClr val="tx1"/>
-            </a:solidFill>
-          </a:ln>
-        </p:spPr>
-        <p:txBody>
-          <a:bodyPr wrap="square" rtlCol="0">
-            <a:spAutoFit/>
-          </a:bodyPr>
-          <a:lstStyle/>
-          <a:p>
-            <a:r>
-              <a:rPr lang="bg-BG" sz="800" dirty="0"/>
-              <a:t>Референции:</a:t>
-            </a:r>
-            <a:r>
-              <a:rPr lang="en-GB" sz="800" dirty="0"/>
-              <a:t> </a:t>
-            </a:r>
-            <a:endParaRPr lang="bg-BG" sz="800" dirty="0"/>
-          </a:p>
-          <a:p>
-            <a:r>
-              <a:rPr lang="bg-BG" sz="800" dirty="0"/>
-              <a:t>*Моля вижте слайда със списък с референции.</a:t>
-            </a:r>
-            <a:endParaRPr lang="en-GB" sz="800" dirty="0"/>
-          </a:p>
-        </p:txBody>
-      </p:sp>
-      <p:pic>
-        <p:nvPicPr>
-          <p:cNvPr id="33" name="Picture 32" descr="Icon&#10;&#10;Description automatically generated">
-            <a:extLst>
-              <a:ext uri="{FF2B5EF4-FFF2-40B4-BE49-F238E27FC236}">
-                <a16:creationId xmlns:a16="http://schemas.microsoft.com/office/drawing/2014/main" id="{DBFF5641-1D4C-8346-9BCB-7E4731B742EB}"/>
-              </a:ext>
-            </a:extLst>
-          </p:cNvPr>
-          <p:cNvPicPr>
-            <a:picLocks noChangeAspect="1"/>
-          </p:cNvPicPr>
-          <p:nvPr/>
-        </p:nvPicPr>
-        <p:blipFill>
-          <a:blip r:embed="rId6"/>
-          <a:stretch>
-            <a:fillRect/>
-          </a:stretch>
-        </p:blipFill>
-        <p:spPr>
-          <a:xfrm>
-            <a:off x="10222034" y="3287517"/>
-            <a:ext cx="927161" cy="1082166"/>
-          </a:xfrm>
-          <a:prstGeom prst="rect">
-            <a:avLst/>
-          </a:prstGeom>
-        </p:spPr>
-      </p:pic>
-      <p:cxnSp>
-        <p:nvCxnSpPr>
-          <p:cNvPr id="53" name="Straight Arrow Connector 52">
-            <a:extLst>
-              <a:ext uri="{FF2B5EF4-FFF2-40B4-BE49-F238E27FC236}">
-                <a16:creationId xmlns:a16="http://schemas.microsoft.com/office/drawing/2014/main" id="{EBAA60B2-D67C-664E-B42E-00F811B681B2}"/>
-              </a:ext>
-            </a:extLst>
-          </p:cNvPr>
-          <p:cNvCxnSpPr>
-            <a:cxnSpLocks/>
-            <a:stCxn id="33" idx="0"/>
-          </p:cNvCxnSpPr>
-          <p:nvPr/>
-        </p:nvCxnSpPr>
-        <p:spPr>
-          <a:xfrm flipH="1" flipV="1">
-            <a:off x="10685614" y="2170174"/>
-            <a:ext cx="1" cy="1117343"/>
-          </a:xfrm>
-          <a:prstGeom prst="straightConnector1">
-            <a:avLst/>
-          </a:prstGeom>
-          <a:ln>
-            <a:solidFill>
-              <a:schemeClr val="tx1"/>
-            </a:solidFill>
-            <a:tailEnd type="triangle"/>
-          </a:ln>
-        </p:spPr>
-        <p:style>
-          <a:lnRef idx="1">
-            <a:schemeClr val="accent1"/>
-          </a:lnRef>
-          <a:fillRef idx="0">
-            <a:schemeClr val="accent1"/>
-          </a:fillRef>
-          <a:effectRef idx="0">
-            <a:schemeClr val="accent1"/>
-          </a:effectRef>
-          <a:fontRef idx="minor">
-            <a:schemeClr val="tx1"/>
-          </a:fontRef>
-        </p:style>
-      </p:cxnSp>
-      <p:sp>
-        <p:nvSpPr>
-          <p:cNvPr id="46" name="Rectangle 45">
-            <a:extLst>
-              <a:ext uri="{FF2B5EF4-FFF2-40B4-BE49-F238E27FC236}">
-                <a16:creationId xmlns:a16="http://schemas.microsoft.com/office/drawing/2014/main" id="{8A4A713F-FB46-A94A-979A-C4F2FA64B672}"/>
-              </a:ext>
-            </a:extLst>
-          </p:cNvPr>
-          <p:cNvSpPr/>
-          <p:nvPr/>
-        </p:nvSpPr>
-        <p:spPr>
-          <a:xfrm>
-            <a:off x="365256" y="5933540"/>
-            <a:ext cx="11509348" cy="838195"/>
-          </a:xfrm>
-          <a:prstGeom prst="rect">
-            <a:avLst/>
-          </a:prstGeom>
-          <a:noFill/>
-          <a:ln>
-            <a:solidFill>
-              <a:schemeClr val="tx1"/>
-            </a:solidFill>
-          </a:ln>
-        </p:spPr>
-        <p:style>
-          <a:lnRef idx="2">
-            <a:schemeClr val="accent6"/>
-          </a:lnRef>
-          <a:fillRef idx="1">
-            <a:schemeClr val="lt1"/>
-          </a:fillRef>
-          <a:effectRef idx="0">
-            <a:schemeClr val="accent6"/>
-          </a:effectRef>
-          <a:fontRef idx="minor">
-            <a:schemeClr val="dk1"/>
-          </a:fontRef>
-        </p:style>
-        <p:txBody>
-          <a:bodyPr rtlCol="0" anchor="ctr"/>
-          <a:lstStyle/>
-          <a:p>
-            <a:pPr algn="ctr"/>
-            <a:endParaRPr lang="en-GB"/>
-          </a:p>
-        </p:txBody>
-      </p:sp>
-      <p:sp>
-        <p:nvSpPr>
-          <p:cNvPr id="47" name="Rectangle 46">
-            <a:extLst>
-              <a:ext uri="{FF2B5EF4-FFF2-40B4-BE49-F238E27FC236}">
-                <a16:creationId xmlns:a16="http://schemas.microsoft.com/office/drawing/2014/main" id="{975708E9-8BFC-784F-A21E-1F80FF2B3A02}"/>
-              </a:ext>
-            </a:extLst>
-          </p:cNvPr>
-          <p:cNvSpPr/>
-          <p:nvPr/>
-        </p:nvSpPr>
-        <p:spPr>
-          <a:xfrm>
-            <a:off x="365256" y="1037610"/>
-            <a:ext cx="11509348" cy="4709211"/>
-          </a:xfrm>
-          <a:prstGeom prst="rect">
-            <a:avLst/>
-          </a:prstGeom>
-          <a:noFill/>
-          <a:ln>
-            <a:solidFill>
-              <a:schemeClr val="tx1"/>
-            </a:solidFill>
-          </a:ln>
-        </p:spPr>
-        <p:style>
-          <a:lnRef idx="2">
-            <a:schemeClr val="accent6"/>
-          </a:lnRef>
-          <a:fillRef idx="1">
-            <a:schemeClr val="lt1"/>
-          </a:fillRef>
-          <a:effectRef idx="0">
-            <a:schemeClr val="accent6"/>
-          </a:effectRef>
-          <a:fontRef idx="minor">
-            <a:schemeClr val="dk1"/>
-          </a:fontRef>
-        </p:style>
-        <p:txBody>
-          <a:bodyPr rtlCol="0" anchor="ctr"/>
-          <a:lstStyle/>
-          <a:p>
-            <a:pPr algn="ctr"/>
-            <a:endParaRPr lang="en-GB"/>
-          </a:p>
-        </p:txBody>
-      </p:sp>
     </p:spTree>
     <p:extLst>
       <p:ext uri="{BB962C8B-B14F-4D97-AF65-F5344CB8AC3E}">
-        <p14:creationId xmlns:p14="http://schemas.microsoft.com/office/powerpoint/2010/main" val="1552898468"/>
+        <p14:creationId xmlns:p14="http://schemas.microsoft.com/office/powerpoint/2010/main" val="1146196325"/>
       </p:ext>
     </p:extLst>
   </p:cSld>
@@ -9606,7 +9847,7 @@
         <p:spPr>
           <a:xfrm>
             <a:off x="317396" y="397225"/>
-            <a:ext cx="7013010" cy="369332"/>
+            <a:ext cx="6942606" cy="369332"/>
           </a:xfrm>
           <a:prstGeom prst="rect">
             <a:avLst/>
@@ -9621,7 +9862,7 @@
           <a:p>
             <a:r>
               <a:rPr lang="bg-BG" dirty="0"/>
-              <a:t>Подобрен модел за управление на риска във фирма използваща </a:t>
+              <a:t>Типичен модел за управление на риска във фирма използваща </a:t>
             </a:r>
             <a:r>
               <a:rPr lang="en-GB" dirty="0"/>
@@ -9732,7 +9973,7 @@
             <a:avLst/>
           </a:prstGeom>
           <a:solidFill>
-            <a:srgbClr val="FF0000"/>
+            <a:srgbClr val="00B050"/>
           </a:solidFill>
         </p:spPr>
         <p:style>
@@ -9786,7 +10027,7 @@
             <a:avLst/>
           </a:prstGeom>
           <a:solidFill>
-            <a:srgbClr val="FF0000"/>
+            <a:srgbClr val="00B050"/>
           </a:solidFill>
         </p:spPr>
         <p:style>
@@ -9840,7 +10081,7 @@
             <a:avLst/>
           </a:prstGeom>
           <a:solidFill>
-            <a:srgbClr val="FF0000"/>
+            <a:srgbClr val="00B050"/>
           </a:solidFill>
         </p:spPr>
         <p:style>
@@ -10065,7 +10306,7 @@
             <a:avLst/>
           </a:prstGeom>
           <a:solidFill>
-            <a:srgbClr val="FF0000"/>
+            <a:srgbClr val="00B050"/>
           </a:solidFill>
         </p:spPr>
         <p:style>
@@ -10119,7 +10360,7 @@
             <a:avLst/>
           </a:prstGeom>
           <a:solidFill>
-            <a:srgbClr val="FF0000"/>
+            <a:srgbClr val="00B050"/>
           </a:solidFill>
         </p:spPr>
         <p:style>
@@ -10173,7 +10414,7 @@
             <a:avLst/>
           </a:prstGeom>
           <a:solidFill>
-            <a:srgbClr val="00B050"/>
+            <a:srgbClr val="FF0000"/>
           </a:solidFill>
         </p:spPr>
         <p:style>
@@ -10386,6 +10627,723 @@
           </a:fontRef>
         </p:style>
       </p:cxnSp>
+      <p:sp>
+        <p:nvSpPr>
+          <p:cNvPr id="41" name="Card 40">
+            <a:extLst>
+              <a:ext uri="{FF2B5EF4-FFF2-40B4-BE49-F238E27FC236}">
+                <a16:creationId xmlns:a16="http://schemas.microsoft.com/office/drawing/2014/main" id="{F25EB3ED-4C55-0F44-B74F-3F6272D4F78D}"/>
+              </a:ext>
+            </a:extLst>
+          </p:cNvPr>
+          <p:cNvSpPr/>
+          <p:nvPr/>
+        </p:nvSpPr>
+        <p:spPr>
+          <a:xfrm>
+            <a:off x="724619" y="2837774"/>
+            <a:ext cx="414068" cy="487391"/>
+          </a:xfrm>
+          <a:prstGeom prst="flowChartPunchedCard">
+            <a:avLst/>
+          </a:prstGeom>
+          <a:solidFill>
+            <a:srgbClr val="00B050"/>
+          </a:solidFill>
+        </p:spPr>
+        <p:style>
+          <a:lnRef idx="2">
+            <a:schemeClr val="accent6"/>
+          </a:lnRef>
+          <a:fillRef idx="1">
+            <a:schemeClr val="lt1"/>
+          </a:fillRef>
+          <a:effectRef idx="0">
+            <a:schemeClr val="accent6"/>
+          </a:effectRef>
+          <a:fontRef idx="minor">
+            <a:schemeClr val="dk1"/>
+          </a:fontRef>
+        </p:style>
+        <p:txBody>
+          <a:bodyPr rtlCol="0" anchor="ctr"/>
+          <a:lstStyle/>
+          <a:p>
+            <a:r>
+              <a:rPr lang="en-GB" sz="800" dirty="0"/>
+              <a:t>……</a:t>
+            </a:r>
+          </a:p>
+          <a:p>
+            <a:r>
+              <a:rPr lang="en-GB" sz="800" dirty="0"/>
+              <a:t>…....</a:t>
+            </a:r>
+          </a:p>
+          <a:p>
+            <a:r>
+              <a:rPr lang="en-GB" sz="800" dirty="0"/>
+              <a:t>………</a:t>
+            </a:r>
+          </a:p>
+        </p:txBody>
+      </p:sp>
+      <p:sp>
+        <p:nvSpPr>
+          <p:cNvPr id="42" name="Card 41">
+            <a:extLst>
+              <a:ext uri="{FF2B5EF4-FFF2-40B4-BE49-F238E27FC236}">
+                <a16:creationId xmlns:a16="http://schemas.microsoft.com/office/drawing/2014/main" id="{642F7E6F-12B2-284C-9A72-768CB0AC7A48}"/>
+              </a:ext>
+            </a:extLst>
+          </p:cNvPr>
+          <p:cNvSpPr/>
+          <p:nvPr/>
+        </p:nvSpPr>
+        <p:spPr>
+          <a:xfrm>
+            <a:off x="877019" y="2990174"/>
+            <a:ext cx="414068" cy="487391"/>
+          </a:xfrm>
+          <a:prstGeom prst="flowChartPunchedCard">
+            <a:avLst/>
+          </a:prstGeom>
+          <a:solidFill>
+            <a:srgbClr val="00B050"/>
+          </a:solidFill>
+        </p:spPr>
+        <p:style>
+          <a:lnRef idx="2">
+            <a:schemeClr val="accent6"/>
+          </a:lnRef>
+          <a:fillRef idx="1">
+            <a:schemeClr val="lt1"/>
+          </a:fillRef>
+          <a:effectRef idx="0">
+            <a:schemeClr val="accent6"/>
+          </a:effectRef>
+          <a:fontRef idx="minor">
+            <a:schemeClr val="dk1"/>
+          </a:fontRef>
+        </p:style>
+        <p:txBody>
+          <a:bodyPr rtlCol="0" anchor="ctr"/>
+          <a:lstStyle/>
+          <a:p>
+            <a:r>
+              <a:rPr lang="en-GB" sz="800" dirty="0"/>
+              <a:t>……</a:t>
+            </a:r>
+          </a:p>
+          <a:p>
+            <a:r>
+              <a:rPr lang="en-GB" sz="800" dirty="0"/>
+              <a:t>…....</a:t>
+            </a:r>
+          </a:p>
+          <a:p>
+            <a:r>
+              <a:rPr lang="en-GB" sz="800" dirty="0"/>
+              <a:t>………</a:t>
+            </a:r>
+          </a:p>
+        </p:txBody>
+      </p:sp>
+      <p:sp>
+        <p:nvSpPr>
+          <p:cNvPr id="43" name="Card 42">
+            <a:extLst>
+              <a:ext uri="{FF2B5EF4-FFF2-40B4-BE49-F238E27FC236}">
+                <a16:creationId xmlns:a16="http://schemas.microsoft.com/office/drawing/2014/main" id="{62E9552D-6E42-2D46-B622-964CC77E2BEA}"/>
+              </a:ext>
+            </a:extLst>
+          </p:cNvPr>
+          <p:cNvSpPr/>
+          <p:nvPr/>
+        </p:nvSpPr>
+        <p:spPr>
+          <a:xfrm>
+            <a:off x="1029419" y="3142574"/>
+            <a:ext cx="414068" cy="487391"/>
+          </a:xfrm>
+          <a:prstGeom prst="flowChartPunchedCard">
+            <a:avLst/>
+          </a:prstGeom>
+        </p:spPr>
+        <p:style>
+          <a:lnRef idx="2">
+            <a:schemeClr val="accent6"/>
+          </a:lnRef>
+          <a:fillRef idx="1">
+            <a:schemeClr val="lt1"/>
+          </a:fillRef>
+          <a:effectRef idx="0">
+            <a:schemeClr val="accent6"/>
+          </a:effectRef>
+          <a:fontRef idx="minor">
+            <a:schemeClr val="dk1"/>
+          </a:fontRef>
+        </p:style>
+        <p:txBody>
+          <a:bodyPr rtlCol="0" anchor="ctr"/>
+          <a:lstStyle/>
+          <a:p>
+            <a:r>
+              <a:rPr lang="en-GB" sz="800" dirty="0"/>
+              <a:t>……</a:t>
+            </a:r>
+          </a:p>
+          <a:p>
+            <a:r>
+              <a:rPr lang="en-GB" sz="800" dirty="0"/>
+              <a:t>…....</a:t>
+            </a:r>
+          </a:p>
+          <a:p>
+            <a:r>
+              <a:rPr lang="en-GB" sz="800" dirty="0"/>
+              <a:t>………</a:t>
+            </a:r>
+          </a:p>
+        </p:txBody>
+      </p:sp>
+      <p:sp>
+        <p:nvSpPr>
+          <p:cNvPr id="54" name="Card 53">
+            <a:extLst>
+              <a:ext uri="{FF2B5EF4-FFF2-40B4-BE49-F238E27FC236}">
+                <a16:creationId xmlns:a16="http://schemas.microsoft.com/office/drawing/2014/main" id="{85D49E1B-7502-0248-9A25-667BCDDBD4DF}"/>
+              </a:ext>
+            </a:extLst>
+          </p:cNvPr>
+          <p:cNvSpPr/>
+          <p:nvPr/>
+        </p:nvSpPr>
+        <p:spPr>
+          <a:xfrm>
+            <a:off x="1089662" y="2891422"/>
+            <a:ext cx="414068" cy="487391"/>
+          </a:xfrm>
+          <a:prstGeom prst="flowChartPunchedCard">
+            <a:avLst/>
+          </a:prstGeom>
+        </p:spPr>
+        <p:style>
+          <a:lnRef idx="2">
+            <a:schemeClr val="accent6"/>
+          </a:lnRef>
+          <a:fillRef idx="1">
+            <a:schemeClr val="lt1"/>
+          </a:fillRef>
+          <a:effectRef idx="0">
+            <a:schemeClr val="accent6"/>
+          </a:effectRef>
+          <a:fontRef idx="minor">
+            <a:schemeClr val="dk1"/>
+          </a:fontRef>
+        </p:style>
+        <p:txBody>
+          <a:bodyPr rtlCol="0" anchor="ctr"/>
+          <a:lstStyle/>
+          <a:p>
+            <a:r>
+              <a:rPr lang="en-GB" sz="800" dirty="0"/>
+              <a:t>……</a:t>
+            </a:r>
+          </a:p>
+          <a:p>
+            <a:r>
+              <a:rPr lang="en-GB" sz="800" dirty="0"/>
+              <a:t>…....</a:t>
+            </a:r>
+          </a:p>
+          <a:p>
+            <a:r>
+              <a:rPr lang="en-GB" sz="800" dirty="0"/>
+              <a:t>………</a:t>
+            </a:r>
+          </a:p>
+        </p:txBody>
+      </p:sp>
+      <p:sp>
+        <p:nvSpPr>
+          <p:cNvPr id="55" name="Card 54">
+            <a:extLst>
+              <a:ext uri="{FF2B5EF4-FFF2-40B4-BE49-F238E27FC236}">
+                <a16:creationId xmlns:a16="http://schemas.microsoft.com/office/drawing/2014/main" id="{19DF05FE-B53C-EF42-B599-A3F2681DAC82}"/>
+              </a:ext>
+            </a:extLst>
+          </p:cNvPr>
+          <p:cNvSpPr/>
+          <p:nvPr/>
+        </p:nvSpPr>
+        <p:spPr>
+          <a:xfrm>
+            <a:off x="1242062" y="3043822"/>
+            <a:ext cx="414068" cy="487391"/>
+          </a:xfrm>
+          <a:prstGeom prst="flowChartPunchedCard">
+            <a:avLst/>
+          </a:prstGeom>
+          <a:solidFill>
+            <a:srgbClr val="00B050"/>
+          </a:solidFill>
+        </p:spPr>
+        <p:style>
+          <a:lnRef idx="2">
+            <a:schemeClr val="accent6"/>
+          </a:lnRef>
+          <a:fillRef idx="1">
+            <a:schemeClr val="lt1"/>
+          </a:fillRef>
+          <a:effectRef idx="0">
+            <a:schemeClr val="accent6"/>
+          </a:effectRef>
+          <a:fontRef idx="minor">
+            <a:schemeClr val="dk1"/>
+          </a:fontRef>
+        </p:style>
+        <p:txBody>
+          <a:bodyPr rtlCol="0" anchor="ctr"/>
+          <a:lstStyle/>
+          <a:p>
+            <a:r>
+              <a:rPr lang="en-GB" sz="800" dirty="0"/>
+              <a:t>……</a:t>
+            </a:r>
+          </a:p>
+          <a:p>
+            <a:r>
+              <a:rPr lang="en-GB" sz="800" dirty="0"/>
+              <a:t>…....</a:t>
+            </a:r>
+          </a:p>
+          <a:p>
+            <a:r>
+              <a:rPr lang="en-GB" sz="800" dirty="0"/>
+              <a:t>………</a:t>
+            </a:r>
+          </a:p>
+        </p:txBody>
+      </p:sp>
+      <p:sp>
+        <p:nvSpPr>
+          <p:cNvPr id="56" name="Card 55">
+            <a:extLst>
+              <a:ext uri="{FF2B5EF4-FFF2-40B4-BE49-F238E27FC236}">
+                <a16:creationId xmlns:a16="http://schemas.microsoft.com/office/drawing/2014/main" id="{5DB8ADE6-573B-C34F-8192-B51BF61D4598}"/>
+              </a:ext>
+            </a:extLst>
+          </p:cNvPr>
+          <p:cNvSpPr/>
+          <p:nvPr/>
+        </p:nvSpPr>
+        <p:spPr>
+          <a:xfrm>
+            <a:off x="1394462" y="3196222"/>
+            <a:ext cx="414068" cy="487391"/>
+          </a:xfrm>
+          <a:prstGeom prst="flowChartPunchedCard">
+            <a:avLst/>
+          </a:prstGeom>
+        </p:spPr>
+        <p:style>
+          <a:lnRef idx="2">
+            <a:schemeClr val="accent6"/>
+          </a:lnRef>
+          <a:fillRef idx="1">
+            <a:schemeClr val="lt1"/>
+          </a:fillRef>
+          <a:effectRef idx="0">
+            <a:schemeClr val="accent6"/>
+          </a:effectRef>
+          <a:fontRef idx="minor">
+            <a:schemeClr val="dk1"/>
+          </a:fontRef>
+        </p:style>
+        <p:txBody>
+          <a:bodyPr rtlCol="0" anchor="ctr"/>
+          <a:lstStyle/>
+          <a:p>
+            <a:r>
+              <a:rPr lang="en-GB" sz="800" dirty="0"/>
+              <a:t>……</a:t>
+            </a:r>
+          </a:p>
+          <a:p>
+            <a:r>
+              <a:rPr lang="en-GB" sz="800" dirty="0"/>
+              <a:t>…....</a:t>
+            </a:r>
+          </a:p>
+          <a:p>
+            <a:r>
+              <a:rPr lang="en-GB" sz="800" dirty="0"/>
+              <a:t>………</a:t>
+            </a:r>
+          </a:p>
+        </p:txBody>
+      </p:sp>
+      <p:sp>
+        <p:nvSpPr>
+          <p:cNvPr id="57" name="Card 56">
+            <a:extLst>
+              <a:ext uri="{FF2B5EF4-FFF2-40B4-BE49-F238E27FC236}">
+                <a16:creationId xmlns:a16="http://schemas.microsoft.com/office/drawing/2014/main" id="{CCCB05A8-119A-454F-9B83-97F419F5985E}"/>
+              </a:ext>
+            </a:extLst>
+          </p:cNvPr>
+          <p:cNvSpPr/>
+          <p:nvPr/>
+        </p:nvSpPr>
+        <p:spPr>
+          <a:xfrm>
+            <a:off x="609742" y="3262241"/>
+            <a:ext cx="414068" cy="487391"/>
+          </a:xfrm>
+          <a:prstGeom prst="flowChartPunchedCard">
+            <a:avLst/>
+          </a:prstGeom>
+          <a:solidFill>
+            <a:srgbClr val="00B050"/>
+          </a:solidFill>
+        </p:spPr>
+        <p:style>
+          <a:lnRef idx="2">
+            <a:schemeClr val="accent6"/>
+          </a:lnRef>
+          <a:fillRef idx="1">
+            <a:schemeClr val="lt1"/>
+          </a:fillRef>
+          <a:effectRef idx="0">
+            <a:schemeClr val="accent6"/>
+          </a:effectRef>
+          <a:fontRef idx="minor">
+            <a:schemeClr val="dk1"/>
+          </a:fontRef>
+        </p:style>
+        <p:txBody>
+          <a:bodyPr rtlCol="0" anchor="ctr"/>
+          <a:lstStyle/>
+          <a:p>
+            <a:r>
+              <a:rPr lang="en-GB" sz="800" dirty="0"/>
+              <a:t>……</a:t>
+            </a:r>
+          </a:p>
+          <a:p>
+            <a:r>
+              <a:rPr lang="en-GB" sz="800" dirty="0"/>
+              <a:t>…....</a:t>
+            </a:r>
+          </a:p>
+          <a:p>
+            <a:r>
+              <a:rPr lang="en-GB" sz="800" dirty="0"/>
+              <a:t>………</a:t>
+            </a:r>
+          </a:p>
+        </p:txBody>
+      </p:sp>
+      <p:sp>
+        <p:nvSpPr>
+          <p:cNvPr id="58" name="Card 57">
+            <a:extLst>
+              <a:ext uri="{FF2B5EF4-FFF2-40B4-BE49-F238E27FC236}">
+                <a16:creationId xmlns:a16="http://schemas.microsoft.com/office/drawing/2014/main" id="{DE002795-5C5B-AA40-BF7A-A39B4F555A01}"/>
+              </a:ext>
+            </a:extLst>
+          </p:cNvPr>
+          <p:cNvSpPr/>
+          <p:nvPr/>
+        </p:nvSpPr>
+        <p:spPr>
+          <a:xfrm>
+            <a:off x="762142" y="3414641"/>
+            <a:ext cx="414068" cy="487391"/>
+          </a:xfrm>
+          <a:prstGeom prst="flowChartPunchedCard">
+            <a:avLst/>
+          </a:prstGeom>
+        </p:spPr>
+        <p:style>
+          <a:lnRef idx="2">
+            <a:schemeClr val="accent6"/>
+          </a:lnRef>
+          <a:fillRef idx="1">
+            <a:schemeClr val="lt1"/>
+          </a:fillRef>
+          <a:effectRef idx="0">
+            <a:schemeClr val="accent6"/>
+          </a:effectRef>
+          <a:fontRef idx="minor">
+            <a:schemeClr val="dk1"/>
+          </a:fontRef>
+        </p:style>
+        <p:txBody>
+          <a:bodyPr rtlCol="0" anchor="ctr"/>
+          <a:lstStyle/>
+          <a:p>
+            <a:r>
+              <a:rPr lang="en-GB" sz="800" dirty="0"/>
+              <a:t>……</a:t>
+            </a:r>
+          </a:p>
+          <a:p>
+            <a:r>
+              <a:rPr lang="en-GB" sz="800" dirty="0"/>
+              <a:t>…....</a:t>
+            </a:r>
+          </a:p>
+          <a:p>
+            <a:r>
+              <a:rPr lang="en-GB" sz="800" dirty="0"/>
+              <a:t>………</a:t>
+            </a:r>
+          </a:p>
+        </p:txBody>
+      </p:sp>
+      <p:sp>
+        <p:nvSpPr>
+          <p:cNvPr id="59" name="Card 58">
+            <a:extLst>
+              <a:ext uri="{FF2B5EF4-FFF2-40B4-BE49-F238E27FC236}">
+                <a16:creationId xmlns:a16="http://schemas.microsoft.com/office/drawing/2014/main" id="{E7E52B44-B48F-3D41-A3E9-CE6655D07758}"/>
+              </a:ext>
+            </a:extLst>
+          </p:cNvPr>
+          <p:cNvSpPr/>
+          <p:nvPr/>
+        </p:nvSpPr>
+        <p:spPr>
+          <a:xfrm>
+            <a:off x="914542" y="3567041"/>
+            <a:ext cx="414068" cy="487391"/>
+          </a:xfrm>
+          <a:prstGeom prst="flowChartPunchedCard">
+            <a:avLst/>
+          </a:prstGeom>
+          <a:solidFill>
+            <a:srgbClr val="00B050"/>
+          </a:solidFill>
+        </p:spPr>
+        <p:style>
+          <a:lnRef idx="2">
+            <a:schemeClr val="accent6"/>
+          </a:lnRef>
+          <a:fillRef idx="1">
+            <a:schemeClr val="lt1"/>
+          </a:fillRef>
+          <a:effectRef idx="0">
+            <a:schemeClr val="accent6"/>
+          </a:effectRef>
+          <a:fontRef idx="minor">
+            <a:schemeClr val="dk1"/>
+          </a:fontRef>
+        </p:style>
+        <p:txBody>
+          <a:bodyPr rtlCol="0" anchor="ctr"/>
+          <a:lstStyle/>
+          <a:p>
+            <a:r>
+              <a:rPr lang="en-GB" sz="800" dirty="0"/>
+              <a:t>……</a:t>
+            </a:r>
+          </a:p>
+          <a:p>
+            <a:r>
+              <a:rPr lang="en-GB" sz="800" dirty="0"/>
+              <a:t>…....</a:t>
+            </a:r>
+          </a:p>
+          <a:p>
+            <a:r>
+              <a:rPr lang="en-GB" sz="800" dirty="0"/>
+              <a:t>………</a:t>
+            </a:r>
+          </a:p>
+        </p:txBody>
+      </p:sp>
+      <p:sp>
+        <p:nvSpPr>
+          <p:cNvPr id="60" name="Card 59">
+            <a:extLst>
+              <a:ext uri="{FF2B5EF4-FFF2-40B4-BE49-F238E27FC236}">
+                <a16:creationId xmlns:a16="http://schemas.microsoft.com/office/drawing/2014/main" id="{A20494F7-45F7-6049-9D5F-7771EEF8A6BB}"/>
+              </a:ext>
+            </a:extLst>
+          </p:cNvPr>
+          <p:cNvSpPr/>
+          <p:nvPr/>
+        </p:nvSpPr>
+        <p:spPr>
+          <a:xfrm>
+            <a:off x="1177577" y="3380988"/>
+            <a:ext cx="414068" cy="487391"/>
+          </a:xfrm>
+          <a:prstGeom prst="flowChartPunchedCard">
+            <a:avLst/>
+          </a:prstGeom>
+          <a:solidFill>
+            <a:srgbClr val="00B050"/>
+          </a:solidFill>
+        </p:spPr>
+        <p:style>
+          <a:lnRef idx="2">
+            <a:schemeClr val="accent6"/>
+          </a:lnRef>
+          <a:fillRef idx="1">
+            <a:schemeClr val="lt1"/>
+          </a:fillRef>
+          <a:effectRef idx="0">
+            <a:schemeClr val="accent6"/>
+          </a:effectRef>
+          <a:fontRef idx="minor">
+            <a:schemeClr val="dk1"/>
+          </a:fontRef>
+        </p:style>
+        <p:txBody>
+          <a:bodyPr rtlCol="0" anchor="ctr"/>
+          <a:lstStyle/>
+          <a:p>
+            <a:r>
+              <a:rPr lang="en-GB" sz="800" dirty="0"/>
+              <a:t>……</a:t>
+            </a:r>
+          </a:p>
+          <a:p>
+            <a:r>
+              <a:rPr lang="en-GB" sz="800" dirty="0"/>
+              <a:t>…....</a:t>
+            </a:r>
+          </a:p>
+          <a:p>
+            <a:r>
+              <a:rPr lang="en-GB" sz="800" dirty="0"/>
+              <a:t>………</a:t>
+            </a:r>
+          </a:p>
+        </p:txBody>
+      </p:sp>
+      <p:sp>
+        <p:nvSpPr>
+          <p:cNvPr id="61" name="Card 60">
+            <a:extLst>
+              <a:ext uri="{FF2B5EF4-FFF2-40B4-BE49-F238E27FC236}">
+                <a16:creationId xmlns:a16="http://schemas.microsoft.com/office/drawing/2014/main" id="{CA29B0F1-A316-EE41-994A-037142FA1B1B}"/>
+              </a:ext>
+            </a:extLst>
+          </p:cNvPr>
+          <p:cNvSpPr/>
+          <p:nvPr/>
+        </p:nvSpPr>
+        <p:spPr>
+          <a:xfrm>
+            <a:off x="1329977" y="3533388"/>
+            <a:ext cx="414068" cy="487391"/>
+          </a:xfrm>
+          <a:prstGeom prst="flowChartPunchedCard">
+            <a:avLst/>
+          </a:prstGeom>
+          <a:solidFill>
+            <a:srgbClr val="00B050"/>
+          </a:solidFill>
+        </p:spPr>
+        <p:style>
+          <a:lnRef idx="2">
+            <a:schemeClr val="accent6"/>
+          </a:lnRef>
+          <a:fillRef idx="1">
+            <a:schemeClr val="lt1"/>
+          </a:fillRef>
+          <a:effectRef idx="0">
+            <a:schemeClr val="accent6"/>
+          </a:effectRef>
+          <a:fontRef idx="minor">
+            <a:schemeClr val="dk1"/>
+          </a:fontRef>
+        </p:style>
+        <p:txBody>
+          <a:bodyPr rtlCol="0" anchor="ctr"/>
+          <a:lstStyle/>
+          <a:p>
+            <a:r>
+              <a:rPr lang="en-GB" sz="800" dirty="0"/>
+              <a:t>……</a:t>
+            </a:r>
+          </a:p>
+          <a:p>
+            <a:r>
+              <a:rPr lang="en-GB" sz="800" dirty="0"/>
+              <a:t>…....</a:t>
+            </a:r>
+          </a:p>
+          <a:p>
+            <a:r>
+              <a:rPr lang="en-GB" sz="800" dirty="0"/>
+              <a:t>………</a:t>
+            </a:r>
+          </a:p>
+        </p:txBody>
+      </p:sp>
+      <p:sp>
+        <p:nvSpPr>
+          <p:cNvPr id="62" name="Card 61">
+            <a:extLst>
+              <a:ext uri="{FF2B5EF4-FFF2-40B4-BE49-F238E27FC236}">
+                <a16:creationId xmlns:a16="http://schemas.microsoft.com/office/drawing/2014/main" id="{2D1A569F-CCD5-BE48-83BB-61F303229374}"/>
+              </a:ext>
+            </a:extLst>
+          </p:cNvPr>
+          <p:cNvSpPr/>
+          <p:nvPr/>
+        </p:nvSpPr>
+        <p:spPr>
+          <a:xfrm>
+            <a:off x="1482377" y="3685788"/>
+            <a:ext cx="414068" cy="487391"/>
+          </a:xfrm>
+          <a:prstGeom prst="flowChartPunchedCard">
+            <a:avLst/>
+          </a:prstGeom>
+        </p:spPr>
+        <p:style>
+          <a:lnRef idx="2">
+            <a:schemeClr val="accent6"/>
+          </a:lnRef>
+          <a:fillRef idx="1">
+            <a:schemeClr val="lt1"/>
+          </a:fillRef>
+          <a:effectRef idx="0">
+            <a:schemeClr val="accent6"/>
+          </a:effectRef>
+          <a:fontRef idx="minor">
+            <a:schemeClr val="dk1"/>
+          </a:fontRef>
+        </p:style>
+        <p:txBody>
+          <a:bodyPr rtlCol="0" anchor="ctr"/>
+          <a:lstStyle/>
+          <a:p>
+            <a:r>
+              <a:rPr lang="en-GB" sz="800" dirty="0"/>
+              <a:t>……</a:t>
+            </a:r>
+          </a:p>
+          <a:p>
+            <a:r>
+              <a:rPr lang="en-GB" sz="800" dirty="0"/>
+              <a:t>…....</a:t>
+            </a:r>
+          </a:p>
+          <a:p>
+            <a:r>
+              <a:rPr lang="en-GB" sz="800" dirty="0"/>
+              <a:t>………</a:t>
+            </a:r>
+          </a:p>
+        </p:txBody>
+      </p:sp>
       <p:cxnSp>
         <p:nvCxnSpPr>
           <p:cNvPr id="63" name="Straight Arrow Connector 62">
@@ -10397,6 +11355,7 @@
           </p:cNvPr>
           <p:cNvCxnSpPr>
             <a:cxnSpLocks/>
+            <a:stCxn id="41" idx="0"/>
           </p:cNvCxnSpPr>
           <p:nvPr/>
         </p:nvCxnSpPr>
@@ -10486,7 +11445,7 @@
             <a:avLst/>
           </a:prstGeom>
           <a:solidFill>
-            <a:srgbClr val="FF0000"/>
+            <a:srgbClr val="00B050"/>
           </a:solidFill>
         </p:spPr>
         <p:style>
@@ -10602,6 +11561,7 @@
           <p:cNvCxnSpPr>
             <a:cxnSpLocks/>
             <a:stCxn id="38" idx="1"/>
+            <a:endCxn id="62" idx="3"/>
           </p:cNvCxnSpPr>
           <p:nvPr/>
         </p:nvCxnSpPr>
@@ -10764,920 +11724,10 @@
       </p:cxnSp>
       <p:sp>
         <p:nvSpPr>
-          <p:cNvPr id="25" name="Rectangle 24">
-            <a:extLst>
-              <a:ext uri="{FF2B5EF4-FFF2-40B4-BE49-F238E27FC236}">
-                <a16:creationId xmlns:a16="http://schemas.microsoft.com/office/drawing/2014/main" id="{5DC12AA2-3856-3A42-A383-DC5817A0AD05}"/>
-              </a:ext>
-            </a:extLst>
-          </p:cNvPr>
-          <p:cNvSpPr/>
-          <p:nvPr/>
-        </p:nvSpPr>
-        <p:spPr>
-          <a:xfrm>
-            <a:off x="2210218" y="4719514"/>
-            <a:ext cx="1276710" cy="729916"/>
-          </a:xfrm>
-          <a:prstGeom prst="rect">
-            <a:avLst/>
-          </a:prstGeom>
-        </p:spPr>
-        <p:style>
-          <a:lnRef idx="2">
-            <a:schemeClr val="accent6"/>
-          </a:lnRef>
-          <a:fillRef idx="1">
-            <a:schemeClr val="lt1"/>
-          </a:fillRef>
-          <a:effectRef idx="0">
-            <a:schemeClr val="accent6"/>
-          </a:effectRef>
-          <a:fontRef idx="minor">
-            <a:schemeClr val="dk1"/>
-          </a:fontRef>
-        </p:style>
-        <p:txBody>
-          <a:bodyPr rtlCol="0" anchor="ctr"/>
-          <a:lstStyle/>
-          <a:p>
-            <a:pPr algn="ctr"/>
-            <a:endParaRPr lang="en-GB" sz="1600" b="1" i="1" dirty="0"/>
-          </a:p>
-          <a:p>
-            <a:pPr algn="ctr"/>
-            <a:r>
-              <a:rPr lang="en-GB" sz="1600" b="1" i="1" dirty="0"/>
-              <a:t>Enforcer</a:t>
-            </a:r>
-          </a:p>
-        </p:txBody>
-      </p:sp>
-      <p:pic>
-        <p:nvPicPr>
-          <p:cNvPr id="22" name="Picture 21" descr="A firework in the sky&#10;&#10;Description automatically generated with low confidence">
-            <a:extLst>
-              <a:ext uri="{FF2B5EF4-FFF2-40B4-BE49-F238E27FC236}">
-                <a16:creationId xmlns:a16="http://schemas.microsoft.com/office/drawing/2014/main" id="{20FA372D-648E-074F-BC1D-09678430F865}"/>
-              </a:ext>
-            </a:extLst>
-          </p:cNvPr>
-          <p:cNvPicPr>
-            <a:picLocks noChangeAspect="1"/>
-          </p:cNvPicPr>
-          <p:nvPr/>
-        </p:nvPicPr>
-        <p:blipFill>
-          <a:blip r:embed="rId7"/>
-          <a:stretch>
-            <a:fillRect/>
-          </a:stretch>
-        </p:blipFill>
-        <p:spPr>
-          <a:xfrm>
-            <a:off x="2459398" y="4814315"/>
-            <a:ext cx="874576" cy="218644"/>
-          </a:xfrm>
-          <a:prstGeom prst="rect">
-            <a:avLst/>
-          </a:prstGeom>
-        </p:spPr>
-      </p:pic>
-      <p:cxnSp>
-        <p:nvCxnSpPr>
-          <p:cNvPr id="48" name="Straight Arrow Connector 47">
-            <a:extLst>
-              <a:ext uri="{FF2B5EF4-FFF2-40B4-BE49-F238E27FC236}">
-                <a16:creationId xmlns:a16="http://schemas.microsoft.com/office/drawing/2014/main" id="{8FE22B5E-D10A-4047-A2FA-EF53FB6624DA}"/>
-              </a:ext>
-            </a:extLst>
-          </p:cNvPr>
-          <p:cNvCxnSpPr>
-            <a:cxnSpLocks/>
-            <a:stCxn id="25" idx="0"/>
-            <a:endCxn id="38" idx="2"/>
-          </p:cNvCxnSpPr>
-          <p:nvPr/>
-        </p:nvCxnSpPr>
-        <p:spPr>
-          <a:xfrm flipV="1">
-            <a:off x="2848573" y="4234317"/>
-            <a:ext cx="0" cy="485197"/>
-          </a:xfrm>
-          <a:prstGeom prst="straightConnector1">
-            <a:avLst/>
-          </a:prstGeom>
-          <a:ln>
-            <a:solidFill>
-              <a:schemeClr val="tx1"/>
-            </a:solidFill>
-            <a:tailEnd type="triangle"/>
-          </a:ln>
-        </p:spPr>
-        <p:style>
-          <a:lnRef idx="1">
-            <a:schemeClr val="accent1"/>
-          </a:lnRef>
-          <a:fillRef idx="0">
-            <a:schemeClr val="accent1"/>
-          </a:fillRef>
-          <a:effectRef idx="0">
-            <a:schemeClr val="accent1"/>
-          </a:effectRef>
-          <a:fontRef idx="minor">
-            <a:schemeClr val="tx1"/>
-          </a:fontRef>
-        </p:style>
-      </p:cxnSp>
-      <p:sp>
-        <p:nvSpPr>
-          <p:cNvPr id="30" name="Cross 29">
-            <a:extLst>
-              <a:ext uri="{FF2B5EF4-FFF2-40B4-BE49-F238E27FC236}">
-                <a16:creationId xmlns:a16="http://schemas.microsoft.com/office/drawing/2014/main" id="{0844470A-50C9-8845-B6C2-196B0717E074}"/>
-              </a:ext>
-            </a:extLst>
-          </p:cNvPr>
-          <p:cNvSpPr/>
-          <p:nvPr/>
-        </p:nvSpPr>
-        <p:spPr>
-          <a:xfrm rot="2743806">
-            <a:off x="10478544" y="2659064"/>
-            <a:ext cx="388189" cy="396095"/>
-          </a:xfrm>
-          <a:prstGeom prst="plus">
-            <a:avLst>
-              <a:gd name="adj" fmla="val 42778"/>
-            </a:avLst>
-          </a:prstGeom>
-          <a:solidFill>
-            <a:srgbClr val="FF0000"/>
-          </a:solidFill>
-        </p:spPr>
-        <p:style>
-          <a:lnRef idx="2">
-            <a:schemeClr val="accent1">
-              <a:shade val="50000"/>
-            </a:schemeClr>
-          </a:lnRef>
-          <a:fillRef idx="1">
-            <a:schemeClr val="accent1"/>
-          </a:fillRef>
-          <a:effectRef idx="0">
-            <a:schemeClr val="accent1"/>
-          </a:effectRef>
-          <a:fontRef idx="minor">
-            <a:schemeClr val="lt1"/>
-          </a:fontRef>
-        </p:style>
-        <p:txBody>
-          <a:bodyPr rtlCol="0" anchor="ctr"/>
-          <a:lstStyle/>
-          <a:p>
-            <a:pPr algn="ctr"/>
-            <a:endParaRPr lang="en-GB"/>
-          </a:p>
-        </p:txBody>
-      </p:sp>
-      <p:sp>
-        <p:nvSpPr>
-          <p:cNvPr id="90" name="Card 89">
-            <a:extLst>
-              <a:ext uri="{FF2B5EF4-FFF2-40B4-BE49-F238E27FC236}">
-                <a16:creationId xmlns:a16="http://schemas.microsoft.com/office/drawing/2014/main" id="{7F6E0B4A-0AAB-EB4D-9539-0FB22E66F03F}"/>
-              </a:ext>
-            </a:extLst>
-          </p:cNvPr>
-          <p:cNvSpPr/>
-          <p:nvPr/>
-        </p:nvSpPr>
-        <p:spPr>
-          <a:xfrm>
-            <a:off x="724619" y="2837774"/>
-            <a:ext cx="414068" cy="487391"/>
-          </a:xfrm>
-          <a:prstGeom prst="flowChartPunchedCard">
-            <a:avLst/>
-          </a:prstGeom>
-          <a:solidFill>
-            <a:srgbClr val="00B050"/>
-          </a:solidFill>
-        </p:spPr>
-        <p:style>
-          <a:lnRef idx="2">
-            <a:schemeClr val="accent6"/>
-          </a:lnRef>
-          <a:fillRef idx="1">
-            <a:schemeClr val="lt1"/>
-          </a:fillRef>
-          <a:effectRef idx="0">
-            <a:schemeClr val="accent6"/>
-          </a:effectRef>
-          <a:fontRef idx="minor">
-            <a:schemeClr val="dk1"/>
-          </a:fontRef>
-        </p:style>
-        <p:txBody>
-          <a:bodyPr rtlCol="0" anchor="ctr"/>
-          <a:lstStyle/>
-          <a:p>
-            <a:r>
-              <a:rPr lang="en-GB" sz="800" dirty="0"/>
-              <a:t>……</a:t>
-            </a:r>
-          </a:p>
-          <a:p>
-            <a:r>
-              <a:rPr lang="en-GB" sz="800" dirty="0"/>
-              <a:t>…....</a:t>
-            </a:r>
-          </a:p>
-          <a:p>
-            <a:r>
-              <a:rPr lang="en-GB" sz="800" dirty="0"/>
-              <a:t>………</a:t>
-            </a:r>
-          </a:p>
-        </p:txBody>
-      </p:sp>
-      <p:sp>
-        <p:nvSpPr>
-          <p:cNvPr id="91" name="Card 90">
-            <a:extLst>
-              <a:ext uri="{FF2B5EF4-FFF2-40B4-BE49-F238E27FC236}">
-                <a16:creationId xmlns:a16="http://schemas.microsoft.com/office/drawing/2014/main" id="{46A772CE-11FC-A147-A654-6ADB4AD4B834}"/>
-              </a:ext>
-            </a:extLst>
-          </p:cNvPr>
-          <p:cNvSpPr/>
-          <p:nvPr/>
-        </p:nvSpPr>
-        <p:spPr>
-          <a:xfrm>
-            <a:off x="877019" y="2990174"/>
-            <a:ext cx="414068" cy="487391"/>
-          </a:xfrm>
-          <a:prstGeom prst="flowChartPunchedCard">
-            <a:avLst/>
-          </a:prstGeom>
-          <a:solidFill>
-            <a:srgbClr val="00B050"/>
-          </a:solidFill>
-        </p:spPr>
-        <p:style>
-          <a:lnRef idx="2">
-            <a:schemeClr val="accent6"/>
-          </a:lnRef>
-          <a:fillRef idx="1">
-            <a:schemeClr val="lt1"/>
-          </a:fillRef>
-          <a:effectRef idx="0">
-            <a:schemeClr val="accent6"/>
-          </a:effectRef>
-          <a:fontRef idx="minor">
-            <a:schemeClr val="dk1"/>
-          </a:fontRef>
-        </p:style>
-        <p:txBody>
-          <a:bodyPr rtlCol="0" anchor="ctr"/>
-          <a:lstStyle/>
-          <a:p>
-            <a:r>
-              <a:rPr lang="en-GB" sz="800" dirty="0"/>
-              <a:t>……</a:t>
-            </a:r>
-          </a:p>
-          <a:p>
-            <a:r>
-              <a:rPr lang="en-GB" sz="800" dirty="0"/>
-              <a:t>…....</a:t>
-            </a:r>
-          </a:p>
-          <a:p>
-            <a:r>
-              <a:rPr lang="en-GB" sz="800" dirty="0"/>
-              <a:t>………</a:t>
-            </a:r>
-          </a:p>
-        </p:txBody>
-      </p:sp>
-      <p:sp>
-        <p:nvSpPr>
-          <p:cNvPr id="92" name="Card 91">
-            <a:extLst>
-              <a:ext uri="{FF2B5EF4-FFF2-40B4-BE49-F238E27FC236}">
-                <a16:creationId xmlns:a16="http://schemas.microsoft.com/office/drawing/2014/main" id="{E7019B73-37A7-F249-94E7-426ACEB5778A}"/>
-              </a:ext>
-            </a:extLst>
-          </p:cNvPr>
-          <p:cNvSpPr/>
-          <p:nvPr/>
-        </p:nvSpPr>
-        <p:spPr>
-          <a:xfrm>
-            <a:off x="1029419" y="3142574"/>
-            <a:ext cx="414068" cy="487391"/>
-          </a:xfrm>
-          <a:prstGeom prst="flowChartPunchedCard">
-            <a:avLst/>
-          </a:prstGeom>
-          <a:solidFill>
-            <a:srgbClr val="FF0000"/>
-          </a:solidFill>
-        </p:spPr>
-        <p:style>
-          <a:lnRef idx="2">
-            <a:schemeClr val="accent6"/>
-          </a:lnRef>
-          <a:fillRef idx="1">
-            <a:schemeClr val="lt1"/>
-          </a:fillRef>
-          <a:effectRef idx="0">
-            <a:schemeClr val="accent6"/>
-          </a:effectRef>
-          <a:fontRef idx="minor">
-            <a:schemeClr val="dk1"/>
-          </a:fontRef>
-        </p:style>
-        <p:txBody>
-          <a:bodyPr rtlCol="0" anchor="ctr"/>
-          <a:lstStyle/>
-          <a:p>
-            <a:r>
-              <a:rPr lang="en-GB" sz="800" dirty="0"/>
-              <a:t>……</a:t>
-            </a:r>
-          </a:p>
-          <a:p>
-            <a:r>
-              <a:rPr lang="en-GB" sz="800" dirty="0"/>
-              <a:t>…....</a:t>
-            </a:r>
-          </a:p>
-          <a:p>
-            <a:r>
-              <a:rPr lang="en-GB" sz="800" dirty="0"/>
-              <a:t>………</a:t>
-            </a:r>
-          </a:p>
-        </p:txBody>
-      </p:sp>
-      <p:sp>
-        <p:nvSpPr>
-          <p:cNvPr id="93" name="Card 92">
-            <a:extLst>
-              <a:ext uri="{FF2B5EF4-FFF2-40B4-BE49-F238E27FC236}">
-                <a16:creationId xmlns:a16="http://schemas.microsoft.com/office/drawing/2014/main" id="{2C5CD158-79B8-E24A-B237-92D75DD8122E}"/>
-              </a:ext>
-            </a:extLst>
-          </p:cNvPr>
-          <p:cNvSpPr/>
-          <p:nvPr/>
-        </p:nvSpPr>
-        <p:spPr>
-          <a:xfrm>
-            <a:off x="1089662" y="2891422"/>
-            <a:ext cx="414068" cy="487391"/>
-          </a:xfrm>
-          <a:prstGeom prst="flowChartPunchedCard">
-            <a:avLst/>
-          </a:prstGeom>
-          <a:solidFill>
-            <a:srgbClr val="FF0000"/>
-          </a:solidFill>
-        </p:spPr>
-        <p:style>
-          <a:lnRef idx="2">
-            <a:schemeClr val="accent6"/>
-          </a:lnRef>
-          <a:fillRef idx="1">
-            <a:schemeClr val="lt1"/>
-          </a:fillRef>
-          <a:effectRef idx="0">
-            <a:schemeClr val="accent6"/>
-          </a:effectRef>
-          <a:fontRef idx="minor">
-            <a:schemeClr val="dk1"/>
-          </a:fontRef>
-        </p:style>
-        <p:txBody>
-          <a:bodyPr rtlCol="0" anchor="ctr"/>
-          <a:lstStyle/>
-          <a:p>
-            <a:r>
-              <a:rPr lang="en-GB" sz="800" dirty="0"/>
-              <a:t>……</a:t>
-            </a:r>
-          </a:p>
-          <a:p>
-            <a:r>
-              <a:rPr lang="en-GB" sz="800" dirty="0"/>
-              <a:t>…....</a:t>
-            </a:r>
-          </a:p>
-          <a:p>
-            <a:r>
-              <a:rPr lang="en-GB" sz="800" dirty="0"/>
-              <a:t>………</a:t>
-            </a:r>
-          </a:p>
-        </p:txBody>
-      </p:sp>
-      <p:sp>
-        <p:nvSpPr>
-          <p:cNvPr id="94" name="Card 93">
-            <a:extLst>
-              <a:ext uri="{FF2B5EF4-FFF2-40B4-BE49-F238E27FC236}">
-                <a16:creationId xmlns:a16="http://schemas.microsoft.com/office/drawing/2014/main" id="{ED084D2F-5A9A-9F47-B05E-8B6DE29E4C76}"/>
-              </a:ext>
-            </a:extLst>
-          </p:cNvPr>
-          <p:cNvSpPr/>
-          <p:nvPr/>
-        </p:nvSpPr>
-        <p:spPr>
-          <a:xfrm>
-            <a:off x="1242062" y="3043822"/>
-            <a:ext cx="414068" cy="487391"/>
-          </a:xfrm>
-          <a:prstGeom prst="flowChartPunchedCard">
-            <a:avLst/>
-          </a:prstGeom>
-          <a:solidFill>
-            <a:srgbClr val="00B050"/>
-          </a:solidFill>
-        </p:spPr>
-        <p:style>
-          <a:lnRef idx="2">
-            <a:schemeClr val="accent6"/>
-          </a:lnRef>
-          <a:fillRef idx="1">
-            <a:schemeClr val="lt1"/>
-          </a:fillRef>
-          <a:effectRef idx="0">
-            <a:schemeClr val="accent6"/>
-          </a:effectRef>
-          <a:fontRef idx="minor">
-            <a:schemeClr val="dk1"/>
-          </a:fontRef>
-        </p:style>
-        <p:txBody>
-          <a:bodyPr rtlCol="0" anchor="ctr"/>
-          <a:lstStyle/>
-          <a:p>
-            <a:r>
-              <a:rPr lang="en-GB" sz="800" dirty="0"/>
-              <a:t>……</a:t>
-            </a:r>
-          </a:p>
-          <a:p>
-            <a:r>
-              <a:rPr lang="en-GB" sz="800" dirty="0"/>
-              <a:t>…....</a:t>
-            </a:r>
-          </a:p>
-          <a:p>
-            <a:r>
-              <a:rPr lang="en-GB" sz="800" dirty="0"/>
-              <a:t>………</a:t>
-            </a:r>
-          </a:p>
-        </p:txBody>
-      </p:sp>
-      <p:sp>
-        <p:nvSpPr>
-          <p:cNvPr id="95" name="Card 94">
-            <a:extLst>
-              <a:ext uri="{FF2B5EF4-FFF2-40B4-BE49-F238E27FC236}">
-                <a16:creationId xmlns:a16="http://schemas.microsoft.com/office/drawing/2014/main" id="{29A230B7-EC3D-7140-8DBA-3C8DA98C25F6}"/>
-              </a:ext>
-            </a:extLst>
-          </p:cNvPr>
-          <p:cNvSpPr/>
-          <p:nvPr/>
-        </p:nvSpPr>
-        <p:spPr>
-          <a:xfrm>
-            <a:off x="1394462" y="3196222"/>
-            <a:ext cx="414068" cy="487391"/>
-          </a:xfrm>
-          <a:prstGeom prst="flowChartPunchedCard">
-            <a:avLst/>
-          </a:prstGeom>
-          <a:solidFill>
-            <a:srgbClr val="FF0000"/>
-          </a:solidFill>
-        </p:spPr>
-        <p:style>
-          <a:lnRef idx="2">
-            <a:schemeClr val="accent6"/>
-          </a:lnRef>
-          <a:fillRef idx="1">
-            <a:schemeClr val="lt1"/>
-          </a:fillRef>
-          <a:effectRef idx="0">
-            <a:schemeClr val="accent6"/>
-          </a:effectRef>
-          <a:fontRef idx="minor">
-            <a:schemeClr val="dk1"/>
-          </a:fontRef>
-        </p:style>
-        <p:txBody>
-          <a:bodyPr rtlCol="0" anchor="ctr"/>
-          <a:lstStyle/>
-          <a:p>
-            <a:r>
-              <a:rPr lang="en-GB" sz="800" dirty="0"/>
-              <a:t>……</a:t>
-            </a:r>
-          </a:p>
-          <a:p>
-            <a:r>
-              <a:rPr lang="en-GB" sz="800" dirty="0"/>
-              <a:t>…....</a:t>
-            </a:r>
-          </a:p>
-          <a:p>
-            <a:r>
-              <a:rPr lang="en-GB" sz="800" dirty="0"/>
-              <a:t>………</a:t>
-            </a:r>
-          </a:p>
-        </p:txBody>
-      </p:sp>
-      <p:sp>
-        <p:nvSpPr>
-          <p:cNvPr id="96" name="Card 95">
-            <a:extLst>
-              <a:ext uri="{FF2B5EF4-FFF2-40B4-BE49-F238E27FC236}">
-                <a16:creationId xmlns:a16="http://schemas.microsoft.com/office/drawing/2014/main" id="{6BF6DF01-BBF4-DB46-9186-AD82E6581B59}"/>
-              </a:ext>
-            </a:extLst>
-          </p:cNvPr>
-          <p:cNvSpPr/>
-          <p:nvPr/>
-        </p:nvSpPr>
-        <p:spPr>
-          <a:xfrm>
-            <a:off x="609742" y="3262241"/>
-            <a:ext cx="414068" cy="487391"/>
-          </a:xfrm>
-          <a:prstGeom prst="flowChartPunchedCard">
-            <a:avLst/>
-          </a:prstGeom>
-          <a:solidFill>
-            <a:srgbClr val="00B050"/>
-          </a:solidFill>
-        </p:spPr>
-        <p:style>
-          <a:lnRef idx="2">
-            <a:schemeClr val="accent6"/>
-          </a:lnRef>
-          <a:fillRef idx="1">
-            <a:schemeClr val="lt1"/>
-          </a:fillRef>
-          <a:effectRef idx="0">
-            <a:schemeClr val="accent6"/>
-          </a:effectRef>
-          <a:fontRef idx="minor">
-            <a:schemeClr val="dk1"/>
-          </a:fontRef>
-        </p:style>
-        <p:txBody>
-          <a:bodyPr rtlCol="0" anchor="ctr"/>
-          <a:lstStyle/>
-          <a:p>
-            <a:r>
-              <a:rPr lang="en-GB" sz="800" dirty="0"/>
-              <a:t>……</a:t>
-            </a:r>
-          </a:p>
-          <a:p>
-            <a:r>
-              <a:rPr lang="en-GB" sz="800" dirty="0"/>
-              <a:t>…....</a:t>
-            </a:r>
-          </a:p>
-          <a:p>
-            <a:r>
-              <a:rPr lang="en-GB" sz="800" dirty="0"/>
-              <a:t>………</a:t>
-            </a:r>
-          </a:p>
-        </p:txBody>
-      </p:sp>
-      <p:sp>
-        <p:nvSpPr>
-          <p:cNvPr id="97" name="Card 96">
-            <a:extLst>
-              <a:ext uri="{FF2B5EF4-FFF2-40B4-BE49-F238E27FC236}">
-                <a16:creationId xmlns:a16="http://schemas.microsoft.com/office/drawing/2014/main" id="{35D32F31-1177-2D48-916A-431F6D127204}"/>
-              </a:ext>
-            </a:extLst>
-          </p:cNvPr>
-          <p:cNvSpPr/>
-          <p:nvPr/>
-        </p:nvSpPr>
-        <p:spPr>
-          <a:xfrm>
-            <a:off x="762142" y="3414641"/>
-            <a:ext cx="414068" cy="487391"/>
-          </a:xfrm>
-          <a:prstGeom prst="flowChartPunchedCard">
-            <a:avLst/>
-          </a:prstGeom>
-          <a:solidFill>
-            <a:srgbClr val="FF0000"/>
-          </a:solidFill>
-        </p:spPr>
-        <p:style>
-          <a:lnRef idx="2">
-            <a:schemeClr val="accent6"/>
-          </a:lnRef>
-          <a:fillRef idx="1">
-            <a:schemeClr val="lt1"/>
-          </a:fillRef>
-          <a:effectRef idx="0">
-            <a:schemeClr val="accent6"/>
-          </a:effectRef>
-          <a:fontRef idx="minor">
-            <a:schemeClr val="dk1"/>
-          </a:fontRef>
-        </p:style>
-        <p:txBody>
-          <a:bodyPr rtlCol="0" anchor="ctr"/>
-          <a:lstStyle/>
-          <a:p>
-            <a:r>
-              <a:rPr lang="en-GB" sz="800" dirty="0"/>
-              <a:t>……</a:t>
-            </a:r>
-          </a:p>
-          <a:p>
-            <a:r>
-              <a:rPr lang="en-GB" sz="800" dirty="0"/>
-              <a:t>…....</a:t>
-            </a:r>
-          </a:p>
-          <a:p>
-            <a:r>
-              <a:rPr lang="en-GB" sz="800" dirty="0"/>
-              <a:t>………</a:t>
-            </a:r>
-          </a:p>
-        </p:txBody>
-      </p:sp>
-      <p:sp>
-        <p:nvSpPr>
-          <p:cNvPr id="98" name="Card 97">
-            <a:extLst>
-              <a:ext uri="{FF2B5EF4-FFF2-40B4-BE49-F238E27FC236}">
-                <a16:creationId xmlns:a16="http://schemas.microsoft.com/office/drawing/2014/main" id="{A77E28DA-F4D4-3345-93C4-B97245ABD616}"/>
-              </a:ext>
-            </a:extLst>
-          </p:cNvPr>
-          <p:cNvSpPr/>
-          <p:nvPr/>
-        </p:nvSpPr>
-        <p:spPr>
-          <a:xfrm>
-            <a:off x="914542" y="3567041"/>
-            <a:ext cx="414068" cy="487391"/>
-          </a:xfrm>
-          <a:prstGeom prst="flowChartPunchedCard">
-            <a:avLst/>
-          </a:prstGeom>
-          <a:solidFill>
-            <a:srgbClr val="00B050"/>
-          </a:solidFill>
-        </p:spPr>
-        <p:style>
-          <a:lnRef idx="2">
-            <a:schemeClr val="accent6"/>
-          </a:lnRef>
-          <a:fillRef idx="1">
-            <a:schemeClr val="lt1"/>
-          </a:fillRef>
-          <a:effectRef idx="0">
-            <a:schemeClr val="accent6"/>
-          </a:effectRef>
-          <a:fontRef idx="minor">
-            <a:schemeClr val="dk1"/>
-          </a:fontRef>
-        </p:style>
-        <p:txBody>
-          <a:bodyPr rtlCol="0" anchor="ctr"/>
-          <a:lstStyle/>
-          <a:p>
-            <a:r>
-              <a:rPr lang="en-GB" sz="800" dirty="0"/>
-              <a:t>……</a:t>
-            </a:r>
-          </a:p>
-          <a:p>
-            <a:r>
-              <a:rPr lang="en-GB" sz="800" dirty="0"/>
-              <a:t>…....</a:t>
-            </a:r>
-          </a:p>
-          <a:p>
-            <a:r>
-              <a:rPr lang="en-GB" sz="800" dirty="0"/>
-              <a:t>………</a:t>
-            </a:r>
-          </a:p>
-        </p:txBody>
-      </p:sp>
-      <p:sp>
-        <p:nvSpPr>
-          <p:cNvPr id="99" name="Card 98">
-            <a:extLst>
-              <a:ext uri="{FF2B5EF4-FFF2-40B4-BE49-F238E27FC236}">
-                <a16:creationId xmlns:a16="http://schemas.microsoft.com/office/drawing/2014/main" id="{052F1BF0-F11A-464D-95F9-1CA1CD2087FA}"/>
-              </a:ext>
-            </a:extLst>
-          </p:cNvPr>
-          <p:cNvSpPr/>
-          <p:nvPr/>
-        </p:nvSpPr>
-        <p:spPr>
-          <a:xfrm>
-            <a:off x="1177577" y="3380988"/>
-            <a:ext cx="414068" cy="487391"/>
-          </a:xfrm>
-          <a:prstGeom prst="flowChartPunchedCard">
-            <a:avLst/>
-          </a:prstGeom>
-          <a:solidFill>
-            <a:srgbClr val="00B050"/>
-          </a:solidFill>
-        </p:spPr>
-        <p:style>
-          <a:lnRef idx="2">
-            <a:schemeClr val="accent6"/>
-          </a:lnRef>
-          <a:fillRef idx="1">
-            <a:schemeClr val="lt1"/>
-          </a:fillRef>
-          <a:effectRef idx="0">
-            <a:schemeClr val="accent6"/>
-          </a:effectRef>
-          <a:fontRef idx="minor">
-            <a:schemeClr val="dk1"/>
-          </a:fontRef>
-        </p:style>
-        <p:txBody>
-          <a:bodyPr rtlCol="0" anchor="ctr"/>
-          <a:lstStyle/>
-          <a:p>
-            <a:r>
-              <a:rPr lang="en-GB" sz="800" dirty="0"/>
-              <a:t>……</a:t>
-            </a:r>
-          </a:p>
-          <a:p>
-            <a:r>
-              <a:rPr lang="en-GB" sz="800" dirty="0"/>
-              <a:t>…....</a:t>
-            </a:r>
-          </a:p>
-          <a:p>
-            <a:r>
-              <a:rPr lang="en-GB" sz="800" dirty="0"/>
-              <a:t>………</a:t>
-            </a:r>
-          </a:p>
-        </p:txBody>
-      </p:sp>
-      <p:sp>
-        <p:nvSpPr>
-          <p:cNvPr id="100" name="Card 99">
-            <a:extLst>
-              <a:ext uri="{FF2B5EF4-FFF2-40B4-BE49-F238E27FC236}">
-                <a16:creationId xmlns:a16="http://schemas.microsoft.com/office/drawing/2014/main" id="{C0386C42-97D5-E948-A977-D236C8CE727F}"/>
-              </a:ext>
-            </a:extLst>
-          </p:cNvPr>
-          <p:cNvSpPr/>
-          <p:nvPr/>
-        </p:nvSpPr>
-        <p:spPr>
-          <a:xfrm>
-            <a:off x="1329977" y="3533388"/>
-            <a:ext cx="414068" cy="487391"/>
-          </a:xfrm>
-          <a:prstGeom prst="flowChartPunchedCard">
-            <a:avLst/>
-          </a:prstGeom>
-          <a:solidFill>
-            <a:srgbClr val="00B050"/>
-          </a:solidFill>
-        </p:spPr>
-        <p:style>
-          <a:lnRef idx="2">
-            <a:schemeClr val="accent6"/>
-          </a:lnRef>
-          <a:fillRef idx="1">
-            <a:schemeClr val="lt1"/>
-          </a:fillRef>
-          <a:effectRef idx="0">
-            <a:schemeClr val="accent6"/>
-          </a:effectRef>
-          <a:fontRef idx="minor">
-            <a:schemeClr val="dk1"/>
-          </a:fontRef>
-        </p:style>
-        <p:txBody>
-          <a:bodyPr rtlCol="0" anchor="ctr"/>
-          <a:lstStyle/>
-          <a:p>
-            <a:r>
-              <a:rPr lang="en-GB" sz="800" dirty="0"/>
-              <a:t>……</a:t>
-            </a:r>
-          </a:p>
-          <a:p>
-            <a:r>
-              <a:rPr lang="en-GB" sz="800" dirty="0"/>
-              <a:t>…....</a:t>
-            </a:r>
-          </a:p>
-          <a:p>
-            <a:r>
-              <a:rPr lang="en-GB" sz="800" dirty="0"/>
-              <a:t>………</a:t>
-            </a:r>
-          </a:p>
-        </p:txBody>
-      </p:sp>
-      <p:sp>
-        <p:nvSpPr>
-          <p:cNvPr id="101" name="Card 100">
-            <a:extLst>
-              <a:ext uri="{FF2B5EF4-FFF2-40B4-BE49-F238E27FC236}">
-                <a16:creationId xmlns:a16="http://schemas.microsoft.com/office/drawing/2014/main" id="{B281A193-2117-304E-88B0-3B44AEE9405A}"/>
-              </a:ext>
-            </a:extLst>
-          </p:cNvPr>
-          <p:cNvSpPr/>
-          <p:nvPr/>
-        </p:nvSpPr>
-        <p:spPr>
-          <a:xfrm>
-            <a:off x="1482377" y="3685788"/>
-            <a:ext cx="414068" cy="487391"/>
-          </a:xfrm>
-          <a:prstGeom prst="flowChartPunchedCard">
-            <a:avLst/>
-          </a:prstGeom>
-          <a:solidFill>
-            <a:srgbClr val="FF0000"/>
-          </a:solidFill>
-        </p:spPr>
-        <p:style>
-          <a:lnRef idx="2">
-            <a:schemeClr val="accent6"/>
-          </a:lnRef>
-          <a:fillRef idx="1">
-            <a:schemeClr val="lt1"/>
-          </a:fillRef>
-          <a:effectRef idx="0">
-            <a:schemeClr val="accent6"/>
-          </a:effectRef>
-          <a:fontRef idx="minor">
-            <a:schemeClr val="dk1"/>
-          </a:fontRef>
-        </p:style>
-        <p:txBody>
-          <a:bodyPr rtlCol="0" anchor="ctr"/>
-          <a:lstStyle/>
-          <a:p>
-            <a:r>
-              <a:rPr lang="en-GB" sz="800" dirty="0"/>
-              <a:t>……</a:t>
-            </a:r>
-          </a:p>
-          <a:p>
-            <a:r>
-              <a:rPr lang="en-GB" sz="800" dirty="0"/>
-              <a:t>…....</a:t>
-            </a:r>
-          </a:p>
-          <a:p>
-            <a:r>
-              <a:rPr lang="en-GB" sz="800" dirty="0"/>
-              <a:t>………</a:t>
-            </a:r>
-          </a:p>
-        </p:txBody>
-      </p:sp>
-      <p:sp>
-        <p:nvSpPr>
-          <p:cNvPr id="49" name="Rectangle 48">
-            <a:extLst>
-              <a:ext uri="{FF2B5EF4-FFF2-40B4-BE49-F238E27FC236}">
-                <a16:creationId xmlns:a16="http://schemas.microsoft.com/office/drawing/2014/main" id="{9DB78436-F4E2-E849-92BB-D8574E1FB674}"/>
+          <p:cNvPr id="46" name="Rectangle 45">
+            <a:extLst>
+              <a:ext uri="{FF2B5EF4-FFF2-40B4-BE49-F238E27FC236}">
+                <a16:creationId xmlns:a16="http://schemas.microsoft.com/office/drawing/2014/main" id="{8A4A713F-FB46-A94A-979A-C4F2FA64B672}"/>
               </a:ext>
             </a:extLst>
           </p:cNvPr>
@@ -11724,10 +11774,10 @@
       </p:sp>
       <p:sp>
         <p:nvSpPr>
-          <p:cNvPr id="51" name="Rectangle 50">
-            <a:extLst>
-              <a:ext uri="{FF2B5EF4-FFF2-40B4-BE49-F238E27FC236}">
-                <a16:creationId xmlns:a16="http://schemas.microsoft.com/office/drawing/2014/main" id="{B2F4BEB2-3C95-0340-8262-0CAA224728D7}"/>
+          <p:cNvPr id="47" name="Rectangle 46">
+            <a:extLst>
+              <a:ext uri="{FF2B5EF4-FFF2-40B4-BE49-F238E27FC236}">
+                <a16:creationId xmlns:a16="http://schemas.microsoft.com/office/drawing/2014/main" id="{975708E9-8BFC-784F-A21E-1F80FF2B3A02}"/>
               </a:ext>
             </a:extLst>
           </p:cNvPr>
@@ -11775,7 +11825,7 @@
     </p:spTree>
     <p:extLst>
       <p:ext uri="{BB962C8B-B14F-4D97-AF65-F5344CB8AC3E}">
-        <p14:creationId xmlns:p14="http://schemas.microsoft.com/office/powerpoint/2010/main" val="1671606738"/>
+        <p14:creationId xmlns:p14="http://schemas.microsoft.com/office/powerpoint/2010/main" val="1552898468"/>
       </p:ext>
     </p:extLst>
   </p:cSld>
@@ -11854,30 +11904,133 @@
       </p:sp>
       <p:sp>
         <p:nvSpPr>
-          <p:cNvPr id="6" name="Rectangle 5">
-            <a:extLst>
-              <a:ext uri="{FF2B5EF4-FFF2-40B4-BE49-F238E27FC236}">
-                <a16:creationId xmlns:a16="http://schemas.microsoft.com/office/drawing/2014/main" id="{674060E9-ADD7-5340-9708-92DFAE845D40}"/>
-              </a:ext>
-            </a:extLst>
-          </p:cNvPr>
-          <p:cNvSpPr/>
-          <p:nvPr/>
-        </p:nvSpPr>
-        <p:spPr>
-          <a:xfrm>
-            <a:off x="365256" y="1111178"/>
-            <a:ext cx="11509348" cy="4635643"/>
+          <p:cNvPr id="12" name="TextBox 11">
+            <a:extLst>
+              <a:ext uri="{FF2B5EF4-FFF2-40B4-BE49-F238E27FC236}">
+                <a16:creationId xmlns:a16="http://schemas.microsoft.com/office/drawing/2014/main" id="{358E67CA-3C95-FF40-86BC-C555D6D7696D}"/>
+              </a:ext>
+            </a:extLst>
+          </p:cNvPr>
+          <p:cNvSpPr txBox="1"/>
+          <p:nvPr/>
+        </p:nvSpPr>
+        <p:spPr>
+          <a:xfrm>
+            <a:off x="439567" y="1166842"/>
+            <a:ext cx="11312865" cy="338554"/>
           </a:xfrm>
           <a:prstGeom prst="rect">
             <a:avLst/>
           </a:prstGeom>
           <a:noFill/>
           <a:ln>
-            <a:solidFill>
-              <a:schemeClr val="tx1"/>
-            </a:solidFill>
+            <a:noFill/>
           </a:ln>
+        </p:spPr>
+        <p:txBody>
+          <a:bodyPr wrap="square" rtlCol="0">
+            <a:spAutoFit/>
+          </a:bodyPr>
+          <a:lstStyle/>
+          <a:p>
+            <a:endParaRPr lang="en-GB" sz="1600" dirty="0"/>
+          </a:p>
+        </p:txBody>
+      </p:sp>
+      <p:sp>
+        <p:nvSpPr>
+          <p:cNvPr id="8" name="TextBox 7">
+            <a:extLst>
+              <a:ext uri="{FF2B5EF4-FFF2-40B4-BE49-F238E27FC236}">
+                <a16:creationId xmlns:a16="http://schemas.microsoft.com/office/drawing/2014/main" id="{F74E31B0-60C4-264B-81B0-3C82ABD4A195}"/>
+              </a:ext>
+            </a:extLst>
+          </p:cNvPr>
+          <p:cNvSpPr txBox="1"/>
+          <p:nvPr/>
+        </p:nvSpPr>
+        <p:spPr>
+          <a:xfrm>
+            <a:off x="317396" y="397225"/>
+            <a:ext cx="7013010" cy="369332"/>
+          </a:xfrm>
+          <a:prstGeom prst="rect">
+            <a:avLst/>
+          </a:prstGeom>
+          <a:noFill/>
+        </p:spPr>
+        <p:txBody>
+          <a:bodyPr wrap="none" rtlCol="0">
+            <a:spAutoFit/>
+          </a:bodyPr>
+          <a:lstStyle/>
+          <a:p>
+            <a:r>
+              <a:rPr lang="bg-BG" dirty="0"/>
+              <a:t>Подобрен модел за управление на риска във фирма използваща </a:t>
+            </a:r>
+            <a:r>
+              <a:rPr lang="en-GB" dirty="0"/>
+              <a:t>Java</a:t>
+            </a:r>
+          </a:p>
+        </p:txBody>
+      </p:sp>
+      <p:pic>
+        <p:nvPicPr>
+          <p:cNvPr id="5" name="Picture 4" descr="Icon&#10;&#10;Description automatically generated">
+            <a:extLst>
+              <a:ext uri="{FF2B5EF4-FFF2-40B4-BE49-F238E27FC236}">
+                <a16:creationId xmlns:a16="http://schemas.microsoft.com/office/drawing/2014/main" id="{58D6A044-522B-D14B-AF83-57E764BE435F}"/>
+              </a:ext>
+            </a:extLst>
+          </p:cNvPr>
+          <p:cNvPicPr>
+            <a:picLocks noChangeAspect="1"/>
+          </p:cNvPicPr>
+          <p:nvPr/>
+        </p:nvPicPr>
+        <p:blipFill>
+          <a:blip r:embed="rId2"/>
+          <a:stretch>
+            <a:fillRect/>
+          </a:stretch>
+        </p:blipFill>
+        <p:spPr>
+          <a:xfrm>
+            <a:off x="1957786" y="1502469"/>
+            <a:ext cx="667705" cy="667705"/>
+          </a:xfrm>
+          <a:prstGeom prst="rect">
+            <a:avLst/>
+          </a:prstGeom>
+        </p:spPr>
+      </p:pic>
+      <p:sp>
+        <p:nvSpPr>
+          <p:cNvPr id="9" name="Rounded Rectangle 8">
+            <a:extLst>
+              <a:ext uri="{FF2B5EF4-FFF2-40B4-BE49-F238E27FC236}">
+                <a16:creationId xmlns:a16="http://schemas.microsoft.com/office/drawing/2014/main" id="{53ED97FC-BB1D-6B4B-865A-ACCC98B9807F}"/>
+              </a:ext>
+            </a:extLst>
+          </p:cNvPr>
+          <p:cNvSpPr/>
+          <p:nvPr/>
+        </p:nvSpPr>
+        <p:spPr>
+          <a:xfrm>
+            <a:off x="2819868" y="1166842"/>
+            <a:ext cx="4201063" cy="1354345"/>
+          </a:xfrm>
+          <a:prstGeom prst="roundRect">
+            <a:avLst/>
+          </a:prstGeom>
+          <a:solidFill>
+            <a:schemeClr val="bg1">
+              <a:lumMod val="95000"/>
+            </a:schemeClr>
+          </a:solidFill>
         </p:spPr>
         <p:style>
           <a:lnRef idx="2">
@@ -11894,55 +12047,22 @@
           </a:fontRef>
         </p:style>
         <p:txBody>
-          <a:bodyPr rtlCol="0" anchor="ctr"/>
-          <a:lstStyle/>
-          <a:p>
-            <a:pPr algn="ctr"/>
-            <a:endParaRPr lang="en-GB"/>
-          </a:p>
-        </p:txBody>
-      </p:sp>
-      <p:sp>
-        <p:nvSpPr>
-          <p:cNvPr id="12" name="TextBox 11">
-            <a:extLst>
-              <a:ext uri="{FF2B5EF4-FFF2-40B4-BE49-F238E27FC236}">
-                <a16:creationId xmlns:a16="http://schemas.microsoft.com/office/drawing/2014/main" id="{358E67CA-3C95-FF40-86BC-C555D6D7696D}"/>
-              </a:ext>
-            </a:extLst>
-          </p:cNvPr>
-          <p:cNvSpPr txBox="1"/>
-          <p:nvPr/>
-        </p:nvSpPr>
-        <p:spPr>
-          <a:xfrm>
-            <a:off x="439567" y="1166842"/>
-            <a:ext cx="11312865" cy="338554"/>
-          </a:xfrm>
-          <a:prstGeom prst="rect">
-            <a:avLst/>
-          </a:prstGeom>
-          <a:noFill/>
-          <a:ln>
-            <a:noFill/>
-          </a:ln>
-        </p:spPr>
-        <p:txBody>
-          <a:bodyPr wrap="square" rtlCol="0">
-            <a:spAutoFit/>
-          </a:bodyPr>
-          <a:lstStyle/>
-          <a:p>
-            <a:endParaRPr lang="en-GB" sz="1600" dirty="0"/>
-          </a:p>
-        </p:txBody>
-      </p:sp>
-      <p:sp>
-        <p:nvSpPr>
-          <p:cNvPr id="8" name="Card 7">
-            <a:extLst>
-              <a:ext uri="{FF2B5EF4-FFF2-40B4-BE49-F238E27FC236}">
-                <a16:creationId xmlns:a16="http://schemas.microsoft.com/office/drawing/2014/main" id="{83AE707E-5960-B349-895E-8DB3531A0ACD}"/>
+          <a:bodyPr rtlCol="0" anchor="t" anchorCtr="0"/>
+          <a:lstStyle/>
+          <a:p>
+            <a:r>
+              <a:rPr lang="en-GB" sz="1600" b="1" dirty="0"/>
+              <a:t>CI PIPELINE</a:t>
+            </a:r>
+          </a:p>
+        </p:txBody>
+      </p:sp>
+      <p:sp>
+        <p:nvSpPr>
+          <p:cNvPr id="10" name="Chevron 9">
+            <a:extLst>
+              <a:ext uri="{FF2B5EF4-FFF2-40B4-BE49-F238E27FC236}">
+                <a16:creationId xmlns:a16="http://schemas.microsoft.com/office/drawing/2014/main" id="{61C206E4-C04C-324E-9D4C-97F002B52656}"/>
               </a:ext>
             </a:extLst>
           </p:cNvPr>
@@ -11951,14 +12071,14 @@
         </p:nvSpPr>
         <p:spPr>
           <a:xfrm>
-            <a:off x="1392256" y="1286569"/>
-            <a:ext cx="525170" cy="614515"/>
-          </a:xfrm>
-          <a:prstGeom prst="flowChartPunchedCard">
+            <a:off x="2924273" y="1535657"/>
+            <a:ext cx="1624196" cy="905773"/>
+          </a:xfrm>
+          <a:prstGeom prst="chevron">
             <a:avLst/>
           </a:prstGeom>
           <a:solidFill>
-            <a:srgbClr val="00B050"/>
+            <a:srgbClr val="FF0000"/>
           </a:solidFill>
         </p:spPr>
         <p:style>
@@ -11979,19 +12099,24 @@
           <a:bodyPr rtlCol="0" anchor="ctr"/>
           <a:lstStyle/>
           <a:p>
-            <a:r>
-              <a:rPr lang="en-GB" sz="1200" b="1" dirty="0"/>
-              <a:t>POM</a:t>
-            </a:r>
-          </a:p>
-        </p:txBody>
-      </p:sp>
-      <p:sp>
-        <p:nvSpPr>
-          <p:cNvPr id="9" name="Card 8">
-            <a:extLst>
-              <a:ext uri="{FF2B5EF4-FFF2-40B4-BE49-F238E27FC236}">
-                <a16:creationId xmlns:a16="http://schemas.microsoft.com/office/drawing/2014/main" id="{A151DF3E-E06D-0348-A204-81ACA9862DAF}"/>
+            <a:pPr algn="ctr"/>
+            <a:r>
+              <a:rPr lang="en-GB" sz="1200" b="1" dirty="0">
+                <a:solidFill>
+                  <a:schemeClr val="tx1"/>
+                </a:solidFill>
+              </a:rPr>
+              <a:t>Build</a:t>
+            </a:r>
+          </a:p>
+        </p:txBody>
+      </p:sp>
+      <p:sp>
+        <p:nvSpPr>
+          <p:cNvPr id="13" name="Chevron 12">
+            <a:extLst>
+              <a:ext uri="{FF2B5EF4-FFF2-40B4-BE49-F238E27FC236}">
+                <a16:creationId xmlns:a16="http://schemas.microsoft.com/office/drawing/2014/main" id="{D7F2E358-4CD8-C246-8347-6842F47387B3}"/>
               </a:ext>
             </a:extLst>
           </p:cNvPr>
@@ -12000,14 +12125,14 @@
         </p:nvSpPr>
         <p:spPr>
           <a:xfrm>
-            <a:off x="9546555" y="1286569"/>
-            <a:ext cx="525170" cy="614515"/>
-          </a:xfrm>
-          <a:prstGeom prst="flowChartPunchedCard">
+            <a:off x="4226416" y="1527029"/>
+            <a:ext cx="1526875" cy="905773"/>
+          </a:xfrm>
+          <a:prstGeom prst="chevron">
             <a:avLst/>
           </a:prstGeom>
           <a:solidFill>
-            <a:srgbClr val="00B050"/>
+            <a:srgbClr val="FF0000"/>
           </a:solidFill>
         </p:spPr>
         <p:style>
@@ -12028,19 +12153,24 @@
           <a:bodyPr rtlCol="0" anchor="ctr"/>
           <a:lstStyle/>
           <a:p>
-            <a:r>
-              <a:rPr lang="en-GB" sz="1200" b="1" dirty="0"/>
-              <a:t>POM</a:t>
-            </a:r>
-          </a:p>
-        </p:txBody>
-      </p:sp>
-      <p:sp>
-        <p:nvSpPr>
-          <p:cNvPr id="10" name="Card 9">
-            <a:extLst>
-              <a:ext uri="{FF2B5EF4-FFF2-40B4-BE49-F238E27FC236}">
-                <a16:creationId xmlns:a16="http://schemas.microsoft.com/office/drawing/2014/main" id="{90A73293-8A06-0949-B82A-17FA6B5980A5}"/>
+            <a:pPr algn="ctr"/>
+            <a:r>
+              <a:rPr lang="en-GB" sz="1200" b="1" dirty="0">
+                <a:solidFill>
+                  <a:schemeClr val="tx1"/>
+                </a:solidFill>
+              </a:rPr>
+              <a:t>Test</a:t>
+            </a:r>
+          </a:p>
+        </p:txBody>
+      </p:sp>
+      <p:sp>
+        <p:nvSpPr>
+          <p:cNvPr id="14" name="Chevron 13">
+            <a:extLst>
+              <a:ext uri="{FF2B5EF4-FFF2-40B4-BE49-F238E27FC236}">
+                <a16:creationId xmlns:a16="http://schemas.microsoft.com/office/drawing/2014/main" id="{12AEB92A-6AD6-D747-ADE0-D6CE43301D3C}"/>
               </a:ext>
             </a:extLst>
           </p:cNvPr>
@@ -12049,14 +12179,14 @@
         </p:nvSpPr>
         <p:spPr>
           <a:xfrm>
-            <a:off x="615782" y="2844259"/>
-            <a:ext cx="525170" cy="614515"/>
-          </a:xfrm>
-          <a:prstGeom prst="flowChartPunchedCard">
+            <a:off x="5396735" y="1527028"/>
+            <a:ext cx="1526875" cy="905773"/>
+          </a:xfrm>
+          <a:prstGeom prst="chevron">
             <a:avLst/>
           </a:prstGeom>
           <a:solidFill>
-            <a:srgbClr val="00B050"/>
+            <a:srgbClr val="FF0000"/>
           </a:solidFill>
         </p:spPr>
         <p:style>
@@ -12077,19 +12207,144 @@
           <a:bodyPr rtlCol="0" anchor="ctr"/>
           <a:lstStyle/>
           <a:p>
-            <a:r>
-              <a:rPr lang="en-GB" sz="1200" b="1" dirty="0"/>
-              <a:t>………………………</a:t>
-            </a:r>
-          </a:p>
-        </p:txBody>
-      </p:sp>
-      <p:sp>
-        <p:nvSpPr>
-          <p:cNvPr id="13" name="Card 12">
-            <a:extLst>
-              <a:ext uri="{FF2B5EF4-FFF2-40B4-BE49-F238E27FC236}">
-                <a16:creationId xmlns:a16="http://schemas.microsoft.com/office/drawing/2014/main" id="{86FEDE95-4201-A545-97F6-AD7C1B7272D4}"/>
+            <a:pPr algn="ctr"/>
+            <a:r>
+              <a:rPr lang="en-GB" sz="1200" b="1" dirty="0">
+                <a:solidFill>
+                  <a:schemeClr val="tx1"/>
+                </a:solidFill>
+              </a:rPr>
+              <a:t>Integration</a:t>
+            </a:r>
+          </a:p>
+        </p:txBody>
+      </p:sp>
+      <p:pic>
+        <p:nvPicPr>
+          <p:cNvPr id="15" name="Picture 14" descr="Logo, company name&#10;&#10;Description automatically generated">
+            <a:extLst>
+              <a:ext uri="{FF2B5EF4-FFF2-40B4-BE49-F238E27FC236}">
+                <a16:creationId xmlns:a16="http://schemas.microsoft.com/office/drawing/2014/main" id="{3541CC51-1699-334D-89BB-37E62298C5D7}"/>
+              </a:ext>
+            </a:extLst>
+          </p:cNvPr>
+          <p:cNvPicPr>
+            <a:picLocks noChangeAspect="1"/>
+          </p:cNvPicPr>
+          <p:nvPr/>
+        </p:nvPicPr>
+        <p:blipFill>
+          <a:blip r:embed="rId3"/>
+          <a:stretch>
+            <a:fillRect/>
+          </a:stretch>
+        </p:blipFill>
+        <p:spPr>
+          <a:xfrm>
+            <a:off x="481157" y="2029128"/>
+            <a:ext cx="1583917" cy="570781"/>
+          </a:xfrm>
+          <a:prstGeom prst="rect">
+            <a:avLst/>
+          </a:prstGeom>
+        </p:spPr>
+      </p:pic>
+      <p:pic>
+        <p:nvPicPr>
+          <p:cNvPr id="3" name="Picture 2" descr="Logo&#10;&#10;Description automatically generated">
+            <a:extLst>
+              <a:ext uri="{FF2B5EF4-FFF2-40B4-BE49-F238E27FC236}">
+                <a16:creationId xmlns:a16="http://schemas.microsoft.com/office/drawing/2014/main" id="{14FDDBAF-9996-C448-B32A-191FB8C5AE31}"/>
+              </a:ext>
+            </a:extLst>
+          </p:cNvPr>
+          <p:cNvPicPr>
+            <a:picLocks noChangeAspect="1"/>
+          </p:cNvPicPr>
+          <p:nvPr/>
+        </p:nvPicPr>
+        <p:blipFill>
+          <a:blip r:embed="rId4"/>
+          <a:stretch>
+            <a:fillRect/>
+          </a:stretch>
+        </p:blipFill>
+        <p:spPr>
+          <a:xfrm>
+            <a:off x="179655" y="1117043"/>
+            <a:ext cx="1814382" cy="1030762"/>
+          </a:xfrm>
+          <a:prstGeom prst="rect">
+            <a:avLst/>
+          </a:prstGeom>
+        </p:spPr>
+      </p:pic>
+      <p:pic>
+        <p:nvPicPr>
+          <p:cNvPr id="16" name="Picture 15" descr="Logo&#10;&#10;Description automatically generated">
+            <a:extLst>
+              <a:ext uri="{FF2B5EF4-FFF2-40B4-BE49-F238E27FC236}">
+                <a16:creationId xmlns:a16="http://schemas.microsoft.com/office/drawing/2014/main" id="{1A8300B8-CEC7-674D-B543-7CD5DFBD4F54}"/>
+              </a:ext>
+            </a:extLst>
+          </p:cNvPr>
+          <p:cNvPicPr>
+            <a:picLocks noChangeAspect="1"/>
+          </p:cNvPicPr>
+          <p:nvPr/>
+        </p:nvPicPr>
+        <p:blipFill>
+          <a:blip r:embed="rId4"/>
+          <a:stretch>
+            <a:fillRect/>
+          </a:stretch>
+        </p:blipFill>
+        <p:spPr>
+          <a:xfrm>
+            <a:off x="3665405" y="1521565"/>
+            <a:ext cx="781388" cy="443912"/>
+          </a:xfrm>
+          <a:prstGeom prst="rect">
+            <a:avLst/>
+          </a:prstGeom>
+        </p:spPr>
+      </p:pic>
+      <p:pic>
+        <p:nvPicPr>
+          <p:cNvPr id="17" name="Picture 16" descr="Logo, company name&#10;&#10;Description automatically generated">
+            <a:extLst>
+              <a:ext uri="{FF2B5EF4-FFF2-40B4-BE49-F238E27FC236}">
+                <a16:creationId xmlns:a16="http://schemas.microsoft.com/office/drawing/2014/main" id="{F0752CB4-AF26-374C-AF28-07C5FA6970A4}"/>
+              </a:ext>
+            </a:extLst>
+          </p:cNvPr>
+          <p:cNvPicPr>
+            <a:picLocks noChangeAspect="1"/>
+          </p:cNvPicPr>
+          <p:nvPr/>
+        </p:nvPicPr>
+        <p:blipFill>
+          <a:blip r:embed="rId3"/>
+          <a:stretch>
+            <a:fillRect/>
+          </a:stretch>
+        </p:blipFill>
+        <p:spPr>
+          <a:xfrm>
+            <a:off x="3315851" y="2105857"/>
+            <a:ext cx="719090" cy="259133"/>
+          </a:xfrm>
+          <a:prstGeom prst="rect">
+            <a:avLst/>
+          </a:prstGeom>
+        </p:spPr>
+      </p:pic>
+      <p:sp>
+        <p:nvSpPr>
+          <p:cNvPr id="18" name="Rounded Rectangle 17">
+            <a:extLst>
+              <a:ext uri="{FF2B5EF4-FFF2-40B4-BE49-F238E27FC236}">
+                <a16:creationId xmlns:a16="http://schemas.microsoft.com/office/drawing/2014/main" id="{443F2FC2-80B6-304E-9300-46D79A7F16C6}"/>
               </a:ext>
             </a:extLst>
           </p:cNvPr>
@@ -12098,14 +12353,16 @@
         </p:nvSpPr>
         <p:spPr>
           <a:xfrm>
-            <a:off x="2176539" y="2844260"/>
-            <a:ext cx="525170" cy="614515"/>
-          </a:xfrm>
-          <a:prstGeom prst="flowChartPunchedCard">
+            <a:off x="7347236" y="1166842"/>
+            <a:ext cx="4201063" cy="1354345"/>
+          </a:xfrm>
+          <a:prstGeom prst="roundRect">
             <a:avLst/>
           </a:prstGeom>
           <a:solidFill>
-            <a:srgbClr val="00B050"/>
+            <a:schemeClr val="bg1">
+              <a:lumMod val="95000"/>
+            </a:schemeClr>
           </a:solidFill>
         </p:spPr>
         <p:style>
@@ -12123,22 +12380,22 @@
           </a:fontRef>
         </p:style>
         <p:txBody>
-          <a:bodyPr rtlCol="0" anchor="ctr"/>
-          <a:lstStyle/>
-          <a:p>
-            <a:r>
-              <a:rPr lang="en-GB" sz="1200" b="1" dirty="0"/>
-              <a:t>………………………</a:t>
-            </a:r>
-          </a:p>
-        </p:txBody>
-      </p:sp>
-      <p:sp>
-        <p:nvSpPr>
-          <p:cNvPr id="3" name="Rectangle 2">
-            <a:extLst>
-              <a:ext uri="{FF2B5EF4-FFF2-40B4-BE49-F238E27FC236}">
-                <a16:creationId xmlns:a16="http://schemas.microsoft.com/office/drawing/2014/main" id="{DEFEB219-894A-7842-925C-1402698F65F6}"/>
+          <a:bodyPr rtlCol="0" anchor="t" anchorCtr="0"/>
+          <a:lstStyle/>
+          <a:p>
+            <a:r>
+              <a:rPr lang="en-GB" sz="1600" b="1" dirty="0"/>
+              <a:t>CD PIPELINE</a:t>
+            </a:r>
+          </a:p>
+        </p:txBody>
+      </p:sp>
+      <p:sp>
+        <p:nvSpPr>
+          <p:cNvPr id="19" name="Chevron 18">
+            <a:extLst>
+              <a:ext uri="{FF2B5EF4-FFF2-40B4-BE49-F238E27FC236}">
+                <a16:creationId xmlns:a16="http://schemas.microsoft.com/office/drawing/2014/main" id="{EEF06C84-E66E-A844-B2C0-678BA36EDE27}"/>
               </a:ext>
             </a:extLst>
           </p:cNvPr>
@@ -12147,18 +12404,15 @@
         </p:nvSpPr>
         <p:spPr>
           <a:xfrm>
-            <a:off x="2379359" y="1432602"/>
-            <a:ext cx="2674189" cy="307258"/>
-          </a:xfrm>
-          <a:prstGeom prst="rect">
+            <a:off x="7548961" y="1535657"/>
+            <a:ext cx="1526875" cy="905773"/>
+          </a:xfrm>
+          <a:prstGeom prst="chevron">
             <a:avLst/>
           </a:prstGeom>
           <a:solidFill>
-            <a:srgbClr val="00B050"/>
+            <a:srgbClr val="FF0000"/>
           </a:solidFill>
-          <a:ln w="19050">
-            <a:prstDash val="dash"/>
-          </a:ln>
         </p:spPr>
         <p:style>
           <a:lnRef idx="2">
@@ -12180,71 +12434,22 @@
           <a:p>
             <a:pPr algn="ctr"/>
             <a:r>
-              <a:rPr lang="en-GB" sz="1000" dirty="0"/>
-              <a:t>org.apache.logging.log4j:log4j-core:</a:t>
-            </a:r>
-            <a:r>
-              <a:rPr lang="en-GB" sz="1000" dirty="0">
-                <a:highlight>
-                  <a:srgbClr val="00FF00"/>
-                </a:highlight>
+              <a:rPr lang="en-GB" sz="1200" b="1" dirty="0">
+                <a:solidFill>
+                  <a:schemeClr val="tx1"/>
+                </a:solidFill>
               </a:rPr>
-              <a:t>2.17.0</a:t>
-            </a:r>
-          </a:p>
-        </p:txBody>
-      </p:sp>
-      <p:cxnSp>
-        <p:nvCxnSpPr>
-          <p:cNvPr id="14" name="Straight Connector 13">
-            <a:extLst>
-              <a:ext uri="{FF2B5EF4-FFF2-40B4-BE49-F238E27FC236}">
-                <a16:creationId xmlns:a16="http://schemas.microsoft.com/office/drawing/2014/main" id="{175BE92A-72DC-094A-9E49-5A95FC847E11}"/>
-              </a:ext>
-            </a:extLst>
-          </p:cNvPr>
-          <p:cNvCxnSpPr>
-            <a:stCxn id="8" idx="3"/>
-            <a:endCxn id="3" idx="1"/>
-          </p:cNvCxnSpPr>
-          <p:nvPr/>
-        </p:nvCxnSpPr>
-        <p:spPr>
-          <a:xfrm flipV="1">
-            <a:off x="1917426" y="1586231"/>
-            <a:ext cx="461933" cy="7596"/>
-          </a:xfrm>
-          <a:prstGeom prst="line">
-            <a:avLst/>
-          </a:prstGeom>
-          <a:ln w="19050">
-            <a:solidFill>
-              <a:schemeClr val="tx1"/>
-            </a:solidFill>
-            <a:prstDash val="dash"/>
-          </a:ln>
-        </p:spPr>
-        <p:style>
-          <a:lnRef idx="1">
-            <a:schemeClr val="accent1"/>
-          </a:lnRef>
-          <a:fillRef idx="0">
-            <a:schemeClr val="accent1"/>
-          </a:fillRef>
-          <a:effectRef idx="0">
-            <a:schemeClr val="accent1"/>
-          </a:effectRef>
-          <a:fontRef idx="minor">
-            <a:schemeClr val="tx1"/>
-          </a:fontRef>
-        </p:style>
-      </p:cxnSp>
-      <p:sp>
-        <p:nvSpPr>
-          <p:cNvPr id="16" name="Rectangle 15">
-            <a:extLst>
-              <a:ext uri="{FF2B5EF4-FFF2-40B4-BE49-F238E27FC236}">
-                <a16:creationId xmlns:a16="http://schemas.microsoft.com/office/drawing/2014/main" id="{CD930F30-B32E-E540-B8D2-AE7A4CB7A450}"/>
+              <a:t>QA</a:t>
+            </a:r>
+          </a:p>
+        </p:txBody>
+      </p:sp>
+      <p:sp>
+        <p:nvSpPr>
+          <p:cNvPr id="20" name="Chevron 19">
+            <a:extLst>
+              <a:ext uri="{FF2B5EF4-FFF2-40B4-BE49-F238E27FC236}">
+                <a16:creationId xmlns:a16="http://schemas.microsoft.com/office/drawing/2014/main" id="{53852605-7EC1-974F-98C9-308F5FFEE6EE}"/>
               </a:ext>
             </a:extLst>
           </p:cNvPr>
@@ -12253,18 +12458,15 @@
         </p:nvSpPr>
         <p:spPr>
           <a:xfrm>
-            <a:off x="1566112" y="3924311"/>
-            <a:ext cx="2674189" cy="307258"/>
-          </a:xfrm>
-          <a:prstGeom prst="rect">
+            <a:off x="8753784" y="1527029"/>
+            <a:ext cx="1526875" cy="905773"/>
+          </a:xfrm>
+          <a:prstGeom prst="chevron">
             <a:avLst/>
           </a:prstGeom>
           <a:solidFill>
-            <a:srgbClr val="C00000"/>
+            <a:srgbClr val="FF0000"/>
           </a:solidFill>
-          <a:ln w="19050">
-            <a:prstDash val="dash"/>
-          </a:ln>
         </p:spPr>
         <p:style>
           <a:lnRef idx="2">
@@ -12286,72 +12488,22 @@
           <a:p>
             <a:pPr algn="ctr"/>
             <a:r>
-              <a:rPr lang="en-GB" sz="1000" dirty="0"/>
-              <a:t>org.apache.logging.log4j:log4j-core:</a:t>
-            </a:r>
-            <a:r>
-              <a:rPr lang="en-GB" sz="1000" dirty="0">
-                <a:highlight>
-                  <a:srgbClr val="FF0000"/>
-                </a:highlight>
+              <a:rPr lang="en-GB" sz="1200" b="1" dirty="0">
+                <a:solidFill>
+                  <a:schemeClr val="tx1"/>
+                </a:solidFill>
               </a:rPr>
-              <a:t>2.13.0</a:t>
-            </a:r>
-          </a:p>
-        </p:txBody>
-      </p:sp>
-      <p:cxnSp>
-        <p:nvCxnSpPr>
-          <p:cNvPr id="17" name="Straight Connector 16">
-            <a:extLst>
-              <a:ext uri="{FF2B5EF4-FFF2-40B4-BE49-F238E27FC236}">
-                <a16:creationId xmlns:a16="http://schemas.microsoft.com/office/drawing/2014/main" id="{974C56B7-FA9A-E543-A460-EB6F154F261F}"/>
-              </a:ext>
-            </a:extLst>
-          </p:cNvPr>
-          <p:cNvCxnSpPr>
-            <a:cxnSpLocks/>
-            <a:stCxn id="13" idx="2"/>
-            <a:endCxn id="16" idx="0"/>
-          </p:cNvCxnSpPr>
-          <p:nvPr/>
-        </p:nvCxnSpPr>
-        <p:spPr>
-          <a:xfrm>
-            <a:off x="2439124" y="3458775"/>
-            <a:ext cx="464083" cy="465536"/>
-          </a:xfrm>
-          <a:prstGeom prst="line">
-            <a:avLst/>
-          </a:prstGeom>
-          <a:ln w="19050">
-            <a:solidFill>
-              <a:schemeClr val="tx1"/>
-            </a:solidFill>
-            <a:prstDash val="dash"/>
-          </a:ln>
-        </p:spPr>
-        <p:style>
-          <a:lnRef idx="1">
-            <a:schemeClr val="accent1"/>
-          </a:lnRef>
-          <a:fillRef idx="0">
-            <a:schemeClr val="accent1"/>
-          </a:fillRef>
-          <a:effectRef idx="0">
-            <a:schemeClr val="accent1"/>
-          </a:effectRef>
-          <a:fontRef idx="minor">
-            <a:schemeClr val="tx1"/>
-          </a:fontRef>
-        </p:style>
-      </p:cxnSp>
-      <p:sp>
-        <p:nvSpPr>
-          <p:cNvPr id="18" name="Rectangle 17">
-            <a:extLst>
-              <a:ext uri="{FF2B5EF4-FFF2-40B4-BE49-F238E27FC236}">
-                <a16:creationId xmlns:a16="http://schemas.microsoft.com/office/drawing/2014/main" id="{8188424E-B243-124D-8A35-1A69DCDD2BFF}"/>
+              <a:t>STAGE</a:t>
+            </a:r>
+          </a:p>
+        </p:txBody>
+      </p:sp>
+      <p:sp>
+        <p:nvSpPr>
+          <p:cNvPr id="21" name="Chevron 20">
+            <a:extLst>
+              <a:ext uri="{FF2B5EF4-FFF2-40B4-BE49-F238E27FC236}">
+                <a16:creationId xmlns:a16="http://schemas.microsoft.com/office/drawing/2014/main" id="{FDFE0ED8-7627-7349-9BC5-535983C5B0EA}"/>
               </a:ext>
             </a:extLst>
           </p:cNvPr>
@@ -12360,18 +12512,15 @@
         </p:nvSpPr>
         <p:spPr>
           <a:xfrm>
-            <a:off x="478804" y="5146381"/>
-            <a:ext cx="2674189" cy="307258"/>
-          </a:xfrm>
-          <a:prstGeom prst="rect">
+            <a:off x="9924103" y="1527028"/>
+            <a:ext cx="1526875" cy="905773"/>
+          </a:xfrm>
+          <a:prstGeom prst="chevron">
             <a:avLst/>
           </a:prstGeom>
           <a:solidFill>
-            <a:srgbClr val="C00000"/>
+            <a:srgbClr val="00B050"/>
           </a:solidFill>
-          <a:ln w="19050">
-            <a:prstDash val="dash"/>
-          </a:ln>
         </p:spPr>
         <p:style>
           <a:lnRef idx="2">
@@ -12393,49 +12542,43 @@
           <a:p>
             <a:pPr algn="ctr"/>
             <a:r>
-              <a:rPr lang="en-GB" sz="1000" dirty="0"/>
-              <a:t>org.apache.logging.log4j:log4j-core:</a:t>
-            </a:r>
-            <a:r>
-              <a:rPr lang="en-GB" sz="1000" dirty="0">
-                <a:highlight>
-                  <a:srgbClr val="FF0000"/>
-                </a:highlight>
+              <a:rPr lang="en-GB" sz="1200" b="1" dirty="0">
+                <a:solidFill>
+                  <a:schemeClr val="tx1"/>
+                </a:solidFill>
               </a:rPr>
-              <a:t>2.14.0</a:t>
+              <a:t>PROD</a:t>
             </a:r>
           </a:p>
         </p:txBody>
       </p:sp>
       <p:cxnSp>
         <p:nvCxnSpPr>
-          <p:cNvPr id="19" name="Straight Connector 18">
-            <a:extLst>
-              <a:ext uri="{FF2B5EF4-FFF2-40B4-BE49-F238E27FC236}">
-                <a16:creationId xmlns:a16="http://schemas.microsoft.com/office/drawing/2014/main" id="{AC0CF9C3-DCB7-AB48-BE02-D47547C175BC}"/>
+          <p:cNvPr id="23" name="Straight Arrow Connector 22">
+            <a:extLst>
+              <a:ext uri="{FF2B5EF4-FFF2-40B4-BE49-F238E27FC236}">
+                <a16:creationId xmlns:a16="http://schemas.microsoft.com/office/drawing/2014/main" id="{5C1406E1-1EB7-5746-8E3F-C6741184D2B7}"/>
               </a:ext>
             </a:extLst>
           </p:cNvPr>
           <p:cNvCxnSpPr>
             <a:cxnSpLocks/>
-            <a:stCxn id="10" idx="2"/>
-            <a:endCxn id="18" idx="0"/>
           </p:cNvCxnSpPr>
           <p:nvPr/>
         </p:nvCxnSpPr>
         <p:spPr>
           <a:xfrm>
-            <a:off x="878367" y="3458774"/>
-            <a:ext cx="937532" cy="1687607"/>
-          </a:xfrm>
-          <a:prstGeom prst="line">
-            <a:avLst/>
-          </a:prstGeom>
-          <a:ln w="19050">
+            <a:off x="1307260" y="1640530"/>
+            <a:ext cx="785647" cy="44437"/>
+          </a:xfrm>
+          <a:prstGeom prst="straightConnector1">
+            <a:avLst/>
+          </a:prstGeom>
+          <a:ln>
             <a:solidFill>
               <a:schemeClr val="tx1"/>
             </a:solidFill>
-            <a:prstDash val="dash"/>
+            <a:tailEnd type="triangle"/>
           </a:ln>
         </p:spPr>
         <p:style>
@@ -12455,29 +12598,25 @@
       </p:cxnSp>
       <p:cxnSp>
         <p:nvCxnSpPr>
-          <p:cNvPr id="26" name="Elbow Connector 25">
-            <a:extLst>
-              <a:ext uri="{FF2B5EF4-FFF2-40B4-BE49-F238E27FC236}">
-                <a16:creationId xmlns:a16="http://schemas.microsoft.com/office/drawing/2014/main" id="{9F2D3F20-23C5-B146-9135-25D57EC47898}"/>
+          <p:cNvPr id="24" name="Straight Arrow Connector 23">
+            <a:extLst>
+              <a:ext uri="{FF2B5EF4-FFF2-40B4-BE49-F238E27FC236}">
+                <a16:creationId xmlns:a16="http://schemas.microsoft.com/office/drawing/2014/main" id="{AD11B659-23B8-744C-BDA1-812892A9783C}"/>
               </a:ext>
             </a:extLst>
           </p:cNvPr>
           <p:cNvCxnSpPr>
             <a:cxnSpLocks/>
-            <a:stCxn id="10" idx="0"/>
-            <a:endCxn id="8" idx="2"/>
           </p:cNvCxnSpPr>
           <p:nvPr/>
         </p:nvCxnSpPr>
         <p:spPr>
-          <a:xfrm rot="5400000" flipH="1" flipV="1">
-            <a:off x="795017" y="1984435"/>
-            <a:ext cx="943175" cy="776474"/>
-          </a:xfrm>
-          <a:prstGeom prst="bentConnector3">
-            <a:avLst>
-              <a:gd name="adj1" fmla="val 50000"/>
-            </a:avLst>
+          <a:xfrm flipV="1">
+            <a:off x="1548800" y="1958106"/>
+            <a:ext cx="524887" cy="294572"/>
+          </a:xfrm>
+          <a:prstGeom prst="straightConnector1">
+            <a:avLst/>
           </a:prstGeom>
           <a:ln>
             <a:solidFill>
@@ -12503,277 +12642,27 @@
       </p:cxnSp>
       <p:cxnSp>
         <p:nvCxnSpPr>
-          <p:cNvPr id="29" name="Elbow Connector 28">
-            <a:extLst>
-              <a:ext uri="{FF2B5EF4-FFF2-40B4-BE49-F238E27FC236}">
-                <a16:creationId xmlns:a16="http://schemas.microsoft.com/office/drawing/2014/main" id="{C58593FC-81E3-1D49-83F4-8D5399AC9D1E}"/>
-              </a:ext>
-            </a:extLst>
-          </p:cNvPr>
-          <p:cNvCxnSpPr>
-            <a:stCxn id="8" idx="2"/>
-            <a:endCxn id="13" idx="0"/>
-          </p:cNvCxnSpPr>
-          <p:nvPr/>
-        </p:nvCxnSpPr>
-        <p:spPr>
-          <a:xfrm rot="16200000" flipH="1">
-            <a:off x="1575394" y="1980530"/>
-            <a:ext cx="943176" cy="784283"/>
-          </a:xfrm>
-          <a:prstGeom prst="bentConnector3">
-            <a:avLst/>
-          </a:prstGeom>
-          <a:ln>
-            <a:solidFill>
-              <a:schemeClr val="tx1"/>
-            </a:solidFill>
-          </a:ln>
-        </p:spPr>
-        <p:style>
-          <a:lnRef idx="1">
-            <a:schemeClr val="accent1"/>
-          </a:lnRef>
-          <a:fillRef idx="0">
-            <a:schemeClr val="accent1"/>
-          </a:fillRef>
-          <a:effectRef idx="0">
-            <a:schemeClr val="accent1"/>
-          </a:effectRef>
-          <a:fontRef idx="minor">
-            <a:schemeClr val="tx1"/>
-          </a:fontRef>
-        </p:style>
-      </p:cxnSp>
-      <p:sp>
-        <p:nvSpPr>
-          <p:cNvPr id="32" name="Rectangle 31">
-            <a:extLst>
-              <a:ext uri="{FF2B5EF4-FFF2-40B4-BE49-F238E27FC236}">
-                <a16:creationId xmlns:a16="http://schemas.microsoft.com/office/drawing/2014/main" id="{0D18CFD8-A0D6-9C47-AF25-BDA5A89AD24B}"/>
-              </a:ext>
-            </a:extLst>
-          </p:cNvPr>
-          <p:cNvSpPr/>
-          <p:nvPr/>
-        </p:nvSpPr>
-        <p:spPr>
-          <a:xfrm>
-            <a:off x="6410433" y="1440197"/>
-            <a:ext cx="2674189" cy="307258"/>
-          </a:xfrm>
-          <a:prstGeom prst="rect">
-            <a:avLst/>
-          </a:prstGeom>
-          <a:solidFill>
-            <a:srgbClr val="00B050"/>
-          </a:solidFill>
-          <a:ln w="19050">
-            <a:prstDash val="dash"/>
-          </a:ln>
-        </p:spPr>
-        <p:style>
-          <a:lnRef idx="2">
-            <a:schemeClr val="accent6"/>
-          </a:lnRef>
-          <a:fillRef idx="1">
-            <a:schemeClr val="lt1"/>
-          </a:fillRef>
-          <a:effectRef idx="0">
-            <a:schemeClr val="accent6"/>
-          </a:effectRef>
-          <a:fontRef idx="minor">
-            <a:schemeClr val="dk1"/>
-          </a:fontRef>
-        </p:style>
-        <p:txBody>
-          <a:bodyPr rtlCol="0" anchor="ctr"/>
-          <a:lstStyle/>
-          <a:p>
-            <a:pPr algn="ctr"/>
-            <a:r>
-              <a:rPr lang="en-GB" sz="1000" dirty="0"/>
-              <a:t>org.apache.logging.log4j:log4j-core:</a:t>
-            </a:r>
-            <a:r>
-              <a:rPr lang="en-GB" sz="1000" dirty="0">
-                <a:highlight>
-                  <a:srgbClr val="00FF00"/>
-                </a:highlight>
-              </a:rPr>
-              <a:t>2.17.0</a:t>
-            </a:r>
-          </a:p>
-        </p:txBody>
-      </p:sp>
-      <p:cxnSp>
-        <p:nvCxnSpPr>
-          <p:cNvPr id="33" name="Straight Connector 32">
-            <a:extLst>
-              <a:ext uri="{FF2B5EF4-FFF2-40B4-BE49-F238E27FC236}">
-                <a16:creationId xmlns:a16="http://schemas.microsoft.com/office/drawing/2014/main" id="{A191D8D6-7815-DD46-AB86-F89EEE8612F3}"/>
+          <p:cNvPr id="29" name="Straight Arrow Connector 28">
+            <a:extLst>
+              <a:ext uri="{FF2B5EF4-FFF2-40B4-BE49-F238E27FC236}">
+                <a16:creationId xmlns:a16="http://schemas.microsoft.com/office/drawing/2014/main" id="{1E77572E-3B17-834D-AC9E-A5745D931B29}"/>
               </a:ext>
             </a:extLst>
           </p:cNvPr>
           <p:cNvCxnSpPr>
             <a:cxnSpLocks/>
-            <a:stCxn id="9" idx="1"/>
-            <a:endCxn id="32" idx="3"/>
+            <a:stCxn id="5" idx="3"/>
+            <a:endCxn id="9" idx="1"/>
           </p:cNvCxnSpPr>
           <p:nvPr/>
         </p:nvCxnSpPr>
         <p:spPr>
-          <a:xfrm flipH="1" flipV="1">
-            <a:off x="9084622" y="1593826"/>
-            <a:ext cx="461933" cy="1"/>
-          </a:xfrm>
-          <a:prstGeom prst="line">
-            <a:avLst/>
-          </a:prstGeom>
-          <a:ln w="19050">
-            <a:solidFill>
-              <a:schemeClr val="tx1"/>
-            </a:solidFill>
-            <a:prstDash val="dash"/>
-          </a:ln>
-        </p:spPr>
-        <p:style>
-          <a:lnRef idx="1">
-            <a:schemeClr val="accent1"/>
-          </a:lnRef>
-          <a:fillRef idx="0">
-            <a:schemeClr val="accent1"/>
-          </a:fillRef>
-          <a:effectRef idx="0">
-            <a:schemeClr val="accent1"/>
-          </a:effectRef>
-          <a:fontRef idx="minor">
-            <a:schemeClr val="tx1"/>
-          </a:fontRef>
-        </p:style>
-      </p:cxnSp>
-      <p:sp>
-        <p:nvSpPr>
-          <p:cNvPr id="60" name="Card 59">
-            <a:extLst>
-              <a:ext uri="{FF2B5EF4-FFF2-40B4-BE49-F238E27FC236}">
-                <a16:creationId xmlns:a16="http://schemas.microsoft.com/office/drawing/2014/main" id="{73AA000B-37FC-B942-9CFE-15CA17FED0EA}"/>
-              </a:ext>
-            </a:extLst>
-          </p:cNvPr>
-          <p:cNvSpPr/>
-          <p:nvPr/>
-        </p:nvSpPr>
-        <p:spPr>
-          <a:xfrm>
-            <a:off x="8775421" y="2847751"/>
-            <a:ext cx="525170" cy="614515"/>
-          </a:xfrm>
-          <a:prstGeom prst="flowChartPunchedCard">
-            <a:avLst/>
-          </a:prstGeom>
-          <a:solidFill>
-            <a:srgbClr val="00B050"/>
-          </a:solidFill>
-        </p:spPr>
-        <p:style>
-          <a:lnRef idx="2">
-            <a:schemeClr val="accent6"/>
-          </a:lnRef>
-          <a:fillRef idx="1">
-            <a:schemeClr val="lt1"/>
-          </a:fillRef>
-          <a:effectRef idx="0">
-            <a:schemeClr val="accent6"/>
-          </a:effectRef>
-          <a:fontRef idx="minor">
-            <a:schemeClr val="dk1"/>
-          </a:fontRef>
-        </p:style>
-        <p:txBody>
-          <a:bodyPr rtlCol="0" anchor="ctr"/>
-          <a:lstStyle/>
-          <a:p>
-            <a:r>
-              <a:rPr lang="en-GB" sz="1200" b="1" dirty="0"/>
-              <a:t>………………………</a:t>
-            </a:r>
-          </a:p>
-        </p:txBody>
-      </p:sp>
-      <p:sp>
-        <p:nvSpPr>
-          <p:cNvPr id="61" name="Card 60">
-            <a:extLst>
-              <a:ext uri="{FF2B5EF4-FFF2-40B4-BE49-F238E27FC236}">
-                <a16:creationId xmlns:a16="http://schemas.microsoft.com/office/drawing/2014/main" id="{FEAAFEA2-14D2-1844-A80C-DC8076070A1B}"/>
-              </a:ext>
-            </a:extLst>
-          </p:cNvPr>
-          <p:cNvSpPr/>
-          <p:nvPr/>
-        </p:nvSpPr>
-        <p:spPr>
-          <a:xfrm>
-            <a:off x="10336178" y="2847752"/>
-            <a:ext cx="525170" cy="614515"/>
-          </a:xfrm>
-          <a:prstGeom prst="flowChartPunchedCard">
-            <a:avLst/>
-          </a:prstGeom>
-          <a:solidFill>
-            <a:srgbClr val="FF0000"/>
-          </a:solidFill>
-        </p:spPr>
-        <p:style>
-          <a:lnRef idx="2">
-            <a:schemeClr val="accent6"/>
-          </a:lnRef>
-          <a:fillRef idx="1">
-            <a:schemeClr val="lt1"/>
-          </a:fillRef>
-          <a:effectRef idx="0">
-            <a:schemeClr val="accent6"/>
-          </a:effectRef>
-          <a:fontRef idx="minor">
-            <a:schemeClr val="dk1"/>
-          </a:fontRef>
-        </p:style>
-        <p:txBody>
-          <a:bodyPr rtlCol="0" anchor="ctr"/>
-          <a:lstStyle/>
-          <a:p>
-            <a:r>
-              <a:rPr lang="en-GB" sz="1200" b="1" dirty="0"/>
-              <a:t>………………………</a:t>
-            </a:r>
-          </a:p>
-        </p:txBody>
-      </p:sp>
-      <p:cxnSp>
-        <p:nvCxnSpPr>
-          <p:cNvPr id="62" name="Elbow Connector 61">
-            <a:extLst>
-              <a:ext uri="{FF2B5EF4-FFF2-40B4-BE49-F238E27FC236}">
-                <a16:creationId xmlns:a16="http://schemas.microsoft.com/office/drawing/2014/main" id="{920AEBD0-983C-D347-8B2F-65E1B4E124B0}"/>
-              </a:ext>
-            </a:extLst>
-          </p:cNvPr>
-          <p:cNvCxnSpPr>
-            <a:cxnSpLocks/>
-            <a:stCxn id="60" idx="0"/>
-          </p:cNvCxnSpPr>
-          <p:nvPr/>
-        </p:nvCxnSpPr>
-        <p:spPr>
-          <a:xfrm rot="5400000" flipH="1" flipV="1">
-            <a:off x="8954656" y="1987927"/>
-            <a:ext cx="943175" cy="776474"/>
-          </a:xfrm>
-          <a:prstGeom prst="bentConnector3">
-            <a:avLst>
-              <a:gd name="adj1" fmla="val 50000"/>
-            </a:avLst>
+          <a:xfrm>
+            <a:off x="2625491" y="1836322"/>
+            <a:ext cx="194377" cy="7693"/>
+          </a:xfrm>
+          <a:prstGeom prst="straightConnector1">
+            <a:avLst/>
           </a:prstGeom>
           <a:ln>
             <a:solidFill>
@@ -12799,370 +12688,33 @@
       </p:cxnSp>
       <p:cxnSp>
         <p:nvCxnSpPr>
-          <p:cNvPr id="63" name="Elbow Connector 62">
-            <a:extLst>
-              <a:ext uri="{FF2B5EF4-FFF2-40B4-BE49-F238E27FC236}">
-                <a16:creationId xmlns:a16="http://schemas.microsoft.com/office/drawing/2014/main" id="{A2702B7F-CE28-4F43-A86F-F3420A19FBE2}"/>
+          <p:cNvPr id="37" name="Straight Arrow Connector 36">
+            <a:extLst>
+              <a:ext uri="{FF2B5EF4-FFF2-40B4-BE49-F238E27FC236}">
+                <a16:creationId xmlns:a16="http://schemas.microsoft.com/office/drawing/2014/main" id="{45D36ABA-18E4-DB44-BB1C-064E3EAA6889}"/>
               </a:ext>
             </a:extLst>
           </p:cNvPr>
           <p:cNvCxnSpPr>
-            <a:endCxn id="61" idx="0"/>
+            <a:cxnSpLocks/>
+            <a:stCxn id="9" idx="3"/>
+            <a:endCxn id="18" idx="1"/>
           </p:cNvCxnSpPr>
           <p:nvPr/>
         </p:nvCxnSpPr>
         <p:spPr>
-          <a:xfrm rot="16200000" flipH="1">
-            <a:off x="9735033" y="1984022"/>
-            <a:ext cx="943176" cy="784283"/>
-          </a:xfrm>
-          <a:prstGeom prst="bentConnector3">
+          <a:xfrm>
+            <a:off x="7020931" y="1844015"/>
+            <a:ext cx="326305" cy="0"/>
+          </a:xfrm>
+          <a:prstGeom prst="straightConnector1">
             <a:avLst/>
           </a:prstGeom>
           <a:ln>
             <a:solidFill>
               <a:schemeClr val="tx1"/>
             </a:solidFill>
-          </a:ln>
-        </p:spPr>
-        <p:style>
-          <a:lnRef idx="1">
-            <a:schemeClr val="accent1"/>
-          </a:lnRef>
-          <a:fillRef idx="0">
-            <a:schemeClr val="accent1"/>
-          </a:fillRef>
-          <a:effectRef idx="0">
-            <a:schemeClr val="accent1"/>
-          </a:effectRef>
-          <a:fontRef idx="minor">
-            <a:schemeClr val="tx1"/>
-          </a:fontRef>
-        </p:style>
-      </p:cxnSp>
-      <p:sp>
-        <p:nvSpPr>
-          <p:cNvPr id="67" name="Rectangle 66">
-            <a:extLst>
-              <a:ext uri="{FF2B5EF4-FFF2-40B4-BE49-F238E27FC236}">
-                <a16:creationId xmlns:a16="http://schemas.microsoft.com/office/drawing/2014/main" id="{DE15142C-15D8-AF4A-8774-1A5E8D33341D}"/>
-              </a:ext>
-            </a:extLst>
-          </p:cNvPr>
-          <p:cNvSpPr/>
-          <p:nvPr/>
-        </p:nvSpPr>
-        <p:spPr>
-          <a:xfrm>
-            <a:off x="8999083" y="3919347"/>
-            <a:ext cx="2674189" cy="307258"/>
-          </a:xfrm>
-          <a:prstGeom prst="rect">
-            <a:avLst/>
-          </a:prstGeom>
-          <a:solidFill>
-            <a:srgbClr val="C00000"/>
-          </a:solidFill>
-          <a:ln w="19050">
-            <a:prstDash val="dash"/>
-          </a:ln>
-        </p:spPr>
-        <p:style>
-          <a:lnRef idx="2">
-            <a:schemeClr val="accent6"/>
-          </a:lnRef>
-          <a:fillRef idx="1">
-            <a:schemeClr val="lt1"/>
-          </a:fillRef>
-          <a:effectRef idx="0">
-            <a:schemeClr val="accent6"/>
-          </a:effectRef>
-          <a:fontRef idx="minor">
-            <a:schemeClr val="dk1"/>
-          </a:fontRef>
-        </p:style>
-        <p:txBody>
-          <a:bodyPr rtlCol="0" anchor="ctr"/>
-          <a:lstStyle/>
-          <a:p>
-            <a:pPr algn="ctr"/>
-            <a:r>
-              <a:rPr lang="en-GB" sz="1000" dirty="0"/>
-              <a:t>org.apache.logging.log4j:log4j-core:</a:t>
-            </a:r>
-            <a:r>
-              <a:rPr lang="en-GB" sz="1000" dirty="0">
-                <a:highlight>
-                  <a:srgbClr val="FF0000"/>
-                </a:highlight>
-              </a:rPr>
-              <a:t>2.13.0</a:t>
-            </a:r>
-          </a:p>
-        </p:txBody>
-      </p:sp>
-      <p:cxnSp>
-        <p:nvCxnSpPr>
-          <p:cNvPr id="68" name="Straight Connector 67">
-            <a:extLst>
-              <a:ext uri="{FF2B5EF4-FFF2-40B4-BE49-F238E27FC236}">
-                <a16:creationId xmlns:a16="http://schemas.microsoft.com/office/drawing/2014/main" id="{72B3FADF-5BCD-584C-A8AD-70332DA472F6}"/>
-              </a:ext>
-            </a:extLst>
-          </p:cNvPr>
-          <p:cNvCxnSpPr>
-            <a:cxnSpLocks/>
-            <a:endCxn id="67" idx="0"/>
-          </p:cNvCxnSpPr>
-          <p:nvPr/>
-        </p:nvCxnSpPr>
-        <p:spPr>
-          <a:xfrm flipH="1">
-            <a:off x="10336178" y="3470726"/>
-            <a:ext cx="224263" cy="448621"/>
-          </a:xfrm>
-          <a:prstGeom prst="line">
-            <a:avLst/>
-          </a:prstGeom>
-          <a:ln w="19050">
-            <a:solidFill>
-              <a:schemeClr val="tx1"/>
-            </a:solidFill>
-            <a:prstDash val="dash"/>
-          </a:ln>
-        </p:spPr>
-        <p:style>
-          <a:lnRef idx="1">
-            <a:schemeClr val="accent1"/>
-          </a:lnRef>
-          <a:fillRef idx="0">
-            <a:schemeClr val="accent1"/>
-          </a:fillRef>
-          <a:effectRef idx="0">
-            <a:schemeClr val="accent1"/>
-          </a:effectRef>
-          <a:fontRef idx="minor">
-            <a:schemeClr val="tx1"/>
-          </a:fontRef>
-        </p:style>
-      </p:cxnSp>
-      <p:sp>
-        <p:nvSpPr>
-          <p:cNvPr id="69" name="Rectangle 68">
-            <a:extLst>
-              <a:ext uri="{FF2B5EF4-FFF2-40B4-BE49-F238E27FC236}">
-                <a16:creationId xmlns:a16="http://schemas.microsoft.com/office/drawing/2014/main" id="{234B63FB-7F2E-0348-8CB7-60E1B5D84588}"/>
-              </a:ext>
-            </a:extLst>
-          </p:cNvPr>
-          <p:cNvSpPr/>
-          <p:nvPr/>
-        </p:nvSpPr>
-        <p:spPr>
-          <a:xfrm>
-            <a:off x="6992295" y="5144571"/>
-            <a:ext cx="2674189" cy="307258"/>
-          </a:xfrm>
-          <a:prstGeom prst="rect">
-            <a:avLst/>
-          </a:prstGeom>
-          <a:solidFill>
-            <a:srgbClr val="00B050"/>
-          </a:solidFill>
-          <a:ln w="19050">
-            <a:prstDash val="dash"/>
-          </a:ln>
-        </p:spPr>
-        <p:style>
-          <a:lnRef idx="2">
-            <a:schemeClr val="accent6"/>
-          </a:lnRef>
-          <a:fillRef idx="1">
-            <a:schemeClr val="lt1"/>
-          </a:fillRef>
-          <a:effectRef idx="0">
-            <a:schemeClr val="accent6"/>
-          </a:effectRef>
-          <a:fontRef idx="minor">
-            <a:schemeClr val="dk1"/>
-          </a:fontRef>
-        </p:style>
-        <p:txBody>
-          <a:bodyPr rtlCol="0" anchor="ctr"/>
-          <a:lstStyle/>
-          <a:p>
-            <a:pPr algn="ctr"/>
-            <a:r>
-              <a:rPr lang="en-GB" sz="1000" dirty="0"/>
-              <a:t>org.apache.logging.log4j:log4j-core:</a:t>
-            </a:r>
-            <a:r>
-              <a:rPr lang="en-GB" sz="1000" dirty="0">
-                <a:highlight>
-                  <a:srgbClr val="00FF00"/>
-                </a:highlight>
-              </a:rPr>
-              <a:t>2.17.1</a:t>
-            </a:r>
-          </a:p>
-        </p:txBody>
-      </p:sp>
-      <p:cxnSp>
-        <p:nvCxnSpPr>
-          <p:cNvPr id="70" name="Straight Connector 69">
-            <a:extLst>
-              <a:ext uri="{FF2B5EF4-FFF2-40B4-BE49-F238E27FC236}">
-                <a16:creationId xmlns:a16="http://schemas.microsoft.com/office/drawing/2014/main" id="{D79A8F7C-E53F-9C45-B059-C29A28632F57}"/>
-              </a:ext>
-            </a:extLst>
-          </p:cNvPr>
-          <p:cNvCxnSpPr>
-            <a:cxnSpLocks/>
-            <a:stCxn id="60" idx="2"/>
-            <a:endCxn id="69" idx="0"/>
-          </p:cNvCxnSpPr>
-          <p:nvPr/>
-        </p:nvCxnSpPr>
-        <p:spPr>
-          <a:xfrm flipH="1">
-            <a:off x="8329390" y="3462266"/>
-            <a:ext cx="708616" cy="1682305"/>
-          </a:xfrm>
-          <a:prstGeom prst="line">
-            <a:avLst/>
-          </a:prstGeom>
-          <a:ln w="19050">
-            <a:solidFill>
-              <a:schemeClr val="tx1"/>
-            </a:solidFill>
-            <a:prstDash val="dash"/>
-          </a:ln>
-        </p:spPr>
-        <p:style>
-          <a:lnRef idx="1">
-            <a:schemeClr val="accent1"/>
-          </a:lnRef>
-          <a:fillRef idx="0">
-            <a:schemeClr val="accent1"/>
-          </a:fillRef>
-          <a:effectRef idx="0">
-            <a:schemeClr val="accent1"/>
-          </a:effectRef>
-          <a:fontRef idx="minor">
-            <a:schemeClr val="tx1"/>
-          </a:fontRef>
-        </p:style>
-      </p:cxnSp>
-      <p:sp>
-        <p:nvSpPr>
-          <p:cNvPr id="74" name="Rectangle 73">
-            <a:extLst>
-              <a:ext uri="{FF2B5EF4-FFF2-40B4-BE49-F238E27FC236}">
-                <a16:creationId xmlns:a16="http://schemas.microsoft.com/office/drawing/2014/main" id="{22EA6BE2-5627-6140-87F1-BB9E736A1244}"/>
-              </a:ext>
-            </a:extLst>
-          </p:cNvPr>
-          <p:cNvSpPr/>
-          <p:nvPr/>
-        </p:nvSpPr>
-        <p:spPr>
-          <a:xfrm>
-            <a:off x="10474296" y="1228869"/>
-            <a:ext cx="1276710" cy="729916"/>
-          </a:xfrm>
-          <a:prstGeom prst="rect">
-            <a:avLst/>
-          </a:prstGeom>
-        </p:spPr>
-        <p:style>
-          <a:lnRef idx="2">
-            <a:schemeClr val="accent6"/>
-          </a:lnRef>
-          <a:fillRef idx="1">
-            <a:schemeClr val="lt1"/>
-          </a:fillRef>
-          <a:effectRef idx="0">
-            <a:schemeClr val="accent6"/>
-          </a:effectRef>
-          <a:fontRef idx="minor">
-            <a:schemeClr val="dk1"/>
-          </a:fontRef>
-        </p:style>
-        <p:txBody>
-          <a:bodyPr rtlCol="0" anchor="ctr"/>
-          <a:lstStyle/>
-          <a:p>
-            <a:pPr algn="ctr"/>
-            <a:endParaRPr lang="en-GB" sz="1600" b="1" i="1" dirty="0"/>
-          </a:p>
-          <a:p>
-            <a:pPr algn="ctr"/>
-            <a:r>
-              <a:rPr lang="en-GB" sz="1600" b="1" i="1" dirty="0"/>
-              <a:t>Enforcer</a:t>
-            </a:r>
-          </a:p>
-        </p:txBody>
-      </p:sp>
-      <p:pic>
-        <p:nvPicPr>
-          <p:cNvPr id="75" name="Picture 74" descr="A firework in the sky&#10;&#10;Description automatically generated with low confidence">
-            <a:extLst>
-              <a:ext uri="{FF2B5EF4-FFF2-40B4-BE49-F238E27FC236}">
-                <a16:creationId xmlns:a16="http://schemas.microsoft.com/office/drawing/2014/main" id="{9F9686EA-D8EE-BA4E-850E-05F5F6DDE4A4}"/>
-              </a:ext>
-            </a:extLst>
-          </p:cNvPr>
-          <p:cNvPicPr>
-            <a:picLocks noChangeAspect="1"/>
-          </p:cNvPicPr>
-          <p:nvPr/>
-        </p:nvPicPr>
-        <p:blipFill>
-          <a:blip r:embed="rId2"/>
-          <a:stretch>
-            <a:fillRect/>
-          </a:stretch>
-        </p:blipFill>
-        <p:spPr>
-          <a:xfrm>
-            <a:off x="10723476" y="1384861"/>
-            <a:ext cx="874576" cy="218644"/>
-          </a:xfrm>
-          <a:prstGeom prst="rect">
-            <a:avLst/>
-          </a:prstGeom>
-        </p:spPr>
-      </p:pic>
-      <p:cxnSp>
-        <p:nvCxnSpPr>
-          <p:cNvPr id="76" name="Straight Connector 75">
-            <a:extLst>
-              <a:ext uri="{FF2B5EF4-FFF2-40B4-BE49-F238E27FC236}">
-                <a16:creationId xmlns:a16="http://schemas.microsoft.com/office/drawing/2014/main" id="{D9A19C71-ADFF-A445-8CF7-EA55026FBCFD}"/>
-              </a:ext>
-            </a:extLst>
-          </p:cNvPr>
-          <p:cNvCxnSpPr>
-            <a:cxnSpLocks/>
-            <a:stCxn id="74" idx="1"/>
-            <a:endCxn id="9" idx="3"/>
-          </p:cNvCxnSpPr>
-          <p:nvPr/>
-        </p:nvCxnSpPr>
-        <p:spPr>
-          <a:xfrm flipH="1">
-            <a:off x="10071725" y="1593827"/>
-            <a:ext cx="402571" cy="0"/>
-          </a:xfrm>
-          <a:prstGeom prst="line">
-            <a:avLst/>
-          </a:prstGeom>
-          <a:ln w="19050">
-            <a:solidFill>
-              <a:schemeClr val="tx1"/>
-            </a:solidFill>
-            <a:prstDash val="dash"/>
+            <a:tailEnd type="triangle"/>
           </a:ln>
         </p:spPr>
         <p:style>
@@ -13182,33 +12734,31 @@
       </p:cxnSp>
       <p:cxnSp>
         <p:nvCxnSpPr>
-          <p:cNvPr id="80" name="Straight Connector 79">
-            <a:extLst>
-              <a:ext uri="{FF2B5EF4-FFF2-40B4-BE49-F238E27FC236}">
-                <a16:creationId xmlns:a16="http://schemas.microsoft.com/office/drawing/2014/main" id="{33042976-6A9B-8642-A9A0-8563B1BE8137}"/>
+          <p:cNvPr id="63" name="Straight Arrow Connector 62">
+            <a:extLst>
+              <a:ext uri="{FF2B5EF4-FFF2-40B4-BE49-F238E27FC236}">
+                <a16:creationId xmlns:a16="http://schemas.microsoft.com/office/drawing/2014/main" id="{1AC3D725-CB05-5E40-9363-82A1BCCDDCFE}"/>
               </a:ext>
             </a:extLst>
           </p:cNvPr>
           <p:cNvCxnSpPr>
             <a:cxnSpLocks/>
-            <a:stCxn id="6" idx="2"/>
-            <a:endCxn id="12" idx="0"/>
           </p:cNvCxnSpPr>
           <p:nvPr/>
         </p:nvCxnSpPr>
         <p:spPr>
-          <a:xfrm flipH="1" flipV="1">
-            <a:off x="6096000" y="1166842"/>
-            <a:ext cx="23930" cy="4579979"/>
-          </a:xfrm>
-          <a:prstGeom prst="line">
-            <a:avLst/>
-          </a:prstGeom>
-          <a:ln w="19050">
+          <a:xfrm flipV="1">
+            <a:off x="931653" y="2450332"/>
+            <a:ext cx="0" cy="387442"/>
+          </a:xfrm>
+          <a:prstGeom prst="straightConnector1">
+            <a:avLst/>
+          </a:prstGeom>
+          <a:ln>
             <a:solidFill>
               <a:schemeClr val="tx1"/>
             </a:solidFill>
-            <a:prstDash val="sysDot"/>
+            <a:tailEnd type="triangle"/>
           </a:ln>
         </p:spPr>
         <p:style>
@@ -13228,10 +12778,45 @@
       </p:cxnSp>
       <p:sp>
         <p:nvSpPr>
-          <p:cNvPr id="83" name="&quot;No&quot; Symbol 82">
-            <a:extLst>
-              <a:ext uri="{FF2B5EF4-FFF2-40B4-BE49-F238E27FC236}">
-                <a16:creationId xmlns:a16="http://schemas.microsoft.com/office/drawing/2014/main" id="{9EAE932C-385C-AC47-AEE3-145504CC04CB}"/>
+          <p:cNvPr id="67" name="TextBox 66">
+            <a:extLst>
+              <a:ext uri="{FF2B5EF4-FFF2-40B4-BE49-F238E27FC236}">
+                <a16:creationId xmlns:a16="http://schemas.microsoft.com/office/drawing/2014/main" id="{CFBC3DF6-E420-6C49-8893-8D495156BF85}"/>
+              </a:ext>
+            </a:extLst>
+          </p:cNvPr>
+          <p:cNvSpPr txBox="1"/>
+          <p:nvPr/>
+        </p:nvSpPr>
+        <p:spPr>
+          <a:xfrm>
+            <a:off x="410120" y="4239701"/>
+            <a:ext cx="1583917" cy="276999"/>
+          </a:xfrm>
+          <a:prstGeom prst="rect">
+            <a:avLst/>
+          </a:prstGeom>
+          <a:noFill/>
+        </p:spPr>
+        <p:txBody>
+          <a:bodyPr wrap="square" rtlCol="0">
+            <a:spAutoFit/>
+          </a:bodyPr>
+          <a:lstStyle/>
+          <a:p>
+            <a:r>
+              <a:rPr lang="en-GB" sz="1200" b="1" dirty="0"/>
+              <a:t>Java codebases x 100</a:t>
+            </a:r>
+          </a:p>
+        </p:txBody>
+      </p:sp>
+      <p:sp>
+        <p:nvSpPr>
+          <p:cNvPr id="38" name="Card 37">
+            <a:extLst>
+              <a:ext uri="{FF2B5EF4-FFF2-40B4-BE49-F238E27FC236}">
+                <a16:creationId xmlns:a16="http://schemas.microsoft.com/office/drawing/2014/main" id="{98737D0D-9671-5247-99A8-951C77EF9BCB}"/>
               </a:ext>
             </a:extLst>
           </p:cNvPr>
@@ -13240,20 +12825,15 @@
         </p:nvSpPr>
         <p:spPr>
           <a:xfrm>
-            <a:off x="4433977" y="2458528"/>
-            <a:ext cx="1076471" cy="1012198"/>
-          </a:xfrm>
-          <a:prstGeom prst="noSmoking">
+            <a:off x="2585988" y="3619802"/>
+            <a:ext cx="525170" cy="614515"/>
+          </a:xfrm>
+          <a:prstGeom prst="flowChartPunchedCard">
             <a:avLst/>
           </a:prstGeom>
           <a:solidFill>
             <a:srgbClr val="FF0000"/>
           </a:solidFill>
-          <a:ln>
-            <a:solidFill>
-              <a:schemeClr val="tx1"/>
-            </a:solidFill>
-          </a:ln>
         </p:spPr>
         <p:style>
           <a:lnRef idx="2">
@@ -13273,83 +12853,150 @@
           <a:bodyPr rtlCol="0" anchor="ctr"/>
           <a:lstStyle/>
           <a:p>
-            <a:pPr algn="ctr"/>
-            <a:endParaRPr lang="en-GB">
-              <a:solidFill>
-                <a:schemeClr val="tx1"/>
-              </a:solidFill>
-            </a:endParaRPr>
-          </a:p>
-        </p:txBody>
-      </p:sp>
-      <p:sp>
-        <p:nvSpPr>
-          <p:cNvPr id="84" name="Smiley Face 83">
-            <a:extLst>
-              <a:ext uri="{FF2B5EF4-FFF2-40B4-BE49-F238E27FC236}">
-                <a16:creationId xmlns:a16="http://schemas.microsoft.com/office/drawing/2014/main" id="{6AD48125-7E61-A24E-B8AC-0FF759844C9C}"/>
-              </a:ext>
-            </a:extLst>
-          </p:cNvPr>
-          <p:cNvSpPr/>
-          <p:nvPr/>
-        </p:nvSpPr>
-        <p:spPr>
-          <a:xfrm>
-            <a:off x="6355021" y="2458528"/>
-            <a:ext cx="1006635" cy="934734"/>
-          </a:xfrm>
-          <a:prstGeom prst="smileyFace">
-            <a:avLst/>
-          </a:prstGeom>
-          <a:solidFill>
-            <a:srgbClr val="00B050"/>
-          </a:solidFill>
+            <a:r>
+              <a:rPr lang="en-GB" sz="1200" b="1" dirty="0"/>
+              <a:t>POM</a:t>
+            </a:r>
+          </a:p>
+        </p:txBody>
+      </p:sp>
+      <p:pic>
+        <p:nvPicPr>
+          <p:cNvPr id="11" name="Picture 10" descr="Diagram, map&#10;&#10;Description automatically generated">
+            <a:extLst>
+              <a:ext uri="{FF2B5EF4-FFF2-40B4-BE49-F238E27FC236}">
+                <a16:creationId xmlns:a16="http://schemas.microsoft.com/office/drawing/2014/main" id="{BD85ABFA-976D-A946-A236-CB3FD5211283}"/>
+              </a:ext>
+            </a:extLst>
+          </p:cNvPr>
+          <p:cNvPicPr>
+            <a:picLocks noChangeAspect="1"/>
+          </p:cNvPicPr>
+          <p:nvPr/>
+        </p:nvPicPr>
+        <p:blipFill>
+          <a:blip r:embed="rId5"/>
+          <a:stretch>
+            <a:fillRect/>
+          </a:stretch>
+        </p:blipFill>
+        <p:spPr>
+          <a:xfrm>
+            <a:off x="3758283" y="2661566"/>
+            <a:ext cx="4704215" cy="2944081"/>
+          </a:xfrm>
+          <a:prstGeom prst="rect">
+            <a:avLst/>
+          </a:prstGeom>
+        </p:spPr>
+      </p:pic>
+      <p:cxnSp>
+        <p:nvCxnSpPr>
+          <p:cNvPr id="44" name="Straight Arrow Connector 43">
+            <a:extLst>
+              <a:ext uri="{FF2B5EF4-FFF2-40B4-BE49-F238E27FC236}">
+                <a16:creationId xmlns:a16="http://schemas.microsoft.com/office/drawing/2014/main" id="{52417CEB-E6D5-D249-BA1E-E8552D1CCF20}"/>
+              </a:ext>
+            </a:extLst>
+          </p:cNvPr>
+          <p:cNvCxnSpPr>
+            <a:cxnSpLocks/>
+            <a:stCxn id="38" idx="3"/>
+            <a:endCxn id="11" idx="1"/>
+          </p:cNvCxnSpPr>
+          <p:nvPr/>
+        </p:nvCxnSpPr>
+        <p:spPr>
+          <a:xfrm>
+            <a:off x="3111158" y="3927060"/>
+            <a:ext cx="647125" cy="206547"/>
+          </a:xfrm>
+          <a:prstGeom prst="straightConnector1">
+            <a:avLst/>
+          </a:prstGeom>
           <a:ln>
             <a:solidFill>
               <a:schemeClr val="tx1"/>
             </a:solidFill>
+            <a:tailEnd type="triangle"/>
           </a:ln>
         </p:spPr>
         <p:style>
-          <a:lnRef idx="2">
-            <a:schemeClr val="accent6"/>
+          <a:lnRef idx="1">
+            <a:schemeClr val="accent1"/>
           </a:lnRef>
-          <a:fillRef idx="1">
-            <a:schemeClr val="lt1"/>
+          <a:fillRef idx="0">
+            <a:schemeClr val="accent1"/>
           </a:fillRef>
           <a:effectRef idx="0">
-            <a:schemeClr val="accent6"/>
+            <a:schemeClr val="accent1"/>
           </a:effectRef>
           <a:fontRef idx="minor">
-            <a:schemeClr val="dk1"/>
+            <a:schemeClr val="tx1"/>
           </a:fontRef>
         </p:style>
-        <p:txBody>
-          <a:bodyPr rtlCol="0" anchor="ctr"/>
-          <a:lstStyle/>
-          <a:p>
-            <a:pPr algn="ctr"/>
-            <a:endParaRPr lang="en-GB"/>
-          </a:p>
-        </p:txBody>
-      </p:sp>
-      <p:sp>
-        <p:nvSpPr>
-          <p:cNvPr id="34" name="Rectangle 33">
-            <a:extLst>
-              <a:ext uri="{FF2B5EF4-FFF2-40B4-BE49-F238E27FC236}">
-                <a16:creationId xmlns:a16="http://schemas.microsoft.com/office/drawing/2014/main" id="{433286E6-F240-754B-90FA-91DBB1339B21}"/>
-              </a:ext>
-            </a:extLst>
-          </p:cNvPr>
-          <p:cNvSpPr/>
-          <p:nvPr/>
-        </p:nvSpPr>
-        <p:spPr>
-          <a:xfrm>
-            <a:off x="365256" y="5933540"/>
-            <a:ext cx="11509348" cy="838195"/>
+      </p:cxnSp>
+      <p:cxnSp>
+        <p:nvCxnSpPr>
+          <p:cNvPr id="45" name="Straight Arrow Connector 44">
+            <a:extLst>
+              <a:ext uri="{FF2B5EF4-FFF2-40B4-BE49-F238E27FC236}">
+                <a16:creationId xmlns:a16="http://schemas.microsoft.com/office/drawing/2014/main" id="{6004C76B-C210-E24A-97D7-85C0AF077535}"/>
+              </a:ext>
+            </a:extLst>
+          </p:cNvPr>
+          <p:cNvCxnSpPr>
+            <a:cxnSpLocks/>
+            <a:stCxn id="38" idx="1"/>
+          </p:cNvCxnSpPr>
+          <p:nvPr/>
+        </p:nvCxnSpPr>
+        <p:spPr>
+          <a:xfrm flipH="1">
+            <a:off x="1896445" y="3927060"/>
+            <a:ext cx="689543" cy="2424"/>
+          </a:xfrm>
+          <a:prstGeom prst="straightConnector1">
+            <a:avLst/>
+          </a:prstGeom>
+          <a:ln>
+            <a:solidFill>
+              <a:schemeClr val="tx1"/>
+            </a:solidFill>
+            <a:tailEnd type="triangle"/>
+          </a:ln>
+        </p:spPr>
+        <p:style>
+          <a:lnRef idx="1">
+            <a:schemeClr val="accent1"/>
+          </a:lnRef>
+          <a:fillRef idx="0">
+            <a:schemeClr val="accent1"/>
+          </a:fillRef>
+          <a:effectRef idx="0">
+            <a:schemeClr val="accent1"/>
+          </a:effectRef>
+          <a:fontRef idx="minor">
+            <a:schemeClr val="tx1"/>
+          </a:fontRef>
+        </p:style>
+      </p:cxnSp>
+      <p:sp>
+        <p:nvSpPr>
+          <p:cNvPr id="50" name="TextBox 49">
+            <a:extLst>
+              <a:ext uri="{FF2B5EF4-FFF2-40B4-BE49-F238E27FC236}">
+                <a16:creationId xmlns:a16="http://schemas.microsoft.com/office/drawing/2014/main" id="{CDD9D245-F13E-A648-8DF3-4E4A9F45324E}"/>
+              </a:ext>
+            </a:extLst>
+          </p:cNvPr>
+          <p:cNvSpPr txBox="1"/>
+          <p:nvPr/>
+        </p:nvSpPr>
+        <p:spPr>
+          <a:xfrm>
+            <a:off x="430306" y="6061554"/>
+            <a:ext cx="11312865" cy="338554"/>
           </a:xfrm>
           <a:prstGeom prst="rect">
             <a:avLst/>
@@ -13361,6 +13008,127 @@
             </a:solidFill>
           </a:ln>
         </p:spPr>
+        <p:txBody>
+          <a:bodyPr wrap="square" rtlCol="0">
+            <a:spAutoFit/>
+          </a:bodyPr>
+          <a:lstStyle/>
+          <a:p>
+            <a:r>
+              <a:rPr lang="bg-BG" sz="800" dirty="0"/>
+              <a:t>Референции:</a:t>
+            </a:r>
+            <a:r>
+              <a:rPr lang="en-GB" sz="800" dirty="0"/>
+              <a:t> </a:t>
+            </a:r>
+            <a:endParaRPr lang="bg-BG" sz="800" dirty="0"/>
+          </a:p>
+          <a:p>
+            <a:r>
+              <a:rPr lang="bg-BG" sz="800" dirty="0"/>
+              <a:t>*Моля вижте слайда със списък с референции.</a:t>
+            </a:r>
+            <a:endParaRPr lang="en-GB" sz="800" dirty="0"/>
+          </a:p>
+        </p:txBody>
+      </p:sp>
+      <p:pic>
+        <p:nvPicPr>
+          <p:cNvPr id="33" name="Picture 32" descr="Icon&#10;&#10;Description automatically generated">
+            <a:extLst>
+              <a:ext uri="{FF2B5EF4-FFF2-40B4-BE49-F238E27FC236}">
+                <a16:creationId xmlns:a16="http://schemas.microsoft.com/office/drawing/2014/main" id="{DBFF5641-1D4C-8346-9BCB-7E4731B742EB}"/>
+              </a:ext>
+            </a:extLst>
+          </p:cNvPr>
+          <p:cNvPicPr>
+            <a:picLocks noChangeAspect="1"/>
+          </p:cNvPicPr>
+          <p:nvPr/>
+        </p:nvPicPr>
+        <p:blipFill>
+          <a:blip r:embed="rId6"/>
+          <a:stretch>
+            <a:fillRect/>
+          </a:stretch>
+        </p:blipFill>
+        <p:spPr>
+          <a:xfrm>
+            <a:off x="10222034" y="3287517"/>
+            <a:ext cx="927161" cy="1082166"/>
+          </a:xfrm>
+          <a:prstGeom prst="rect">
+            <a:avLst/>
+          </a:prstGeom>
+        </p:spPr>
+      </p:pic>
+      <p:cxnSp>
+        <p:nvCxnSpPr>
+          <p:cNvPr id="53" name="Straight Arrow Connector 52">
+            <a:extLst>
+              <a:ext uri="{FF2B5EF4-FFF2-40B4-BE49-F238E27FC236}">
+                <a16:creationId xmlns:a16="http://schemas.microsoft.com/office/drawing/2014/main" id="{EBAA60B2-D67C-664E-B42E-00F811B681B2}"/>
+              </a:ext>
+            </a:extLst>
+          </p:cNvPr>
+          <p:cNvCxnSpPr>
+            <a:cxnSpLocks/>
+            <a:stCxn id="33" idx="0"/>
+          </p:cNvCxnSpPr>
+          <p:nvPr/>
+        </p:nvCxnSpPr>
+        <p:spPr>
+          <a:xfrm flipH="1" flipV="1">
+            <a:off x="10685614" y="2170174"/>
+            <a:ext cx="1" cy="1117343"/>
+          </a:xfrm>
+          <a:prstGeom prst="straightConnector1">
+            <a:avLst/>
+          </a:prstGeom>
+          <a:ln>
+            <a:solidFill>
+              <a:schemeClr val="tx1"/>
+            </a:solidFill>
+            <a:tailEnd type="triangle"/>
+          </a:ln>
+        </p:spPr>
+        <p:style>
+          <a:lnRef idx="1">
+            <a:schemeClr val="accent1"/>
+          </a:lnRef>
+          <a:fillRef idx="0">
+            <a:schemeClr val="accent1"/>
+          </a:fillRef>
+          <a:effectRef idx="0">
+            <a:schemeClr val="accent1"/>
+          </a:effectRef>
+          <a:fontRef idx="minor">
+            <a:schemeClr val="tx1"/>
+          </a:fontRef>
+        </p:style>
+      </p:cxnSp>
+      <p:sp>
+        <p:nvSpPr>
+          <p:cNvPr id="25" name="Rectangle 24">
+            <a:extLst>
+              <a:ext uri="{FF2B5EF4-FFF2-40B4-BE49-F238E27FC236}">
+                <a16:creationId xmlns:a16="http://schemas.microsoft.com/office/drawing/2014/main" id="{5DC12AA2-3856-3A42-A383-DC5817A0AD05}"/>
+              </a:ext>
+            </a:extLst>
+          </p:cNvPr>
+          <p:cNvSpPr/>
+          <p:nvPr/>
+        </p:nvSpPr>
+        <p:spPr>
+          <a:xfrm>
+            <a:off x="2210218" y="4719514"/>
+            <a:ext cx="1276710" cy="729916"/>
+          </a:xfrm>
+          <a:prstGeom prst="rect">
+            <a:avLst/>
+          </a:prstGeom>
+        </p:spPr>
         <p:style>
           <a:lnRef idx="2">
             <a:schemeClr val="accent6"/>
@@ -13380,6 +13148,972 @@
           <a:lstStyle/>
           <a:p>
             <a:pPr algn="ctr"/>
+            <a:endParaRPr lang="en-GB" sz="1600" b="1" i="1" dirty="0"/>
+          </a:p>
+          <a:p>
+            <a:pPr algn="ctr"/>
+            <a:r>
+              <a:rPr lang="en-GB" sz="1600" b="1" i="1" dirty="0"/>
+              <a:t>Enforcer</a:t>
+            </a:r>
+          </a:p>
+        </p:txBody>
+      </p:sp>
+      <p:pic>
+        <p:nvPicPr>
+          <p:cNvPr id="22" name="Picture 21" descr="A firework in the sky&#10;&#10;Description automatically generated with low confidence">
+            <a:extLst>
+              <a:ext uri="{FF2B5EF4-FFF2-40B4-BE49-F238E27FC236}">
+                <a16:creationId xmlns:a16="http://schemas.microsoft.com/office/drawing/2014/main" id="{20FA372D-648E-074F-BC1D-09678430F865}"/>
+              </a:ext>
+            </a:extLst>
+          </p:cNvPr>
+          <p:cNvPicPr>
+            <a:picLocks noChangeAspect="1"/>
+          </p:cNvPicPr>
+          <p:nvPr/>
+        </p:nvPicPr>
+        <p:blipFill>
+          <a:blip r:embed="rId7"/>
+          <a:stretch>
+            <a:fillRect/>
+          </a:stretch>
+        </p:blipFill>
+        <p:spPr>
+          <a:xfrm>
+            <a:off x="2459398" y="4814315"/>
+            <a:ext cx="874576" cy="218644"/>
+          </a:xfrm>
+          <a:prstGeom prst="rect">
+            <a:avLst/>
+          </a:prstGeom>
+        </p:spPr>
+      </p:pic>
+      <p:cxnSp>
+        <p:nvCxnSpPr>
+          <p:cNvPr id="48" name="Straight Arrow Connector 47">
+            <a:extLst>
+              <a:ext uri="{FF2B5EF4-FFF2-40B4-BE49-F238E27FC236}">
+                <a16:creationId xmlns:a16="http://schemas.microsoft.com/office/drawing/2014/main" id="{8FE22B5E-D10A-4047-A2FA-EF53FB6624DA}"/>
+              </a:ext>
+            </a:extLst>
+          </p:cNvPr>
+          <p:cNvCxnSpPr>
+            <a:cxnSpLocks/>
+            <a:stCxn id="25" idx="0"/>
+            <a:endCxn id="38" idx="2"/>
+          </p:cNvCxnSpPr>
+          <p:nvPr/>
+        </p:nvCxnSpPr>
+        <p:spPr>
+          <a:xfrm flipV="1">
+            <a:off x="2848573" y="4234317"/>
+            <a:ext cx="0" cy="485197"/>
+          </a:xfrm>
+          <a:prstGeom prst="straightConnector1">
+            <a:avLst/>
+          </a:prstGeom>
+          <a:ln>
+            <a:solidFill>
+              <a:schemeClr val="tx1"/>
+            </a:solidFill>
+            <a:tailEnd type="triangle"/>
+          </a:ln>
+        </p:spPr>
+        <p:style>
+          <a:lnRef idx="1">
+            <a:schemeClr val="accent1"/>
+          </a:lnRef>
+          <a:fillRef idx="0">
+            <a:schemeClr val="accent1"/>
+          </a:fillRef>
+          <a:effectRef idx="0">
+            <a:schemeClr val="accent1"/>
+          </a:effectRef>
+          <a:fontRef idx="minor">
+            <a:schemeClr val="tx1"/>
+          </a:fontRef>
+        </p:style>
+      </p:cxnSp>
+      <p:sp>
+        <p:nvSpPr>
+          <p:cNvPr id="30" name="Cross 29">
+            <a:extLst>
+              <a:ext uri="{FF2B5EF4-FFF2-40B4-BE49-F238E27FC236}">
+                <a16:creationId xmlns:a16="http://schemas.microsoft.com/office/drawing/2014/main" id="{0844470A-50C9-8845-B6C2-196B0717E074}"/>
+              </a:ext>
+            </a:extLst>
+          </p:cNvPr>
+          <p:cNvSpPr/>
+          <p:nvPr/>
+        </p:nvSpPr>
+        <p:spPr>
+          <a:xfrm rot="2743806">
+            <a:off x="10478544" y="2659064"/>
+            <a:ext cx="388189" cy="396095"/>
+          </a:xfrm>
+          <a:prstGeom prst="plus">
+            <a:avLst>
+              <a:gd name="adj" fmla="val 42778"/>
+            </a:avLst>
+          </a:prstGeom>
+          <a:solidFill>
+            <a:srgbClr val="FF0000"/>
+          </a:solidFill>
+        </p:spPr>
+        <p:style>
+          <a:lnRef idx="2">
+            <a:schemeClr val="accent1">
+              <a:shade val="50000"/>
+            </a:schemeClr>
+          </a:lnRef>
+          <a:fillRef idx="1">
+            <a:schemeClr val="accent1"/>
+          </a:fillRef>
+          <a:effectRef idx="0">
+            <a:schemeClr val="accent1"/>
+          </a:effectRef>
+          <a:fontRef idx="minor">
+            <a:schemeClr val="lt1"/>
+          </a:fontRef>
+        </p:style>
+        <p:txBody>
+          <a:bodyPr rtlCol="0" anchor="ctr"/>
+          <a:lstStyle/>
+          <a:p>
+            <a:pPr algn="ctr"/>
+            <a:endParaRPr lang="en-GB"/>
+          </a:p>
+        </p:txBody>
+      </p:sp>
+      <p:sp>
+        <p:nvSpPr>
+          <p:cNvPr id="90" name="Card 89">
+            <a:extLst>
+              <a:ext uri="{FF2B5EF4-FFF2-40B4-BE49-F238E27FC236}">
+                <a16:creationId xmlns:a16="http://schemas.microsoft.com/office/drawing/2014/main" id="{7F6E0B4A-0AAB-EB4D-9539-0FB22E66F03F}"/>
+              </a:ext>
+            </a:extLst>
+          </p:cNvPr>
+          <p:cNvSpPr/>
+          <p:nvPr/>
+        </p:nvSpPr>
+        <p:spPr>
+          <a:xfrm>
+            <a:off x="724619" y="2837774"/>
+            <a:ext cx="414068" cy="487391"/>
+          </a:xfrm>
+          <a:prstGeom prst="flowChartPunchedCard">
+            <a:avLst/>
+          </a:prstGeom>
+          <a:solidFill>
+            <a:srgbClr val="00B050"/>
+          </a:solidFill>
+        </p:spPr>
+        <p:style>
+          <a:lnRef idx="2">
+            <a:schemeClr val="accent6"/>
+          </a:lnRef>
+          <a:fillRef idx="1">
+            <a:schemeClr val="lt1"/>
+          </a:fillRef>
+          <a:effectRef idx="0">
+            <a:schemeClr val="accent6"/>
+          </a:effectRef>
+          <a:fontRef idx="minor">
+            <a:schemeClr val="dk1"/>
+          </a:fontRef>
+        </p:style>
+        <p:txBody>
+          <a:bodyPr rtlCol="0" anchor="ctr"/>
+          <a:lstStyle/>
+          <a:p>
+            <a:r>
+              <a:rPr lang="en-GB" sz="800" dirty="0"/>
+              <a:t>……</a:t>
+            </a:r>
+          </a:p>
+          <a:p>
+            <a:r>
+              <a:rPr lang="en-GB" sz="800" dirty="0"/>
+              <a:t>…....</a:t>
+            </a:r>
+          </a:p>
+          <a:p>
+            <a:r>
+              <a:rPr lang="en-GB" sz="800" dirty="0"/>
+              <a:t>………</a:t>
+            </a:r>
+          </a:p>
+        </p:txBody>
+      </p:sp>
+      <p:sp>
+        <p:nvSpPr>
+          <p:cNvPr id="91" name="Card 90">
+            <a:extLst>
+              <a:ext uri="{FF2B5EF4-FFF2-40B4-BE49-F238E27FC236}">
+                <a16:creationId xmlns:a16="http://schemas.microsoft.com/office/drawing/2014/main" id="{46A772CE-11FC-A147-A654-6ADB4AD4B834}"/>
+              </a:ext>
+            </a:extLst>
+          </p:cNvPr>
+          <p:cNvSpPr/>
+          <p:nvPr/>
+        </p:nvSpPr>
+        <p:spPr>
+          <a:xfrm>
+            <a:off x="877019" y="2990174"/>
+            <a:ext cx="414068" cy="487391"/>
+          </a:xfrm>
+          <a:prstGeom prst="flowChartPunchedCard">
+            <a:avLst/>
+          </a:prstGeom>
+          <a:solidFill>
+            <a:srgbClr val="00B050"/>
+          </a:solidFill>
+        </p:spPr>
+        <p:style>
+          <a:lnRef idx="2">
+            <a:schemeClr val="accent6"/>
+          </a:lnRef>
+          <a:fillRef idx="1">
+            <a:schemeClr val="lt1"/>
+          </a:fillRef>
+          <a:effectRef idx="0">
+            <a:schemeClr val="accent6"/>
+          </a:effectRef>
+          <a:fontRef idx="minor">
+            <a:schemeClr val="dk1"/>
+          </a:fontRef>
+        </p:style>
+        <p:txBody>
+          <a:bodyPr rtlCol="0" anchor="ctr"/>
+          <a:lstStyle/>
+          <a:p>
+            <a:r>
+              <a:rPr lang="en-GB" sz="800" dirty="0"/>
+              <a:t>……</a:t>
+            </a:r>
+          </a:p>
+          <a:p>
+            <a:r>
+              <a:rPr lang="en-GB" sz="800" dirty="0"/>
+              <a:t>…....</a:t>
+            </a:r>
+          </a:p>
+          <a:p>
+            <a:r>
+              <a:rPr lang="en-GB" sz="800" dirty="0"/>
+              <a:t>………</a:t>
+            </a:r>
+          </a:p>
+        </p:txBody>
+      </p:sp>
+      <p:sp>
+        <p:nvSpPr>
+          <p:cNvPr id="92" name="Card 91">
+            <a:extLst>
+              <a:ext uri="{FF2B5EF4-FFF2-40B4-BE49-F238E27FC236}">
+                <a16:creationId xmlns:a16="http://schemas.microsoft.com/office/drawing/2014/main" id="{E7019B73-37A7-F249-94E7-426ACEB5778A}"/>
+              </a:ext>
+            </a:extLst>
+          </p:cNvPr>
+          <p:cNvSpPr/>
+          <p:nvPr/>
+        </p:nvSpPr>
+        <p:spPr>
+          <a:xfrm>
+            <a:off x="1029419" y="3142574"/>
+            <a:ext cx="414068" cy="487391"/>
+          </a:xfrm>
+          <a:prstGeom prst="flowChartPunchedCard">
+            <a:avLst/>
+          </a:prstGeom>
+          <a:solidFill>
+            <a:srgbClr val="FF0000"/>
+          </a:solidFill>
+        </p:spPr>
+        <p:style>
+          <a:lnRef idx="2">
+            <a:schemeClr val="accent6"/>
+          </a:lnRef>
+          <a:fillRef idx="1">
+            <a:schemeClr val="lt1"/>
+          </a:fillRef>
+          <a:effectRef idx="0">
+            <a:schemeClr val="accent6"/>
+          </a:effectRef>
+          <a:fontRef idx="minor">
+            <a:schemeClr val="dk1"/>
+          </a:fontRef>
+        </p:style>
+        <p:txBody>
+          <a:bodyPr rtlCol="0" anchor="ctr"/>
+          <a:lstStyle/>
+          <a:p>
+            <a:r>
+              <a:rPr lang="en-GB" sz="800" dirty="0"/>
+              <a:t>……</a:t>
+            </a:r>
+          </a:p>
+          <a:p>
+            <a:r>
+              <a:rPr lang="en-GB" sz="800" dirty="0"/>
+              <a:t>…....</a:t>
+            </a:r>
+          </a:p>
+          <a:p>
+            <a:r>
+              <a:rPr lang="en-GB" sz="800" dirty="0"/>
+              <a:t>………</a:t>
+            </a:r>
+          </a:p>
+        </p:txBody>
+      </p:sp>
+      <p:sp>
+        <p:nvSpPr>
+          <p:cNvPr id="93" name="Card 92">
+            <a:extLst>
+              <a:ext uri="{FF2B5EF4-FFF2-40B4-BE49-F238E27FC236}">
+                <a16:creationId xmlns:a16="http://schemas.microsoft.com/office/drawing/2014/main" id="{2C5CD158-79B8-E24A-B237-92D75DD8122E}"/>
+              </a:ext>
+            </a:extLst>
+          </p:cNvPr>
+          <p:cNvSpPr/>
+          <p:nvPr/>
+        </p:nvSpPr>
+        <p:spPr>
+          <a:xfrm>
+            <a:off x="1089662" y="2891422"/>
+            <a:ext cx="414068" cy="487391"/>
+          </a:xfrm>
+          <a:prstGeom prst="flowChartPunchedCard">
+            <a:avLst/>
+          </a:prstGeom>
+          <a:solidFill>
+            <a:srgbClr val="FF0000"/>
+          </a:solidFill>
+        </p:spPr>
+        <p:style>
+          <a:lnRef idx="2">
+            <a:schemeClr val="accent6"/>
+          </a:lnRef>
+          <a:fillRef idx="1">
+            <a:schemeClr val="lt1"/>
+          </a:fillRef>
+          <a:effectRef idx="0">
+            <a:schemeClr val="accent6"/>
+          </a:effectRef>
+          <a:fontRef idx="minor">
+            <a:schemeClr val="dk1"/>
+          </a:fontRef>
+        </p:style>
+        <p:txBody>
+          <a:bodyPr rtlCol="0" anchor="ctr"/>
+          <a:lstStyle/>
+          <a:p>
+            <a:r>
+              <a:rPr lang="en-GB" sz="800" dirty="0"/>
+              <a:t>……</a:t>
+            </a:r>
+          </a:p>
+          <a:p>
+            <a:r>
+              <a:rPr lang="en-GB" sz="800" dirty="0"/>
+              <a:t>…....</a:t>
+            </a:r>
+          </a:p>
+          <a:p>
+            <a:r>
+              <a:rPr lang="en-GB" sz="800" dirty="0"/>
+              <a:t>………</a:t>
+            </a:r>
+          </a:p>
+        </p:txBody>
+      </p:sp>
+      <p:sp>
+        <p:nvSpPr>
+          <p:cNvPr id="94" name="Card 93">
+            <a:extLst>
+              <a:ext uri="{FF2B5EF4-FFF2-40B4-BE49-F238E27FC236}">
+                <a16:creationId xmlns:a16="http://schemas.microsoft.com/office/drawing/2014/main" id="{ED084D2F-5A9A-9F47-B05E-8B6DE29E4C76}"/>
+              </a:ext>
+            </a:extLst>
+          </p:cNvPr>
+          <p:cNvSpPr/>
+          <p:nvPr/>
+        </p:nvSpPr>
+        <p:spPr>
+          <a:xfrm>
+            <a:off x="1242062" y="3043822"/>
+            <a:ext cx="414068" cy="487391"/>
+          </a:xfrm>
+          <a:prstGeom prst="flowChartPunchedCard">
+            <a:avLst/>
+          </a:prstGeom>
+          <a:solidFill>
+            <a:srgbClr val="00B050"/>
+          </a:solidFill>
+        </p:spPr>
+        <p:style>
+          <a:lnRef idx="2">
+            <a:schemeClr val="accent6"/>
+          </a:lnRef>
+          <a:fillRef idx="1">
+            <a:schemeClr val="lt1"/>
+          </a:fillRef>
+          <a:effectRef idx="0">
+            <a:schemeClr val="accent6"/>
+          </a:effectRef>
+          <a:fontRef idx="minor">
+            <a:schemeClr val="dk1"/>
+          </a:fontRef>
+        </p:style>
+        <p:txBody>
+          <a:bodyPr rtlCol="0" anchor="ctr"/>
+          <a:lstStyle/>
+          <a:p>
+            <a:r>
+              <a:rPr lang="en-GB" sz="800" dirty="0"/>
+              <a:t>……</a:t>
+            </a:r>
+          </a:p>
+          <a:p>
+            <a:r>
+              <a:rPr lang="en-GB" sz="800" dirty="0"/>
+              <a:t>…....</a:t>
+            </a:r>
+          </a:p>
+          <a:p>
+            <a:r>
+              <a:rPr lang="en-GB" sz="800" dirty="0"/>
+              <a:t>………</a:t>
+            </a:r>
+          </a:p>
+        </p:txBody>
+      </p:sp>
+      <p:sp>
+        <p:nvSpPr>
+          <p:cNvPr id="95" name="Card 94">
+            <a:extLst>
+              <a:ext uri="{FF2B5EF4-FFF2-40B4-BE49-F238E27FC236}">
+                <a16:creationId xmlns:a16="http://schemas.microsoft.com/office/drawing/2014/main" id="{29A230B7-EC3D-7140-8DBA-3C8DA98C25F6}"/>
+              </a:ext>
+            </a:extLst>
+          </p:cNvPr>
+          <p:cNvSpPr/>
+          <p:nvPr/>
+        </p:nvSpPr>
+        <p:spPr>
+          <a:xfrm>
+            <a:off x="1394462" y="3196222"/>
+            <a:ext cx="414068" cy="487391"/>
+          </a:xfrm>
+          <a:prstGeom prst="flowChartPunchedCard">
+            <a:avLst/>
+          </a:prstGeom>
+          <a:solidFill>
+            <a:srgbClr val="FF0000"/>
+          </a:solidFill>
+        </p:spPr>
+        <p:style>
+          <a:lnRef idx="2">
+            <a:schemeClr val="accent6"/>
+          </a:lnRef>
+          <a:fillRef idx="1">
+            <a:schemeClr val="lt1"/>
+          </a:fillRef>
+          <a:effectRef idx="0">
+            <a:schemeClr val="accent6"/>
+          </a:effectRef>
+          <a:fontRef idx="minor">
+            <a:schemeClr val="dk1"/>
+          </a:fontRef>
+        </p:style>
+        <p:txBody>
+          <a:bodyPr rtlCol="0" anchor="ctr"/>
+          <a:lstStyle/>
+          <a:p>
+            <a:r>
+              <a:rPr lang="en-GB" sz="800" dirty="0"/>
+              <a:t>……</a:t>
+            </a:r>
+          </a:p>
+          <a:p>
+            <a:r>
+              <a:rPr lang="en-GB" sz="800" dirty="0"/>
+              <a:t>…....</a:t>
+            </a:r>
+          </a:p>
+          <a:p>
+            <a:r>
+              <a:rPr lang="en-GB" sz="800" dirty="0"/>
+              <a:t>………</a:t>
+            </a:r>
+          </a:p>
+        </p:txBody>
+      </p:sp>
+      <p:sp>
+        <p:nvSpPr>
+          <p:cNvPr id="96" name="Card 95">
+            <a:extLst>
+              <a:ext uri="{FF2B5EF4-FFF2-40B4-BE49-F238E27FC236}">
+                <a16:creationId xmlns:a16="http://schemas.microsoft.com/office/drawing/2014/main" id="{6BF6DF01-BBF4-DB46-9186-AD82E6581B59}"/>
+              </a:ext>
+            </a:extLst>
+          </p:cNvPr>
+          <p:cNvSpPr/>
+          <p:nvPr/>
+        </p:nvSpPr>
+        <p:spPr>
+          <a:xfrm>
+            <a:off x="609742" y="3262241"/>
+            <a:ext cx="414068" cy="487391"/>
+          </a:xfrm>
+          <a:prstGeom prst="flowChartPunchedCard">
+            <a:avLst/>
+          </a:prstGeom>
+          <a:solidFill>
+            <a:srgbClr val="00B050"/>
+          </a:solidFill>
+        </p:spPr>
+        <p:style>
+          <a:lnRef idx="2">
+            <a:schemeClr val="accent6"/>
+          </a:lnRef>
+          <a:fillRef idx="1">
+            <a:schemeClr val="lt1"/>
+          </a:fillRef>
+          <a:effectRef idx="0">
+            <a:schemeClr val="accent6"/>
+          </a:effectRef>
+          <a:fontRef idx="minor">
+            <a:schemeClr val="dk1"/>
+          </a:fontRef>
+        </p:style>
+        <p:txBody>
+          <a:bodyPr rtlCol="0" anchor="ctr"/>
+          <a:lstStyle/>
+          <a:p>
+            <a:r>
+              <a:rPr lang="en-GB" sz="800" dirty="0"/>
+              <a:t>……</a:t>
+            </a:r>
+          </a:p>
+          <a:p>
+            <a:r>
+              <a:rPr lang="en-GB" sz="800" dirty="0"/>
+              <a:t>…....</a:t>
+            </a:r>
+          </a:p>
+          <a:p>
+            <a:r>
+              <a:rPr lang="en-GB" sz="800" dirty="0"/>
+              <a:t>………</a:t>
+            </a:r>
+          </a:p>
+        </p:txBody>
+      </p:sp>
+      <p:sp>
+        <p:nvSpPr>
+          <p:cNvPr id="97" name="Card 96">
+            <a:extLst>
+              <a:ext uri="{FF2B5EF4-FFF2-40B4-BE49-F238E27FC236}">
+                <a16:creationId xmlns:a16="http://schemas.microsoft.com/office/drawing/2014/main" id="{35D32F31-1177-2D48-916A-431F6D127204}"/>
+              </a:ext>
+            </a:extLst>
+          </p:cNvPr>
+          <p:cNvSpPr/>
+          <p:nvPr/>
+        </p:nvSpPr>
+        <p:spPr>
+          <a:xfrm>
+            <a:off x="762142" y="3414641"/>
+            <a:ext cx="414068" cy="487391"/>
+          </a:xfrm>
+          <a:prstGeom prst="flowChartPunchedCard">
+            <a:avLst/>
+          </a:prstGeom>
+          <a:solidFill>
+            <a:srgbClr val="FF0000"/>
+          </a:solidFill>
+        </p:spPr>
+        <p:style>
+          <a:lnRef idx="2">
+            <a:schemeClr val="accent6"/>
+          </a:lnRef>
+          <a:fillRef idx="1">
+            <a:schemeClr val="lt1"/>
+          </a:fillRef>
+          <a:effectRef idx="0">
+            <a:schemeClr val="accent6"/>
+          </a:effectRef>
+          <a:fontRef idx="minor">
+            <a:schemeClr val="dk1"/>
+          </a:fontRef>
+        </p:style>
+        <p:txBody>
+          <a:bodyPr rtlCol="0" anchor="ctr"/>
+          <a:lstStyle/>
+          <a:p>
+            <a:r>
+              <a:rPr lang="en-GB" sz="800" dirty="0"/>
+              <a:t>……</a:t>
+            </a:r>
+          </a:p>
+          <a:p>
+            <a:r>
+              <a:rPr lang="en-GB" sz="800" dirty="0"/>
+              <a:t>…....</a:t>
+            </a:r>
+          </a:p>
+          <a:p>
+            <a:r>
+              <a:rPr lang="en-GB" sz="800" dirty="0"/>
+              <a:t>………</a:t>
+            </a:r>
+          </a:p>
+        </p:txBody>
+      </p:sp>
+      <p:sp>
+        <p:nvSpPr>
+          <p:cNvPr id="98" name="Card 97">
+            <a:extLst>
+              <a:ext uri="{FF2B5EF4-FFF2-40B4-BE49-F238E27FC236}">
+                <a16:creationId xmlns:a16="http://schemas.microsoft.com/office/drawing/2014/main" id="{A77E28DA-F4D4-3345-93C4-B97245ABD616}"/>
+              </a:ext>
+            </a:extLst>
+          </p:cNvPr>
+          <p:cNvSpPr/>
+          <p:nvPr/>
+        </p:nvSpPr>
+        <p:spPr>
+          <a:xfrm>
+            <a:off x="914542" y="3567041"/>
+            <a:ext cx="414068" cy="487391"/>
+          </a:xfrm>
+          <a:prstGeom prst="flowChartPunchedCard">
+            <a:avLst/>
+          </a:prstGeom>
+          <a:solidFill>
+            <a:srgbClr val="00B050"/>
+          </a:solidFill>
+        </p:spPr>
+        <p:style>
+          <a:lnRef idx="2">
+            <a:schemeClr val="accent6"/>
+          </a:lnRef>
+          <a:fillRef idx="1">
+            <a:schemeClr val="lt1"/>
+          </a:fillRef>
+          <a:effectRef idx="0">
+            <a:schemeClr val="accent6"/>
+          </a:effectRef>
+          <a:fontRef idx="minor">
+            <a:schemeClr val="dk1"/>
+          </a:fontRef>
+        </p:style>
+        <p:txBody>
+          <a:bodyPr rtlCol="0" anchor="ctr"/>
+          <a:lstStyle/>
+          <a:p>
+            <a:r>
+              <a:rPr lang="en-GB" sz="800" dirty="0"/>
+              <a:t>……</a:t>
+            </a:r>
+          </a:p>
+          <a:p>
+            <a:r>
+              <a:rPr lang="en-GB" sz="800" dirty="0"/>
+              <a:t>…....</a:t>
+            </a:r>
+          </a:p>
+          <a:p>
+            <a:r>
+              <a:rPr lang="en-GB" sz="800" dirty="0"/>
+              <a:t>………</a:t>
+            </a:r>
+          </a:p>
+        </p:txBody>
+      </p:sp>
+      <p:sp>
+        <p:nvSpPr>
+          <p:cNvPr id="99" name="Card 98">
+            <a:extLst>
+              <a:ext uri="{FF2B5EF4-FFF2-40B4-BE49-F238E27FC236}">
+                <a16:creationId xmlns:a16="http://schemas.microsoft.com/office/drawing/2014/main" id="{052F1BF0-F11A-464D-95F9-1CA1CD2087FA}"/>
+              </a:ext>
+            </a:extLst>
+          </p:cNvPr>
+          <p:cNvSpPr/>
+          <p:nvPr/>
+        </p:nvSpPr>
+        <p:spPr>
+          <a:xfrm>
+            <a:off x="1177577" y="3380988"/>
+            <a:ext cx="414068" cy="487391"/>
+          </a:xfrm>
+          <a:prstGeom prst="flowChartPunchedCard">
+            <a:avLst/>
+          </a:prstGeom>
+          <a:solidFill>
+            <a:srgbClr val="00B050"/>
+          </a:solidFill>
+        </p:spPr>
+        <p:style>
+          <a:lnRef idx="2">
+            <a:schemeClr val="accent6"/>
+          </a:lnRef>
+          <a:fillRef idx="1">
+            <a:schemeClr val="lt1"/>
+          </a:fillRef>
+          <a:effectRef idx="0">
+            <a:schemeClr val="accent6"/>
+          </a:effectRef>
+          <a:fontRef idx="minor">
+            <a:schemeClr val="dk1"/>
+          </a:fontRef>
+        </p:style>
+        <p:txBody>
+          <a:bodyPr rtlCol="0" anchor="ctr"/>
+          <a:lstStyle/>
+          <a:p>
+            <a:r>
+              <a:rPr lang="en-GB" sz="800" dirty="0"/>
+              <a:t>……</a:t>
+            </a:r>
+          </a:p>
+          <a:p>
+            <a:r>
+              <a:rPr lang="en-GB" sz="800" dirty="0"/>
+              <a:t>…....</a:t>
+            </a:r>
+          </a:p>
+          <a:p>
+            <a:r>
+              <a:rPr lang="en-GB" sz="800" dirty="0"/>
+              <a:t>………</a:t>
+            </a:r>
+          </a:p>
+        </p:txBody>
+      </p:sp>
+      <p:sp>
+        <p:nvSpPr>
+          <p:cNvPr id="100" name="Card 99">
+            <a:extLst>
+              <a:ext uri="{FF2B5EF4-FFF2-40B4-BE49-F238E27FC236}">
+                <a16:creationId xmlns:a16="http://schemas.microsoft.com/office/drawing/2014/main" id="{C0386C42-97D5-E948-A977-D236C8CE727F}"/>
+              </a:ext>
+            </a:extLst>
+          </p:cNvPr>
+          <p:cNvSpPr/>
+          <p:nvPr/>
+        </p:nvSpPr>
+        <p:spPr>
+          <a:xfrm>
+            <a:off x="1329977" y="3533388"/>
+            <a:ext cx="414068" cy="487391"/>
+          </a:xfrm>
+          <a:prstGeom prst="flowChartPunchedCard">
+            <a:avLst/>
+          </a:prstGeom>
+          <a:solidFill>
+            <a:srgbClr val="00B050"/>
+          </a:solidFill>
+        </p:spPr>
+        <p:style>
+          <a:lnRef idx="2">
+            <a:schemeClr val="accent6"/>
+          </a:lnRef>
+          <a:fillRef idx="1">
+            <a:schemeClr val="lt1"/>
+          </a:fillRef>
+          <a:effectRef idx="0">
+            <a:schemeClr val="accent6"/>
+          </a:effectRef>
+          <a:fontRef idx="minor">
+            <a:schemeClr val="dk1"/>
+          </a:fontRef>
+        </p:style>
+        <p:txBody>
+          <a:bodyPr rtlCol="0" anchor="ctr"/>
+          <a:lstStyle/>
+          <a:p>
+            <a:r>
+              <a:rPr lang="en-GB" sz="800" dirty="0"/>
+              <a:t>……</a:t>
+            </a:r>
+          </a:p>
+          <a:p>
+            <a:r>
+              <a:rPr lang="en-GB" sz="800" dirty="0"/>
+              <a:t>…....</a:t>
+            </a:r>
+          </a:p>
+          <a:p>
+            <a:r>
+              <a:rPr lang="en-GB" sz="800" dirty="0"/>
+              <a:t>………</a:t>
+            </a:r>
+          </a:p>
+        </p:txBody>
+      </p:sp>
+      <p:sp>
+        <p:nvSpPr>
+          <p:cNvPr id="101" name="Card 100">
+            <a:extLst>
+              <a:ext uri="{FF2B5EF4-FFF2-40B4-BE49-F238E27FC236}">
+                <a16:creationId xmlns:a16="http://schemas.microsoft.com/office/drawing/2014/main" id="{B281A193-2117-304E-88B0-3B44AEE9405A}"/>
+              </a:ext>
+            </a:extLst>
+          </p:cNvPr>
+          <p:cNvSpPr/>
+          <p:nvPr/>
+        </p:nvSpPr>
+        <p:spPr>
+          <a:xfrm>
+            <a:off x="1482377" y="3685788"/>
+            <a:ext cx="414068" cy="487391"/>
+          </a:xfrm>
+          <a:prstGeom prst="flowChartPunchedCard">
+            <a:avLst/>
+          </a:prstGeom>
+          <a:solidFill>
+            <a:srgbClr val="FF0000"/>
+          </a:solidFill>
+        </p:spPr>
+        <p:style>
+          <a:lnRef idx="2">
+            <a:schemeClr val="accent6"/>
+          </a:lnRef>
+          <a:fillRef idx="1">
+            <a:schemeClr val="lt1"/>
+          </a:fillRef>
+          <a:effectRef idx="0">
+            <a:schemeClr val="accent6"/>
+          </a:effectRef>
+          <a:fontRef idx="minor">
+            <a:schemeClr val="dk1"/>
+          </a:fontRef>
+        </p:style>
+        <p:txBody>
+          <a:bodyPr rtlCol="0" anchor="ctr"/>
+          <a:lstStyle/>
+          <a:p>
+            <a:r>
+              <a:rPr lang="en-GB" sz="800" dirty="0"/>
+              <a:t>……</a:t>
+            </a:r>
+          </a:p>
+          <a:p>
+            <a:r>
+              <a:rPr lang="en-GB" sz="800" dirty="0"/>
+              <a:t>…....</a:t>
+            </a:r>
+          </a:p>
+          <a:p>
+            <a:r>
+              <a:rPr lang="en-GB" sz="800" dirty="0"/>
+              <a:t>………</a:t>
+            </a:r>
+          </a:p>
+        </p:txBody>
+      </p:sp>
+      <p:sp>
+        <p:nvSpPr>
+          <p:cNvPr id="49" name="Rectangle 48">
+            <a:extLst>
+              <a:ext uri="{FF2B5EF4-FFF2-40B4-BE49-F238E27FC236}">
+                <a16:creationId xmlns:a16="http://schemas.microsoft.com/office/drawing/2014/main" id="{9DB78436-F4E2-E849-92BB-D8574E1FB674}"/>
+              </a:ext>
+            </a:extLst>
+          </p:cNvPr>
+          <p:cNvSpPr/>
+          <p:nvPr/>
+        </p:nvSpPr>
+        <p:spPr>
+          <a:xfrm>
+            <a:off x="365256" y="5933540"/>
+            <a:ext cx="11509348" cy="838195"/>
+          </a:xfrm>
+          <a:prstGeom prst="rect">
+            <a:avLst/>
+          </a:prstGeom>
+          <a:noFill/>
+          <a:ln>
+            <a:solidFill>
+              <a:schemeClr val="tx1"/>
+            </a:solidFill>
+          </a:ln>
+        </p:spPr>
+        <p:style>
+          <a:lnRef idx="2">
+            <a:schemeClr val="accent6"/>
+          </a:lnRef>
+          <a:fillRef idx="1">
+            <a:schemeClr val="lt1"/>
+          </a:fillRef>
+          <a:effectRef idx="0">
+            <a:schemeClr val="accent6"/>
+          </a:effectRef>
+          <a:fontRef idx="minor">
+            <a:schemeClr val="dk1"/>
+          </a:fontRef>
+        </p:style>
+        <p:txBody>
+          <a:bodyPr rtlCol="0" anchor="ctr"/>
+          <a:lstStyle/>
+          <a:p>
+            <a:pPr algn="ctr"/>
+            <a:endParaRPr lang="en-GB"/>
+          </a:p>
+        </p:txBody>
+      </p:sp>
+      <p:sp>
+        <p:nvSpPr>
+          <p:cNvPr id="51" name="Rectangle 50">
+            <a:extLst>
+              <a:ext uri="{FF2B5EF4-FFF2-40B4-BE49-F238E27FC236}">
+                <a16:creationId xmlns:a16="http://schemas.microsoft.com/office/drawing/2014/main" id="{B2F4BEB2-3C95-0340-8262-0CAA224728D7}"/>
+              </a:ext>
+            </a:extLst>
+          </p:cNvPr>
+          <p:cNvSpPr/>
+          <p:nvPr/>
+        </p:nvSpPr>
+        <p:spPr>
+          <a:xfrm>
+            <a:off x="365256" y="1037610"/>
+            <a:ext cx="11509348" cy="4709211"/>
+          </a:xfrm>
+          <a:prstGeom prst="rect">
+            <a:avLst/>
+          </a:prstGeom>
+          <a:noFill/>
+          <a:ln>
+            <a:solidFill>
+              <a:schemeClr val="tx1"/>
+            </a:solidFill>
+          </a:ln>
+        </p:spPr>
+        <p:style>
+          <a:lnRef idx="2">
+            <a:schemeClr val="accent6"/>
+          </a:lnRef>
+          <a:fillRef idx="1">
+            <a:schemeClr val="lt1"/>
+          </a:fillRef>
+          <a:effectRef idx="0">
+            <a:schemeClr val="accent6"/>
+          </a:effectRef>
+          <a:fontRef idx="minor">
+            <a:schemeClr val="dk1"/>
+          </a:fontRef>
+        </p:style>
+        <p:txBody>
+          <a:bodyPr rtlCol="0" anchor="ctr"/>
+          <a:lstStyle/>
+          <a:p>
+            <a:pPr algn="ctr"/>
             <a:endParaRPr lang="en-GB"/>
           </a:p>
         </p:txBody>
@@ -13387,7 +14121,7 @@
     </p:spTree>
     <p:extLst>
       <p:ext uri="{BB962C8B-B14F-4D97-AF65-F5344CB8AC3E}">
-        <p14:creationId xmlns:p14="http://schemas.microsoft.com/office/powerpoint/2010/main" val="1089483639"/>
+        <p14:creationId xmlns:p14="http://schemas.microsoft.com/office/powerpoint/2010/main" val="1671606738"/>
       </p:ext>
     </p:extLst>
   </p:cSld>
